--- a/my_presentation0.pptx
+++ b/my_presentation0.pptx
@@ -2,7 +2,7 @@
 <file path=ppt/presentation.xml><?xml version="1.0" encoding="utf-8"?>
 <p:presentation xmlns:a="http://schemas.openxmlformats.org/drawingml/2006/main" xmlns:r="http://schemas.openxmlformats.org/officeDocument/2006/relationships" xmlns:p="http://schemas.openxmlformats.org/presentationml/2006/main" saveSubsetFonts="1">
   <p:sldMasterIdLst>
-    <p:sldMasterId id="2147483672" r:id="rId1"/>
+    <p:sldMasterId id="2147483690" r:id="rId1"/>
   </p:sldMasterIdLst>
   <p:sldIdLst>
     <p:sldId id="257" r:id="rId7"/>
@@ -16,6 +16,7 @@
     <p:sldId id="265" r:id="rId15"/>
     <p:sldId id="266" r:id="rId16"/>
     <p:sldId id="267" r:id="rId17"/>
+    <p:sldId id="268" r:id="rId18"/>
   </p:sldIdLst>
   <p:sldSz cx="12192000" cy="6858000"/>
   <p:notesSz cx="6858000" cy="9144000"/>
@@ -118,7 +119,7 @@
 </file>
 
 <file path=ppt/slideLayouts/slideLayout1.xml><?xml version="1.0" encoding="utf-8"?>
-<p:sldLayout xmlns:a="http://schemas.openxmlformats.org/drawingml/2006/main" xmlns:r="http://schemas.openxmlformats.org/officeDocument/2006/relationships" xmlns:p="http://schemas.openxmlformats.org/presentationml/2006/main" type="title" preserve="1">
+<p:sldLayout xmlns:a="http://schemas.openxmlformats.org/drawingml/2006/main" xmlns:r="http://schemas.openxmlformats.org/officeDocument/2006/relationships" xmlns:p="http://schemas.openxmlformats.org/presentationml/2006/main" showMasterSp="0" type="title" preserve="1">
   <p:cSld name="Title Slide">
     <p:spTree>
       <p:nvGrpSpPr>
@@ -134,6 +135,536 @@
           <a:chExt cx="0" cy="0"/>
         </a:xfrm>
       </p:grpSpPr>
+      <p:grpSp>
+        <p:nvGrpSpPr>
+          <p:cNvPr id="7" name="Group 6"/>
+          <p:cNvGrpSpPr/>
+          <p:nvPr/>
+        </p:nvGrpSpPr>
+        <p:grpSpPr>
+          <a:xfrm>
+            <a:off x="0" y="-8467"/>
+            <a:ext cx="12192000" cy="6866467"/>
+            <a:chOff x="0" y="-8467"/>
+            <a:chExt cx="12192000" cy="6866467"/>
+          </a:xfrm>
+        </p:grpSpPr>
+        <p:cxnSp>
+          <p:nvCxnSpPr>
+            <p:cNvPr id="32" name="Straight Connector 31"/>
+            <p:cNvCxnSpPr/>
+            <p:nvPr/>
+          </p:nvCxnSpPr>
+          <p:spPr>
+            <a:xfrm>
+              <a:off x="9371012" y="0"/>
+              <a:ext cx="1219200" cy="6858000"/>
+            </a:xfrm>
+            <a:prstGeom prst="line">
+              <a:avLst/>
+            </a:prstGeom>
+            <a:ln w="9525">
+              <a:solidFill>
+                <a:schemeClr val="bg1">
+                  <a:lumMod val="75000"/>
+                </a:schemeClr>
+              </a:solidFill>
+            </a:ln>
+          </p:spPr>
+          <p:style>
+            <a:lnRef idx="2">
+              <a:schemeClr val="accent1"/>
+            </a:lnRef>
+            <a:fillRef idx="0">
+              <a:schemeClr val="accent1"/>
+            </a:fillRef>
+            <a:effectRef idx="1">
+              <a:schemeClr val="accent1"/>
+            </a:effectRef>
+            <a:fontRef idx="minor">
+              <a:schemeClr val="tx1"/>
+            </a:fontRef>
+          </p:style>
+        </p:cxnSp>
+        <p:cxnSp>
+          <p:nvCxnSpPr>
+            <p:cNvPr id="21" name="Straight Connector 20"/>
+            <p:cNvCxnSpPr/>
+            <p:nvPr/>
+          </p:nvCxnSpPr>
+          <p:spPr>
+            <a:xfrm flipH="1">
+              <a:off x="7425267" y="3681413"/>
+              <a:ext cx="4763558" cy="3176587"/>
+            </a:xfrm>
+            <a:prstGeom prst="line">
+              <a:avLst/>
+            </a:prstGeom>
+            <a:ln w="9525">
+              <a:solidFill>
+                <a:schemeClr val="bg1">
+                  <a:lumMod val="85000"/>
+                </a:schemeClr>
+              </a:solidFill>
+            </a:ln>
+          </p:spPr>
+          <p:style>
+            <a:lnRef idx="2">
+              <a:schemeClr val="accent1"/>
+            </a:lnRef>
+            <a:fillRef idx="0">
+              <a:schemeClr val="accent1"/>
+            </a:fillRef>
+            <a:effectRef idx="1">
+              <a:schemeClr val="accent1"/>
+            </a:effectRef>
+            <a:fontRef idx="minor">
+              <a:schemeClr val="tx1"/>
+            </a:fontRef>
+          </p:style>
+        </p:cxnSp>
+        <p:sp>
+          <p:nvSpPr>
+            <p:cNvPr id="24" name="Rectangle 23"/>
+            <p:cNvSpPr/>
+            <p:nvPr/>
+          </p:nvSpPr>
+          <p:spPr>
+            <a:xfrm>
+              <a:off x="9181476" y="-8467"/>
+              <a:ext cx="3007349" cy="6866467"/>
+            </a:xfrm>
+            <a:custGeom>
+              <a:avLst/>
+              <a:gdLst/>
+              <a:ahLst/>
+              <a:cxnLst/>
+              <a:rect l="l" t="t" r="r" b="b"/>
+              <a:pathLst>
+                <a:path w="3007349" h="6866467">
+                  <a:moveTo>
+                    <a:pt x="2045532" y="0"/>
+                  </a:moveTo>
+                  <a:lnTo>
+                    <a:pt x="3007349" y="0"/>
+                  </a:lnTo>
+                  <a:lnTo>
+                    <a:pt x="3007349" y="6866467"/>
+                  </a:lnTo>
+                  <a:lnTo>
+                    <a:pt x="0" y="6866467"/>
+                  </a:lnTo>
+                  <a:lnTo>
+                    <a:pt x="2045532" y="0"/>
+                  </a:lnTo>
+                  <a:close/>
+                </a:path>
+              </a:pathLst>
+            </a:custGeom>
+            <a:solidFill>
+              <a:schemeClr val="accent1">
+                <a:alpha val="30000"/>
+              </a:schemeClr>
+            </a:solidFill>
+            <a:ln>
+              <a:noFill/>
+            </a:ln>
+            <a:effectLst/>
+          </p:spPr>
+          <p:style>
+            <a:lnRef idx="1">
+              <a:schemeClr val="accent1"/>
+            </a:lnRef>
+            <a:fillRef idx="3">
+              <a:schemeClr val="accent1"/>
+            </a:fillRef>
+            <a:effectRef idx="2">
+              <a:schemeClr val="accent1"/>
+            </a:effectRef>
+            <a:fontRef idx="minor">
+              <a:schemeClr val="lt1"/>
+            </a:fontRef>
+          </p:style>
+        </p:sp>
+        <p:sp>
+          <p:nvSpPr>
+            <p:cNvPr id="26" name="Rectangle 25"/>
+            <p:cNvSpPr/>
+            <p:nvPr/>
+          </p:nvSpPr>
+          <p:spPr>
+            <a:xfrm>
+              <a:off x="9603442" y="-8467"/>
+              <a:ext cx="2588558" cy="6866467"/>
+            </a:xfrm>
+            <a:custGeom>
+              <a:avLst/>
+              <a:gdLst/>
+              <a:ahLst/>
+              <a:cxnLst/>
+              <a:rect l="l" t="t" r="r" b="b"/>
+              <a:pathLst>
+                <a:path w="2573311" h="6866467">
+                  <a:moveTo>
+                    <a:pt x="0" y="0"/>
+                  </a:moveTo>
+                  <a:lnTo>
+                    <a:pt x="2573311" y="0"/>
+                  </a:lnTo>
+                  <a:lnTo>
+                    <a:pt x="2573311" y="6866467"/>
+                  </a:lnTo>
+                  <a:lnTo>
+                    <a:pt x="1202336" y="6866467"/>
+                  </a:lnTo>
+                  <a:lnTo>
+                    <a:pt x="0" y="0"/>
+                  </a:lnTo>
+                  <a:close/>
+                </a:path>
+              </a:pathLst>
+            </a:custGeom>
+            <a:solidFill>
+              <a:schemeClr val="accent1">
+                <a:alpha val="20000"/>
+              </a:schemeClr>
+            </a:solidFill>
+            <a:ln>
+              <a:noFill/>
+            </a:ln>
+            <a:effectLst/>
+          </p:spPr>
+          <p:style>
+            <a:lnRef idx="1">
+              <a:schemeClr val="accent1"/>
+            </a:lnRef>
+            <a:fillRef idx="3">
+              <a:schemeClr val="accent1"/>
+            </a:fillRef>
+            <a:effectRef idx="2">
+              <a:schemeClr val="accent1"/>
+            </a:effectRef>
+            <a:fontRef idx="minor">
+              <a:schemeClr val="lt1"/>
+            </a:fontRef>
+          </p:style>
+        </p:sp>
+        <p:sp>
+          <p:nvSpPr>
+            <p:cNvPr id="27" name="Isosceles Triangle 26"/>
+            <p:cNvSpPr/>
+            <p:nvPr/>
+          </p:nvSpPr>
+          <p:spPr>
+            <a:xfrm>
+              <a:off x="8932333" y="3048000"/>
+              <a:ext cx="3259667" cy="3810000"/>
+            </a:xfrm>
+            <a:prstGeom prst="triangle">
+              <a:avLst>
+                <a:gd name="adj" fmla="val 100000"/>
+              </a:avLst>
+            </a:prstGeom>
+            <a:solidFill>
+              <a:schemeClr val="accent2">
+                <a:alpha val="72000"/>
+              </a:schemeClr>
+            </a:solidFill>
+            <a:ln>
+              <a:noFill/>
+            </a:ln>
+            <a:effectLst/>
+          </p:spPr>
+          <p:style>
+            <a:lnRef idx="1">
+              <a:schemeClr val="accent1"/>
+            </a:lnRef>
+            <a:fillRef idx="3">
+              <a:schemeClr val="accent1"/>
+            </a:fillRef>
+            <a:effectRef idx="2">
+              <a:schemeClr val="accent1"/>
+            </a:effectRef>
+            <a:fontRef idx="minor">
+              <a:schemeClr val="lt1"/>
+            </a:fontRef>
+          </p:style>
+        </p:sp>
+        <p:sp>
+          <p:nvSpPr>
+            <p:cNvPr id="28" name="Rectangle 27"/>
+            <p:cNvSpPr/>
+            <p:nvPr/>
+          </p:nvSpPr>
+          <p:spPr>
+            <a:xfrm>
+              <a:off x="9334500" y="-8467"/>
+              <a:ext cx="2854326" cy="6866467"/>
+            </a:xfrm>
+            <a:custGeom>
+              <a:avLst/>
+              <a:gdLst/>
+              <a:ahLst/>
+              <a:cxnLst/>
+              <a:rect l="l" t="t" r="r" b="b"/>
+              <a:pathLst>
+                <a:path w="2858013" h="6866467">
+                  <a:moveTo>
+                    <a:pt x="0" y="0"/>
+                  </a:moveTo>
+                  <a:lnTo>
+                    <a:pt x="2858013" y="0"/>
+                  </a:lnTo>
+                  <a:lnTo>
+                    <a:pt x="2858013" y="6866467"/>
+                  </a:lnTo>
+                  <a:lnTo>
+                    <a:pt x="2473942" y="6866467"/>
+                  </a:lnTo>
+                  <a:lnTo>
+                    <a:pt x="0" y="0"/>
+                  </a:lnTo>
+                  <a:close/>
+                </a:path>
+              </a:pathLst>
+            </a:custGeom>
+            <a:solidFill>
+              <a:schemeClr val="accent2">
+                <a:lumMod val="75000"/>
+                <a:alpha val="70000"/>
+              </a:schemeClr>
+            </a:solidFill>
+            <a:ln>
+              <a:noFill/>
+            </a:ln>
+            <a:effectLst/>
+          </p:spPr>
+          <p:style>
+            <a:lnRef idx="1">
+              <a:schemeClr val="accent1"/>
+            </a:lnRef>
+            <a:fillRef idx="3">
+              <a:schemeClr val="accent1"/>
+            </a:fillRef>
+            <a:effectRef idx="2">
+              <a:schemeClr val="accent1"/>
+            </a:effectRef>
+            <a:fontRef idx="minor">
+              <a:schemeClr val="lt1"/>
+            </a:fontRef>
+          </p:style>
+        </p:sp>
+        <p:sp>
+          <p:nvSpPr>
+            <p:cNvPr id="29" name="Rectangle 28"/>
+            <p:cNvSpPr/>
+            <p:nvPr/>
+          </p:nvSpPr>
+          <p:spPr>
+            <a:xfrm>
+              <a:off x="10898730" y="-8467"/>
+              <a:ext cx="1290094" cy="6866467"/>
+            </a:xfrm>
+            <a:custGeom>
+              <a:avLst/>
+              <a:gdLst/>
+              <a:ahLst/>
+              <a:cxnLst/>
+              <a:rect l="l" t="t" r="r" b="b"/>
+              <a:pathLst>
+                <a:path w="1290094" h="6858000">
+                  <a:moveTo>
+                    <a:pt x="1019735" y="0"/>
+                  </a:moveTo>
+                  <a:lnTo>
+                    <a:pt x="1290094" y="0"/>
+                  </a:lnTo>
+                  <a:lnTo>
+                    <a:pt x="1290094" y="6858000"/>
+                  </a:lnTo>
+                  <a:lnTo>
+                    <a:pt x="0" y="6858000"/>
+                  </a:lnTo>
+                  <a:lnTo>
+                    <a:pt x="1019735" y="0"/>
+                  </a:lnTo>
+                  <a:close/>
+                </a:path>
+              </a:pathLst>
+            </a:custGeom>
+            <a:solidFill>
+              <a:schemeClr val="accent1">
+                <a:lumMod val="60000"/>
+                <a:lumOff val="40000"/>
+                <a:alpha val="70000"/>
+              </a:schemeClr>
+            </a:solidFill>
+            <a:ln>
+              <a:noFill/>
+            </a:ln>
+            <a:effectLst/>
+          </p:spPr>
+          <p:style>
+            <a:lnRef idx="1">
+              <a:schemeClr val="accent1"/>
+            </a:lnRef>
+            <a:fillRef idx="3">
+              <a:schemeClr val="accent1"/>
+            </a:fillRef>
+            <a:effectRef idx="2">
+              <a:schemeClr val="accent1"/>
+            </a:effectRef>
+            <a:fontRef idx="minor">
+              <a:schemeClr val="lt1"/>
+            </a:fontRef>
+          </p:style>
+        </p:sp>
+        <p:sp>
+          <p:nvSpPr>
+            <p:cNvPr id="30" name="Rectangle 29"/>
+            <p:cNvSpPr/>
+            <p:nvPr/>
+          </p:nvSpPr>
+          <p:spPr>
+            <a:xfrm>
+              <a:off x="10938999" y="-8467"/>
+              <a:ext cx="1249825" cy="6866467"/>
+            </a:xfrm>
+            <a:custGeom>
+              <a:avLst/>
+              <a:gdLst/>
+              <a:ahLst/>
+              <a:cxnLst/>
+              <a:rect l="l" t="t" r="r" b="b"/>
+              <a:pathLst>
+                <a:path w="1249825" h="6858000">
+                  <a:moveTo>
+                    <a:pt x="0" y="0"/>
+                  </a:moveTo>
+                  <a:lnTo>
+                    <a:pt x="1249825" y="0"/>
+                  </a:lnTo>
+                  <a:lnTo>
+                    <a:pt x="1249825" y="6858000"/>
+                  </a:lnTo>
+                  <a:lnTo>
+                    <a:pt x="1109382" y="6858000"/>
+                  </a:lnTo>
+                  <a:lnTo>
+                    <a:pt x="0" y="0"/>
+                  </a:lnTo>
+                  <a:close/>
+                </a:path>
+              </a:pathLst>
+            </a:custGeom>
+            <a:solidFill>
+              <a:schemeClr val="accent1">
+                <a:alpha val="65000"/>
+              </a:schemeClr>
+            </a:solidFill>
+            <a:ln>
+              <a:noFill/>
+            </a:ln>
+            <a:effectLst/>
+          </p:spPr>
+          <p:style>
+            <a:lnRef idx="1">
+              <a:schemeClr val="accent1"/>
+            </a:lnRef>
+            <a:fillRef idx="3">
+              <a:schemeClr val="accent1"/>
+            </a:fillRef>
+            <a:effectRef idx="2">
+              <a:schemeClr val="accent1"/>
+            </a:effectRef>
+            <a:fontRef idx="minor">
+              <a:schemeClr val="lt1"/>
+            </a:fontRef>
+          </p:style>
+        </p:sp>
+        <p:sp>
+          <p:nvSpPr>
+            <p:cNvPr id="31" name="Isosceles Triangle 30"/>
+            <p:cNvSpPr/>
+            <p:nvPr/>
+          </p:nvSpPr>
+          <p:spPr>
+            <a:xfrm>
+              <a:off x="10371666" y="3589867"/>
+              <a:ext cx="1817159" cy="3268133"/>
+            </a:xfrm>
+            <a:prstGeom prst="triangle">
+              <a:avLst>
+                <a:gd name="adj" fmla="val 100000"/>
+              </a:avLst>
+            </a:prstGeom>
+            <a:solidFill>
+              <a:schemeClr val="accent1">
+                <a:alpha val="80000"/>
+              </a:schemeClr>
+            </a:solidFill>
+            <a:ln>
+              <a:noFill/>
+            </a:ln>
+            <a:effectLst/>
+          </p:spPr>
+          <p:style>
+            <a:lnRef idx="1">
+              <a:schemeClr val="accent1"/>
+            </a:lnRef>
+            <a:fillRef idx="3">
+              <a:schemeClr val="accent1"/>
+            </a:fillRef>
+            <a:effectRef idx="2">
+              <a:schemeClr val="accent1"/>
+            </a:effectRef>
+            <a:fontRef idx="minor">
+              <a:schemeClr val="lt1"/>
+            </a:fontRef>
+          </p:style>
+        </p:sp>
+        <p:sp>
+          <p:nvSpPr>
+            <p:cNvPr id="19" name="Isosceles Triangle 18"/>
+            <p:cNvSpPr/>
+            <p:nvPr/>
+          </p:nvSpPr>
+          <p:spPr>
+            <a:xfrm rot="10800000">
+              <a:off x="0" y="0"/>
+              <a:ext cx="842596" cy="5666154"/>
+            </a:xfrm>
+            <a:prstGeom prst="triangle">
+              <a:avLst>
+                <a:gd name="adj" fmla="val 100000"/>
+              </a:avLst>
+            </a:prstGeom>
+            <a:solidFill>
+              <a:schemeClr val="accent1">
+                <a:alpha val="85000"/>
+              </a:schemeClr>
+            </a:solidFill>
+            <a:ln>
+              <a:noFill/>
+            </a:ln>
+            <a:effectLst/>
+          </p:spPr>
+          <p:style>
+            <a:lnRef idx="1">
+              <a:schemeClr val="accent1"/>
+            </a:lnRef>
+            <a:fillRef idx="3">
+              <a:schemeClr val="accent1"/>
+            </a:fillRef>
+            <a:effectRef idx="2">
+              <a:schemeClr val="accent1"/>
+            </a:effectRef>
+            <a:fontRef idx="minor">
+              <a:schemeClr val="lt1"/>
+            </a:fontRef>
+          </p:style>
+        </p:sp>
+      </p:grpSp>
       <p:sp>
         <p:nvSpPr>
           <p:cNvPr id="2" name="Title 1"/>
@@ -146,15 +677,21 @@
         </p:nvSpPr>
         <p:spPr>
           <a:xfrm>
-            <a:off x="1154955" y="1447800"/>
-            <a:ext cx="8825658" cy="3329581"/>
+            <a:off x="1507067" y="2404534"/>
+            <a:ext cx="7766936" cy="1646302"/>
           </a:xfrm>
         </p:spPr>
         <p:txBody>
-          <a:bodyPr anchor="b"/>
+          <a:bodyPr anchor="b">
+            <a:noAutofit/>
+          </a:bodyPr>
           <a:lstStyle>
-            <a:lvl1pPr>
-              <a:defRPr sz="7200"/>
+            <a:lvl1pPr algn="r">
+              <a:defRPr sz="5400">
+                <a:solidFill>
+                  <a:schemeClr val="accent1"/>
+                </a:solidFill>
+              </a:defRPr>
             </a:lvl1pPr>
           </a:lstStyle>
           <a:p>
@@ -178,20 +715,20 @@
         </p:nvSpPr>
         <p:spPr>
           <a:xfrm>
-            <a:off x="1154955" y="4777380"/>
-            <a:ext cx="8825658" cy="861420"/>
+            <a:off x="1507067" y="4050833"/>
+            <a:ext cx="7766936" cy="1096899"/>
           </a:xfrm>
         </p:spPr>
         <p:txBody>
           <a:bodyPr anchor="t"/>
           <a:lstStyle>
-            <a:lvl1pPr marL="0" indent="0" algn="l">
-              <a:buNone/>
-              <a:defRPr cap="all">
-                <a:solidFill>
-                  <a:schemeClr val="bg2">
-                    <a:lumMod val="40000"/>
-                    <a:lumOff val="60000"/>
+            <a:lvl1pPr marL="0" indent="0" algn="r">
+              <a:buNone/>
+              <a:defRPr>
+                <a:solidFill>
+                  <a:schemeClr val="tx1">
+                    <a:lumMod val="50000"/>
+                    <a:lumOff val="50000"/>
                   </a:schemeClr>
                 </a:solidFill>
               </a:defRPr>
@@ -354,7 +891,7 @@
     </p:spTree>
     <p:extLst>
       <p:ext uri="{BB962C8B-B14F-4D97-AF65-F5344CB8AC3E}">
-        <p14:creationId xmlns:p14="http://schemas.microsoft.com/office/powerpoint/2010/main" val="1787120605"/>
+        <p14:creationId xmlns:p14="http://schemas.microsoft.com/office/powerpoint/2010/main" val="1230634806"/>
       </p:ext>
     </p:extLst>
   </p:cSld>
@@ -365,281 +902,6 @@
 </file>
 
 <file path=ppt/slideLayouts/slideLayout10.xml><?xml version="1.0" encoding="utf-8"?>
-<p:sldLayout xmlns:a="http://schemas.openxmlformats.org/drawingml/2006/main" xmlns:r="http://schemas.openxmlformats.org/officeDocument/2006/relationships" xmlns:p="http://schemas.openxmlformats.org/presentationml/2006/main" preserve="1">
-  <p:cSld name="Panoramic Picture with Caption">
-    <p:spTree>
-      <p:nvGrpSpPr>
-        <p:cNvPr id="1" name=""/>
-        <p:cNvGrpSpPr/>
-        <p:nvPr/>
-      </p:nvGrpSpPr>
-      <p:grpSpPr>
-        <a:xfrm>
-          <a:off x="0" y="0"/>
-          <a:ext cx="0" cy="0"/>
-          <a:chOff x="0" y="0"/>
-          <a:chExt cx="0" cy="0"/>
-        </a:xfrm>
-      </p:grpSpPr>
-      <p:sp>
-        <p:nvSpPr>
-          <p:cNvPr id="2" name="Title 1"/>
-          <p:cNvSpPr>
-            <a:spLocks noGrp="1"/>
-          </p:cNvSpPr>
-          <p:nvPr>
-            <p:ph type="title"/>
-          </p:nvPr>
-        </p:nvSpPr>
-        <p:spPr>
-          <a:xfrm>
-            <a:off x="1154956" y="4800587"/>
-            <a:ext cx="8825657" cy="566738"/>
-          </a:xfrm>
-        </p:spPr>
-        <p:txBody>
-          <a:bodyPr anchor="b">
-            <a:normAutofit/>
-          </a:bodyPr>
-          <a:lstStyle>
-            <a:lvl1pPr algn="l">
-              <a:defRPr sz="2400" b="0"/>
-            </a:lvl1pPr>
-          </a:lstStyle>
-          <a:p>
-            <a:r>
-              <a:rPr lang="en-US"/>
-              <a:t>Click to edit Master title style</a:t>
-            </a:r>
-            <a:endParaRPr lang="en-US" dirty="0"/>
-          </a:p>
-        </p:txBody>
-      </p:sp>
-      <p:sp>
-        <p:nvSpPr>
-          <p:cNvPr id="3" name="Picture Placeholder 2"/>
-          <p:cNvSpPr>
-            <a:spLocks noGrp="1" noChangeAspect="1"/>
-          </p:cNvSpPr>
-          <p:nvPr>
-            <p:ph type="pic" idx="1"/>
-          </p:nvPr>
-        </p:nvSpPr>
-        <p:spPr>
-          <a:xfrm>
-            <a:off x="1154955" y="685800"/>
-            <a:ext cx="8825658" cy="3640666"/>
-          </a:xfrm>
-          <a:prstGeom prst="roundRect">
-            <a:avLst>
-              <a:gd name="adj" fmla="val 1858"/>
-            </a:avLst>
-          </a:prstGeom>
-          <a:effectLst>
-            <a:outerShdw blurRad="50800" dist="50800" dir="5400000" algn="tl" rotWithShape="0">
-              <a:srgbClr val="000000">
-                <a:alpha val="43000"/>
-              </a:srgbClr>
-            </a:outerShdw>
-          </a:effectLst>
-        </p:spPr>
-        <p:txBody>
-          <a:bodyPr anchor="t">
-            <a:normAutofit/>
-          </a:bodyPr>
-          <a:lstStyle>
-            <a:lvl1pPr marL="0" indent="0" algn="ctr">
-              <a:buNone/>
-              <a:defRPr sz="1600"/>
-            </a:lvl1pPr>
-            <a:lvl2pPr marL="457200" indent="0">
-              <a:buNone/>
-              <a:defRPr sz="1600"/>
-            </a:lvl2pPr>
-            <a:lvl3pPr marL="914400" indent="0">
-              <a:buNone/>
-              <a:defRPr sz="1600"/>
-            </a:lvl3pPr>
-            <a:lvl4pPr marL="1371600" indent="0">
-              <a:buNone/>
-              <a:defRPr sz="1600"/>
-            </a:lvl4pPr>
-            <a:lvl5pPr marL="1828800" indent="0">
-              <a:buNone/>
-              <a:defRPr sz="1600"/>
-            </a:lvl5pPr>
-            <a:lvl6pPr marL="2286000" indent="0">
-              <a:buNone/>
-              <a:defRPr sz="1600"/>
-            </a:lvl6pPr>
-            <a:lvl7pPr marL="2743200" indent="0">
-              <a:buNone/>
-              <a:defRPr sz="1600"/>
-            </a:lvl7pPr>
-            <a:lvl8pPr marL="3200400" indent="0">
-              <a:buNone/>
-              <a:defRPr sz="1600"/>
-            </a:lvl8pPr>
-            <a:lvl9pPr marL="3657600" indent="0">
-              <a:buNone/>
-              <a:defRPr sz="1600"/>
-            </a:lvl9pPr>
-          </a:lstStyle>
-          <a:p>
-            <a:r>
-              <a:rPr lang="en-US"/>
-              <a:t>Click icon to add picture</a:t>
-            </a:r>
-            <a:endParaRPr lang="en-US" dirty="0"/>
-          </a:p>
-        </p:txBody>
-      </p:sp>
-      <p:sp>
-        <p:nvSpPr>
-          <p:cNvPr id="4" name="Text Placeholder 3"/>
-          <p:cNvSpPr>
-            <a:spLocks noGrp="1"/>
-          </p:cNvSpPr>
-          <p:nvPr>
-            <p:ph type="body" sz="half" idx="2"/>
-          </p:nvPr>
-        </p:nvSpPr>
-        <p:spPr>
-          <a:xfrm>
-            <a:off x="1154956" y="5367325"/>
-            <a:ext cx="8825656" cy="493712"/>
-          </a:xfrm>
-        </p:spPr>
-        <p:txBody>
-          <a:bodyPr>
-            <a:normAutofit/>
-          </a:bodyPr>
-          <a:lstStyle>
-            <a:lvl1pPr marL="0" indent="0">
-              <a:buNone/>
-              <a:defRPr sz="1200"/>
-            </a:lvl1pPr>
-            <a:lvl2pPr marL="457200" indent="0">
-              <a:buNone/>
-              <a:defRPr sz="1200"/>
-            </a:lvl2pPr>
-            <a:lvl3pPr marL="914400" indent="0">
-              <a:buNone/>
-              <a:defRPr sz="1000"/>
-            </a:lvl3pPr>
-            <a:lvl4pPr marL="1371600" indent="0">
-              <a:buNone/>
-              <a:defRPr sz="900"/>
-            </a:lvl4pPr>
-            <a:lvl5pPr marL="1828800" indent="0">
-              <a:buNone/>
-              <a:defRPr sz="900"/>
-            </a:lvl5pPr>
-            <a:lvl6pPr marL="2286000" indent="0">
-              <a:buNone/>
-              <a:defRPr sz="900"/>
-            </a:lvl6pPr>
-            <a:lvl7pPr marL="2743200" indent="0">
-              <a:buNone/>
-              <a:defRPr sz="900"/>
-            </a:lvl7pPr>
-            <a:lvl8pPr marL="3200400" indent="0">
-              <a:buNone/>
-              <a:defRPr sz="900"/>
-            </a:lvl8pPr>
-            <a:lvl9pPr marL="3657600" indent="0">
-              <a:buNone/>
-              <a:defRPr sz="900"/>
-            </a:lvl9pPr>
-          </a:lstStyle>
-          <a:p>
-            <a:pPr lvl="0"/>
-            <a:r>
-              <a:rPr lang="en-US"/>
-              <a:t>Click to edit Master text styles</a:t>
-            </a:r>
-          </a:p>
-        </p:txBody>
-      </p:sp>
-      <p:sp>
-        <p:nvSpPr>
-          <p:cNvPr id="5" name="Date Placeholder 4"/>
-          <p:cNvSpPr>
-            <a:spLocks noGrp="1"/>
-          </p:cNvSpPr>
-          <p:nvPr>
-            <p:ph type="dt" sz="half" idx="10"/>
-          </p:nvPr>
-        </p:nvSpPr>
-        <p:spPr/>
-        <p:txBody>
-          <a:bodyPr/>
-          <a:lstStyle/>
-          <a:p>
-            <a:fld id="{AA69BB30-8325-4345-8DFA-998A30CB2488}" type="datetimeFigureOut">
-              <a:rPr lang="en-US" smtClean="0"/>
-              <a:t>9/9/2025</a:t>
-            </a:fld>
-            <a:endParaRPr lang="en-US"/>
-          </a:p>
-        </p:txBody>
-      </p:sp>
-      <p:sp>
-        <p:nvSpPr>
-          <p:cNvPr id="6" name="Footer Placeholder 5"/>
-          <p:cNvSpPr>
-            <a:spLocks noGrp="1"/>
-          </p:cNvSpPr>
-          <p:nvPr>
-            <p:ph type="ftr" sz="quarter" idx="11"/>
-          </p:nvPr>
-        </p:nvSpPr>
-        <p:spPr/>
-        <p:txBody>
-          <a:bodyPr/>
-          <a:lstStyle/>
-          <a:p>
-            <a:endParaRPr lang="en-US"/>
-          </a:p>
-        </p:txBody>
-      </p:sp>
-      <p:sp>
-        <p:nvSpPr>
-          <p:cNvPr id="7" name="Slide Number Placeholder 6"/>
-          <p:cNvSpPr>
-            <a:spLocks noGrp="1"/>
-          </p:cNvSpPr>
-          <p:nvPr>
-            <p:ph type="sldNum" sz="quarter" idx="12"/>
-          </p:nvPr>
-        </p:nvSpPr>
-        <p:spPr/>
-        <p:txBody>
-          <a:bodyPr/>
-          <a:lstStyle/>
-          <a:p>
-            <a:fld id="{FDFB9C32-4155-43F0-9D69-97C79EB91DC0}" type="slidenum">
-              <a:rPr lang="en-US" smtClean="0"/>
-              <a:t>‹#›</a:t>
-            </a:fld>
-            <a:endParaRPr lang="en-US"/>
-          </a:p>
-        </p:txBody>
-      </p:sp>
-    </p:spTree>
-    <p:extLst>
-      <p:ext uri="{BB962C8B-B14F-4D97-AF65-F5344CB8AC3E}">
-        <p14:creationId xmlns:p14="http://schemas.microsoft.com/office/powerpoint/2010/main" val="3586772729"/>
-      </p:ext>
-    </p:extLst>
-  </p:cSld>
-  <p:clrMapOvr>
-    <a:masterClrMapping/>
-  </p:clrMapOvr>
-</p:sldLayout>
-</file>
-
-<file path=ppt/slideLayouts/slideLayout11.xml><?xml version="1.0" encoding="utf-8"?>
 <p:sldLayout xmlns:a="http://schemas.openxmlformats.org/drawingml/2006/main" xmlns:r="http://schemas.openxmlformats.org/officeDocument/2006/relationships" xmlns:p="http://schemas.openxmlformats.org/presentationml/2006/main" preserve="1">
   <p:cSld name="Title and Caption">
     <p:spTree>
@@ -668,40 +930,8 @@
         </p:nvSpPr>
         <p:spPr>
           <a:xfrm>
-            <a:off x="1154954" y="1447800"/>
-            <a:ext cx="8825659" cy="1981200"/>
-          </a:xfrm>
-        </p:spPr>
-        <p:txBody>
-          <a:bodyPr/>
-          <a:lstStyle>
-            <a:lvl1pPr>
-              <a:defRPr sz="4800"/>
-            </a:lvl1pPr>
-          </a:lstStyle>
-          <a:p>
-            <a:r>
-              <a:rPr lang="en-US"/>
-              <a:t>Click to edit Master title style</a:t>
-            </a:r>
-            <a:endParaRPr lang="en-US" dirty="0"/>
-          </a:p>
-        </p:txBody>
-      </p:sp>
-      <p:sp>
-        <p:nvSpPr>
-          <p:cNvPr id="8" name="Text Placeholder 3"/>
-          <p:cNvSpPr>
-            <a:spLocks noGrp="1"/>
-          </p:cNvSpPr>
-          <p:nvPr>
-            <p:ph type="body" sz="half" idx="2"/>
-          </p:nvPr>
-        </p:nvSpPr>
-        <p:spPr>
-          <a:xfrm>
-            <a:off x="1154954" y="3657600"/>
-            <a:ext cx="8825659" cy="2362200"/>
+            <a:off x="677335" y="609600"/>
+            <a:ext cx="8596668" cy="3403600"/>
           </a:xfrm>
         </p:spPr>
         <p:txBody>
@@ -709,41 +939,130 @@
             <a:normAutofit/>
           </a:bodyPr>
           <a:lstStyle>
-            <a:lvl1pPr marL="0" indent="0">
-              <a:buNone/>
-              <a:defRPr sz="1800"/>
+            <a:lvl1pPr algn="l">
+              <a:defRPr sz="4400" b="0" cap="none"/>
+            </a:lvl1pPr>
+          </a:lstStyle>
+          <a:p>
+            <a:r>
+              <a:rPr lang="en-US"/>
+              <a:t>Click to edit Master title style</a:t>
+            </a:r>
+            <a:endParaRPr lang="en-US" dirty="0"/>
+          </a:p>
+        </p:txBody>
+      </p:sp>
+      <p:sp>
+        <p:nvSpPr>
+          <p:cNvPr id="3" name="Text Placeholder 2"/>
+          <p:cNvSpPr>
+            <a:spLocks noGrp="1"/>
+          </p:cNvSpPr>
+          <p:nvPr>
+            <p:ph type="body" idx="1"/>
+          </p:nvPr>
+        </p:nvSpPr>
+        <p:spPr>
+          <a:xfrm>
+            <a:off x="677335" y="4470400"/>
+            <a:ext cx="8596668" cy="1570962"/>
+          </a:xfrm>
+        </p:spPr>
+        <p:txBody>
+          <a:bodyPr anchor="ctr">
+            <a:normAutofit/>
+          </a:bodyPr>
+          <a:lstStyle>
+            <a:lvl1pPr marL="0" indent="0" algn="l">
+              <a:buNone/>
+              <a:defRPr sz="1800">
+                <a:solidFill>
+                  <a:schemeClr val="tx1">
+                    <a:lumMod val="75000"/>
+                    <a:lumOff val="25000"/>
+                  </a:schemeClr>
+                </a:solidFill>
+              </a:defRPr>
             </a:lvl1pPr>
             <a:lvl2pPr marL="457200" indent="0">
               <a:buNone/>
-              <a:defRPr sz="1200"/>
+              <a:defRPr sz="1800">
+                <a:solidFill>
+                  <a:schemeClr val="tx1">
+                    <a:tint val="75000"/>
+                  </a:schemeClr>
+                </a:solidFill>
+              </a:defRPr>
             </a:lvl2pPr>
             <a:lvl3pPr marL="914400" indent="0">
               <a:buNone/>
-              <a:defRPr sz="1000"/>
+              <a:defRPr sz="1600">
+                <a:solidFill>
+                  <a:schemeClr val="tx1">
+                    <a:tint val="75000"/>
+                  </a:schemeClr>
+                </a:solidFill>
+              </a:defRPr>
             </a:lvl3pPr>
             <a:lvl4pPr marL="1371600" indent="0">
               <a:buNone/>
-              <a:defRPr sz="900"/>
+              <a:defRPr sz="1400">
+                <a:solidFill>
+                  <a:schemeClr val="tx1">
+                    <a:tint val="75000"/>
+                  </a:schemeClr>
+                </a:solidFill>
+              </a:defRPr>
             </a:lvl4pPr>
             <a:lvl5pPr marL="1828800" indent="0">
               <a:buNone/>
-              <a:defRPr sz="900"/>
+              <a:defRPr sz="1400">
+                <a:solidFill>
+                  <a:schemeClr val="tx1">
+                    <a:tint val="75000"/>
+                  </a:schemeClr>
+                </a:solidFill>
+              </a:defRPr>
             </a:lvl5pPr>
             <a:lvl6pPr marL="2286000" indent="0">
               <a:buNone/>
-              <a:defRPr sz="900"/>
+              <a:defRPr sz="1400">
+                <a:solidFill>
+                  <a:schemeClr val="tx1">
+                    <a:tint val="75000"/>
+                  </a:schemeClr>
+                </a:solidFill>
+              </a:defRPr>
             </a:lvl6pPr>
             <a:lvl7pPr marL="2743200" indent="0">
               <a:buNone/>
-              <a:defRPr sz="900"/>
+              <a:defRPr sz="1400">
+                <a:solidFill>
+                  <a:schemeClr val="tx1">
+                    <a:tint val="75000"/>
+                  </a:schemeClr>
+                </a:solidFill>
+              </a:defRPr>
             </a:lvl7pPr>
             <a:lvl8pPr marL="3200400" indent="0">
               <a:buNone/>
-              <a:defRPr sz="900"/>
+              <a:defRPr sz="1400">
+                <a:solidFill>
+                  <a:schemeClr val="tx1">
+                    <a:tint val="75000"/>
+                  </a:schemeClr>
+                </a:solidFill>
+              </a:defRPr>
             </a:lvl8pPr>
             <a:lvl9pPr marL="3657600" indent="0">
               <a:buNone/>
-              <a:defRPr sz="900"/>
+              <a:defRPr sz="1400">
+                <a:solidFill>
+                  <a:schemeClr val="tx1">
+                    <a:tint val="75000"/>
+                  </a:schemeClr>
+                </a:solidFill>
+              </a:defRPr>
             </a:lvl9pPr>
           </a:lstStyle>
           <a:p>
@@ -823,7 +1142,7 @@
     </p:spTree>
     <p:extLst>
       <p:ext uri="{BB962C8B-B14F-4D97-AF65-F5344CB8AC3E}">
-        <p14:creationId xmlns:p14="http://schemas.microsoft.com/office/powerpoint/2010/main" val="2569862009"/>
+        <p14:creationId xmlns:p14="http://schemas.microsoft.com/office/powerpoint/2010/main" val="3731299908"/>
       </p:ext>
     </p:extLst>
   </p:cSld>
@@ -833,7 +1152,7 @@
 </p:sldLayout>
 </file>
 
-<file path=ppt/slideLayouts/slideLayout12.xml><?xml version="1.0" encoding="utf-8"?>
+<file path=ppt/slideLayouts/slideLayout11.xml><?xml version="1.0" encoding="utf-8"?>
 <p:sldLayout xmlns:a="http://schemas.openxmlformats.org/drawingml/2006/main" xmlns:r="http://schemas.openxmlformats.org/officeDocument/2006/relationships" xmlns:p="http://schemas.openxmlformats.org/presentationml/2006/main" preserve="1">
   <p:cSld name="Quote with Caption">
     <p:spTree>
@@ -862,119 +1181,8 @@
         </p:nvSpPr>
         <p:spPr>
           <a:xfrm>
-            <a:off x="1574801" y="1447800"/>
-            <a:ext cx="7999315" cy="2323374"/>
-          </a:xfrm>
-        </p:spPr>
-        <p:txBody>
-          <a:bodyPr/>
-          <a:lstStyle>
-            <a:lvl1pPr>
-              <a:defRPr sz="4800"/>
-            </a:lvl1pPr>
-          </a:lstStyle>
-          <a:p>
-            <a:r>
-              <a:rPr lang="en-US"/>
-              <a:t>Click to edit Master title style</a:t>
-            </a:r>
-            <a:endParaRPr lang="en-US" dirty="0"/>
-          </a:p>
-        </p:txBody>
-      </p:sp>
-      <p:sp>
-        <p:nvSpPr>
-          <p:cNvPr id="11" name="Text Placeholder 3"/>
-          <p:cNvSpPr>
-            <a:spLocks noGrp="1"/>
-          </p:cNvSpPr>
-          <p:nvPr>
-            <p:ph type="body" sz="half" idx="14"/>
-          </p:nvPr>
-        </p:nvSpPr>
-        <p:spPr>
-          <a:xfrm>
-            <a:off x="1930400" y="3771174"/>
-            <a:ext cx="7279649" cy="342174"/>
-          </a:xfrm>
-        </p:spPr>
-        <p:txBody>
-          <a:bodyPr vert="horz" lIns="91440" tIns="45720" rIns="91440" bIns="45720" rtlCol="0" anchor="t">
-            <a:normAutofit/>
-          </a:bodyPr>
-          <a:lstStyle>
-            <a:lvl1pPr marL="0" indent="0">
-              <a:buNone/>
-              <a:defRPr lang="en-US" sz="1400" b="0" i="0" kern="1200" cap="small" dirty="0">
-                <a:solidFill>
-                  <a:schemeClr val="bg2">
-                    <a:lumMod val="40000"/>
-                    <a:lumOff val="60000"/>
-                  </a:schemeClr>
-                </a:solidFill>
-                <a:latin typeface="+mj-lt"/>
-                <a:ea typeface="+mj-ea"/>
-                <a:cs typeface="+mj-cs"/>
-              </a:defRPr>
-            </a:lvl1pPr>
-            <a:lvl2pPr marL="457200" indent="0">
-              <a:buNone/>
-              <a:defRPr sz="1200"/>
-            </a:lvl2pPr>
-            <a:lvl3pPr marL="914400" indent="0">
-              <a:buNone/>
-              <a:defRPr sz="1000"/>
-            </a:lvl3pPr>
-            <a:lvl4pPr marL="1371600" indent="0">
-              <a:buNone/>
-              <a:defRPr sz="900"/>
-            </a:lvl4pPr>
-            <a:lvl5pPr marL="1828800" indent="0">
-              <a:buNone/>
-              <a:defRPr sz="900"/>
-            </a:lvl5pPr>
-            <a:lvl6pPr marL="2286000" indent="0">
-              <a:buNone/>
-              <a:defRPr sz="900"/>
-            </a:lvl6pPr>
-            <a:lvl7pPr marL="2743200" indent="0">
-              <a:buNone/>
-              <a:defRPr sz="900"/>
-            </a:lvl7pPr>
-            <a:lvl8pPr marL="3200400" indent="0">
-              <a:buNone/>
-              <a:defRPr sz="900"/>
-            </a:lvl8pPr>
-            <a:lvl9pPr marL="3657600" indent="0">
-              <a:buNone/>
-              <a:defRPr sz="900"/>
-            </a:lvl9pPr>
-          </a:lstStyle>
-          <a:p>
-            <a:pPr marL="0" lvl="0" indent="0">
-              <a:buNone/>
-            </a:pPr>
-            <a:r>
-              <a:rPr lang="en-US"/>
-              <a:t>Click to edit Master text styles</a:t>
-            </a:r>
-          </a:p>
-        </p:txBody>
-      </p:sp>
-      <p:sp>
-        <p:nvSpPr>
-          <p:cNvPr id="10" name="Text Placeholder 3"/>
-          <p:cNvSpPr>
-            <a:spLocks noGrp="1"/>
-          </p:cNvSpPr>
-          <p:nvPr>
-            <p:ph type="body" sz="half" idx="2"/>
-          </p:nvPr>
-        </p:nvSpPr>
-        <p:spPr>
-          <a:xfrm>
-            <a:off x="1154954" y="4350657"/>
-            <a:ext cx="8825659" cy="1676400"/>
+            <a:off x="931334" y="609600"/>
+            <a:ext cx="8094134" cy="3022600"/>
           </a:xfrm>
         </p:spPr>
         <p:txBody>
@@ -982,41 +1190,193 @@
             <a:normAutofit/>
           </a:bodyPr>
           <a:lstStyle>
+            <a:lvl1pPr algn="l">
+              <a:defRPr sz="4400" b="0" cap="none"/>
+            </a:lvl1pPr>
+          </a:lstStyle>
+          <a:p>
+            <a:r>
+              <a:rPr lang="en-US"/>
+              <a:t>Click to edit Master title style</a:t>
+            </a:r>
+            <a:endParaRPr lang="en-US" dirty="0"/>
+          </a:p>
+        </p:txBody>
+      </p:sp>
+      <p:sp>
+        <p:nvSpPr>
+          <p:cNvPr id="23" name="Text Placeholder 9"/>
+          <p:cNvSpPr>
+            <a:spLocks noGrp="1"/>
+          </p:cNvSpPr>
+          <p:nvPr>
+            <p:ph type="body" sz="quarter" idx="13"/>
+          </p:nvPr>
+        </p:nvSpPr>
+        <p:spPr>
+          <a:xfrm>
+            <a:off x="1366139" y="3632200"/>
+            <a:ext cx="7224524" cy="381000"/>
+          </a:xfrm>
+        </p:spPr>
+        <p:txBody>
+          <a:bodyPr anchor="ctr">
+            <a:noAutofit/>
+          </a:bodyPr>
+          <a:lstStyle>
             <a:lvl1pPr marL="0" indent="0">
-              <a:buNone/>
-              <a:defRPr sz="1800"/>
+              <a:buFontTx/>
+              <a:buNone/>
+              <a:defRPr sz="1600">
+                <a:solidFill>
+                  <a:schemeClr val="tx1">
+                    <a:lumMod val="50000"/>
+                    <a:lumOff val="50000"/>
+                  </a:schemeClr>
+                </a:solidFill>
+              </a:defRPr>
             </a:lvl1pPr>
             <a:lvl2pPr marL="457200" indent="0">
-              <a:buNone/>
-              <a:defRPr sz="1200"/>
+              <a:buFontTx/>
+              <a:buNone/>
+              <a:defRPr/>
             </a:lvl2pPr>
             <a:lvl3pPr marL="914400" indent="0">
-              <a:buNone/>
-              <a:defRPr sz="1000"/>
+              <a:buFontTx/>
+              <a:buNone/>
+              <a:defRPr/>
             </a:lvl3pPr>
             <a:lvl4pPr marL="1371600" indent="0">
-              <a:buNone/>
-              <a:defRPr sz="900"/>
+              <a:buFontTx/>
+              <a:buNone/>
+              <a:defRPr/>
             </a:lvl4pPr>
             <a:lvl5pPr marL="1828800" indent="0">
-              <a:buNone/>
-              <a:defRPr sz="900"/>
+              <a:buFontTx/>
+              <a:buNone/>
+              <a:defRPr/>
+            </a:lvl5pPr>
+          </a:lstStyle>
+          <a:p>
+            <a:pPr lvl="0"/>
+            <a:r>
+              <a:rPr lang="en-US"/>
+              <a:t>Click to edit Master text styles</a:t>
+            </a:r>
+          </a:p>
+        </p:txBody>
+      </p:sp>
+      <p:sp>
+        <p:nvSpPr>
+          <p:cNvPr id="3" name="Text Placeholder 2"/>
+          <p:cNvSpPr>
+            <a:spLocks noGrp="1"/>
+          </p:cNvSpPr>
+          <p:nvPr>
+            <p:ph type="body" idx="1"/>
+          </p:nvPr>
+        </p:nvSpPr>
+        <p:spPr>
+          <a:xfrm>
+            <a:off x="677335" y="4470400"/>
+            <a:ext cx="8596668" cy="1570962"/>
+          </a:xfrm>
+        </p:spPr>
+        <p:txBody>
+          <a:bodyPr anchor="ctr">
+            <a:normAutofit/>
+          </a:bodyPr>
+          <a:lstStyle>
+            <a:lvl1pPr marL="0" indent="0" algn="l">
+              <a:buNone/>
+              <a:defRPr sz="1800">
+                <a:solidFill>
+                  <a:schemeClr val="tx1">
+                    <a:lumMod val="75000"/>
+                    <a:lumOff val="25000"/>
+                  </a:schemeClr>
+                </a:solidFill>
+              </a:defRPr>
+            </a:lvl1pPr>
+            <a:lvl2pPr marL="457200" indent="0">
+              <a:buNone/>
+              <a:defRPr sz="1800">
+                <a:solidFill>
+                  <a:schemeClr val="tx1">
+                    <a:tint val="75000"/>
+                  </a:schemeClr>
+                </a:solidFill>
+              </a:defRPr>
+            </a:lvl2pPr>
+            <a:lvl3pPr marL="914400" indent="0">
+              <a:buNone/>
+              <a:defRPr sz="1600">
+                <a:solidFill>
+                  <a:schemeClr val="tx1">
+                    <a:tint val="75000"/>
+                  </a:schemeClr>
+                </a:solidFill>
+              </a:defRPr>
+            </a:lvl3pPr>
+            <a:lvl4pPr marL="1371600" indent="0">
+              <a:buNone/>
+              <a:defRPr sz="1400">
+                <a:solidFill>
+                  <a:schemeClr val="tx1">
+                    <a:tint val="75000"/>
+                  </a:schemeClr>
+                </a:solidFill>
+              </a:defRPr>
+            </a:lvl4pPr>
+            <a:lvl5pPr marL="1828800" indent="0">
+              <a:buNone/>
+              <a:defRPr sz="1400">
+                <a:solidFill>
+                  <a:schemeClr val="tx1">
+                    <a:tint val="75000"/>
+                  </a:schemeClr>
+                </a:solidFill>
+              </a:defRPr>
             </a:lvl5pPr>
             <a:lvl6pPr marL="2286000" indent="0">
               <a:buNone/>
-              <a:defRPr sz="900"/>
+              <a:defRPr sz="1400">
+                <a:solidFill>
+                  <a:schemeClr val="tx1">
+                    <a:tint val="75000"/>
+                  </a:schemeClr>
+                </a:solidFill>
+              </a:defRPr>
             </a:lvl6pPr>
             <a:lvl7pPr marL="2743200" indent="0">
               <a:buNone/>
-              <a:defRPr sz="900"/>
+              <a:defRPr sz="1400">
+                <a:solidFill>
+                  <a:schemeClr val="tx1">
+                    <a:tint val="75000"/>
+                  </a:schemeClr>
+                </a:solidFill>
+              </a:defRPr>
             </a:lvl7pPr>
             <a:lvl8pPr marL="3200400" indent="0">
               <a:buNone/>
-              <a:defRPr sz="900"/>
+              <a:defRPr sz="1400">
+                <a:solidFill>
+                  <a:schemeClr val="tx1">
+                    <a:tint val="75000"/>
+                  </a:schemeClr>
+                </a:solidFill>
+              </a:defRPr>
             </a:lvl8pPr>
             <a:lvl9pPr marL="3657600" indent="0">
               <a:buNone/>
-              <a:defRPr sz="900"/>
+              <a:defRPr sz="1400">
+                <a:solidFill>
+                  <a:schemeClr val="tx1">
+                    <a:tint val="75000"/>
+                  </a:schemeClr>
+                </a:solidFill>
+              </a:defRPr>
             </a:lvl9pPr>
           </a:lstStyle>
           <a:p>
@@ -1095,46 +1455,40 @@
       </p:sp>
       <p:sp>
         <p:nvSpPr>
-          <p:cNvPr id="12" name="TextBox 11"/>
+          <p:cNvPr id="20" name="TextBox 19"/>
           <p:cNvSpPr txBox="1"/>
           <p:nvPr/>
         </p:nvSpPr>
         <p:spPr>
           <a:xfrm>
-            <a:off x="898295" y="971253"/>
-            <a:ext cx="801912" cy="1969770"/>
+            <a:off x="541870" y="790378"/>
+            <a:ext cx="609600" cy="584776"/>
           </a:xfrm>
           <a:prstGeom prst="rect">
             <a:avLst/>
           </a:prstGeom>
-          <a:noFill/>
         </p:spPr>
         <p:txBody>
-          <a:bodyPr wrap="square" rtlCol="0">
-            <a:spAutoFit/>
+          <a:bodyPr vert="horz" lIns="91440" tIns="45720" rIns="91440" bIns="45720" rtlCol="0" anchor="ctr">
+            <a:noAutofit/>
           </a:bodyPr>
-          <a:lstStyle>
-            <a:defPPr>
-              <a:defRPr lang="en-US"/>
-            </a:defPPr>
-            <a:lvl1pPr algn="r">
-              <a:defRPr sz="12200" b="0" i="0">
-                <a:solidFill>
-                  <a:schemeClr val="bg2">
-                    <a:lumMod val="40000"/>
-                    <a:lumOff val="60000"/>
+          <a:lstStyle/>
+          <a:p>
+            <a:pPr lvl="0"/>
+            <a:r>
+              <a:rPr lang="en-US" sz="8000" baseline="0" dirty="0">
+                <a:ln w="3175" cmpd="sng">
+                  <a:noFill/>
+                </a:ln>
+                <a:solidFill>
+                  <a:schemeClr val="accent1">
+                    <a:lumMod val="60000"/>
+                    <a:lumOff val="40000"/>
                   </a:schemeClr>
                 </a:solidFill>
+                <a:effectLst/>
                 <a:latin typeface="Arial"/>
-                <a:ea typeface="+mj-ea"/>
-                <a:cs typeface="+mj-cs"/>
-              </a:defRPr>
-            </a:lvl1pPr>
-          </a:lstStyle>
-          <a:p>
-            <a:pPr lvl="0"/>
-            <a:r>
-              <a:rPr lang="en-US" dirty="0"/>
+              </a:rPr>
               <a:t>“</a:t>
             </a:r>
           </a:p>
@@ -1142,55 +1496,57 @@
       </p:sp>
       <p:sp>
         <p:nvSpPr>
-          <p:cNvPr id="15" name="TextBox 14"/>
+          <p:cNvPr id="22" name="TextBox 21"/>
           <p:cNvSpPr txBox="1"/>
           <p:nvPr/>
         </p:nvSpPr>
         <p:spPr>
           <a:xfrm>
-            <a:off x="9330490" y="2613787"/>
-            <a:ext cx="801912" cy="1969770"/>
+            <a:off x="8893011" y="2886556"/>
+            <a:ext cx="609600" cy="584776"/>
           </a:xfrm>
           <a:prstGeom prst="rect">
             <a:avLst/>
           </a:prstGeom>
-          <a:noFill/>
         </p:spPr>
         <p:txBody>
-          <a:bodyPr wrap="square" rtlCol="0">
-            <a:spAutoFit/>
+          <a:bodyPr vert="horz" lIns="91440" tIns="45720" rIns="91440" bIns="45720" rtlCol="0" anchor="ctr">
+            <a:noAutofit/>
           </a:bodyPr>
-          <a:lstStyle>
-            <a:defPPr>
-              <a:defRPr lang="en-US"/>
-            </a:defPPr>
-            <a:lvl1pPr algn="r">
-              <a:defRPr sz="12200" b="0" i="0">
-                <a:solidFill>
-                  <a:schemeClr val="bg2">
-                    <a:lumMod val="40000"/>
-                    <a:lumOff val="60000"/>
+          <a:lstStyle/>
+          <a:p>
+            <a:pPr lvl="0"/>
+            <a:r>
+              <a:rPr lang="en-US" sz="8000" baseline="0" dirty="0">
+                <a:ln w="3175" cmpd="sng">
+                  <a:noFill/>
+                </a:ln>
+                <a:solidFill>
+                  <a:schemeClr val="accent1">
+                    <a:lumMod val="60000"/>
+                    <a:lumOff val="40000"/>
                   </a:schemeClr>
                 </a:solidFill>
                 <a:latin typeface="Arial"/>
-                <a:ea typeface="+mj-ea"/>
-                <a:cs typeface="+mj-cs"/>
-              </a:defRPr>
-            </a:lvl1pPr>
-          </a:lstStyle>
-          <a:p>
-            <a:pPr lvl="0"/>
-            <a:r>
-              <a:rPr lang="en-US" dirty="0"/>
+              </a:rPr>
               <a:t>”</a:t>
             </a:r>
+            <a:endParaRPr lang="en-US" dirty="0">
+              <a:solidFill>
+                <a:schemeClr val="accent1">
+                  <a:lumMod val="60000"/>
+                  <a:lumOff val="40000"/>
+                </a:schemeClr>
+              </a:solidFill>
+              <a:latin typeface="Arial"/>
+            </a:endParaRPr>
           </a:p>
         </p:txBody>
       </p:sp>
     </p:spTree>
     <p:extLst>
       <p:ext uri="{BB962C8B-B14F-4D97-AF65-F5344CB8AC3E}">
-        <p14:creationId xmlns:p14="http://schemas.microsoft.com/office/powerpoint/2010/main" val="1550336400"/>
+        <p14:creationId xmlns:p14="http://schemas.microsoft.com/office/powerpoint/2010/main" val="3640471935"/>
       </p:ext>
     </p:extLst>
   </p:cSld>
@@ -1200,7 +1556,7 @@
 </p:sldLayout>
 </file>
 
-<file path=ppt/slideLayouts/slideLayout13.xml><?xml version="1.0" encoding="utf-8"?>
+<file path=ppt/slideLayouts/slideLayout12.xml><?xml version="1.0" encoding="utf-8"?>
 <p:sldLayout xmlns:a="http://schemas.openxmlformats.org/drawingml/2006/main" xmlns:r="http://schemas.openxmlformats.org/officeDocument/2006/relationships" xmlns:p="http://schemas.openxmlformats.org/presentationml/2006/main" preserve="1">
   <p:cSld name="Name Card">
     <p:spTree>
@@ -1229,15 +1585,17 @@
         </p:nvSpPr>
         <p:spPr>
           <a:xfrm>
-            <a:off x="1154954" y="3124201"/>
-            <a:ext cx="8825660" cy="1653180"/>
+            <a:off x="677335" y="1931988"/>
+            <a:ext cx="8596668" cy="2595460"/>
           </a:xfrm>
         </p:spPr>
         <p:txBody>
-          <a:bodyPr anchor="b"/>
+          <a:bodyPr anchor="b">
+            <a:normAutofit/>
+          </a:bodyPr>
           <a:lstStyle>
             <a:lvl1pPr algn="l">
-              <a:defRPr sz="4000" b="0" cap="none"/>
+              <a:defRPr sz="4400" b="0" cap="none"/>
             </a:lvl1pPr>
           </a:lstStyle>
           <a:p>
@@ -1261,20 +1619,22 @@
         </p:nvSpPr>
         <p:spPr>
           <a:xfrm>
-            <a:off x="1154954" y="4777381"/>
-            <a:ext cx="8825659" cy="860400"/>
+            <a:off x="677335" y="4527448"/>
+            <a:ext cx="8596668" cy="1513914"/>
           </a:xfrm>
         </p:spPr>
         <p:txBody>
-          <a:bodyPr anchor="t"/>
+          <a:bodyPr anchor="t">
+            <a:normAutofit/>
+          </a:bodyPr>
           <a:lstStyle>
             <a:lvl1pPr marL="0" indent="0" algn="l">
               <a:buNone/>
-              <a:defRPr sz="2000" cap="none">
-                <a:solidFill>
-                  <a:schemeClr val="bg2">
-                    <a:lumMod val="40000"/>
-                    <a:lumOff val="60000"/>
+              <a:defRPr sz="1800">
+                <a:solidFill>
+                  <a:schemeClr val="tx1">
+                    <a:lumMod val="75000"/>
+                    <a:lumOff val="25000"/>
                   </a:schemeClr>
                 </a:solidFill>
               </a:defRPr>
@@ -1437,7 +1797,7 @@
     </p:spTree>
     <p:extLst>
       <p:ext uri="{BB962C8B-B14F-4D97-AF65-F5344CB8AC3E}">
-        <p14:creationId xmlns:p14="http://schemas.microsoft.com/office/powerpoint/2010/main" val="370425570"/>
+        <p14:creationId xmlns:p14="http://schemas.microsoft.com/office/powerpoint/2010/main" val="1564627083"/>
       </p:ext>
     </p:extLst>
   </p:cSld>
@@ -1447,9 +1807,9 @@
 </p:sldLayout>
 </file>
 
-<file path=ppt/slideLayouts/slideLayout14.xml><?xml version="1.0" encoding="utf-8"?>
+<file path=ppt/slideLayouts/slideLayout13.xml><?xml version="1.0" encoding="utf-8"?>
 <p:sldLayout xmlns:a="http://schemas.openxmlformats.org/drawingml/2006/main" xmlns:r="http://schemas.openxmlformats.org/officeDocument/2006/relationships" xmlns:p="http://schemas.openxmlformats.org/presentationml/2006/main" preserve="1">
-  <p:cSld name="3 Column">
+  <p:cSld name="Quote Name Card">
     <p:spTree>
       <p:nvGrpSpPr>
         <p:cNvPr id="1" name=""/>
@@ -1474,12 +1834,19 @@
             <p:ph type="title"/>
           </p:nvPr>
         </p:nvSpPr>
-        <p:spPr/>
-        <p:txBody>
-          <a:bodyPr/>
+        <p:spPr>
+          <a:xfrm>
+            <a:off x="931334" y="609600"/>
+            <a:ext cx="8094134" cy="3022600"/>
+          </a:xfrm>
+        </p:spPr>
+        <p:txBody>
+          <a:bodyPr anchor="ctr">
+            <a:normAutofit/>
+          </a:bodyPr>
           <a:lstStyle>
-            <a:lvl1pPr>
-              <a:defRPr sz="4200"/>
+            <a:lvl1pPr algn="l">
+              <a:defRPr sz="4400" b="0" cap="none"/>
             </a:lvl1pPr>
           </a:lstStyle>
           <a:p>
@@ -1493,18 +1860,18 @@
       </p:sp>
       <p:sp>
         <p:nvSpPr>
-          <p:cNvPr id="3" name="Text Placeholder 2"/>
-          <p:cNvSpPr>
-            <a:spLocks noGrp="1"/>
-          </p:cNvSpPr>
-          <p:nvPr>
-            <p:ph type="body" idx="1"/>
+          <p:cNvPr id="23" name="Text Placeholder 9"/>
+          <p:cNvSpPr>
+            <a:spLocks noGrp="1"/>
+          </p:cNvSpPr>
+          <p:nvPr>
+            <p:ph type="body" sz="quarter" idx="13"/>
           </p:nvPr>
         </p:nvSpPr>
         <p:spPr>
           <a:xfrm>
-            <a:off x="632947" y="1981200"/>
-            <a:ext cx="2946866" cy="576262"/>
+            <a:off x="677332" y="4013200"/>
+            <a:ext cx="8596669" cy="514248"/>
           </a:xfrm>
         </p:spPr>
         <p:txBody>
@@ -1513,48 +1880,37 @@
           </a:bodyPr>
           <a:lstStyle>
             <a:lvl1pPr marL="0" indent="0">
-              <a:buNone/>
-              <a:defRPr sz="2400" b="0">
-                <a:solidFill>
-                  <a:schemeClr val="bg2">
-                    <a:lumMod val="40000"/>
-                    <a:lumOff val="60000"/>
+              <a:buFontTx/>
+              <a:buNone/>
+              <a:defRPr sz="2400">
+                <a:solidFill>
+                  <a:schemeClr val="tx1">
+                    <a:lumMod val="75000"/>
+                    <a:lumOff val="25000"/>
                   </a:schemeClr>
                 </a:solidFill>
               </a:defRPr>
             </a:lvl1pPr>
             <a:lvl2pPr marL="457200" indent="0">
-              <a:buNone/>
-              <a:defRPr sz="2000" b="1"/>
+              <a:buFontTx/>
+              <a:buNone/>
+              <a:defRPr/>
             </a:lvl2pPr>
             <a:lvl3pPr marL="914400" indent="0">
-              <a:buNone/>
-              <a:defRPr sz="1800" b="1"/>
+              <a:buFontTx/>
+              <a:buNone/>
+              <a:defRPr/>
             </a:lvl3pPr>
             <a:lvl4pPr marL="1371600" indent="0">
-              <a:buNone/>
-              <a:defRPr sz="1600" b="1"/>
+              <a:buFontTx/>
+              <a:buNone/>
+              <a:defRPr/>
             </a:lvl4pPr>
             <a:lvl5pPr marL="1828800" indent="0">
-              <a:buNone/>
-              <a:defRPr sz="1600" b="1"/>
+              <a:buFontTx/>
+              <a:buNone/>
+              <a:defRPr/>
             </a:lvl5pPr>
-            <a:lvl6pPr marL="2286000" indent="0">
-              <a:buNone/>
-              <a:defRPr sz="1600" b="1"/>
-            </a:lvl6pPr>
-            <a:lvl7pPr marL="2743200" indent="0">
-              <a:buNone/>
-              <a:defRPr sz="1600" b="1"/>
-            </a:lvl7pPr>
-            <a:lvl8pPr marL="3200400" indent="0">
-              <a:buNone/>
-              <a:defRPr sz="1600" b="1"/>
-            </a:lvl8pPr>
-            <a:lvl9pPr marL="3657600" indent="0">
-              <a:buNone/>
-              <a:defRPr sz="1600" b="1"/>
-            </a:lvl9pPr>
           </a:lstStyle>
           <a:p>
             <a:pPr lvl="0"/>
@@ -1567,18 +1923,18 @@
       </p:sp>
       <p:sp>
         <p:nvSpPr>
-          <p:cNvPr id="16" name="Text Placeholder 3"/>
-          <p:cNvSpPr>
-            <a:spLocks noGrp="1"/>
-          </p:cNvSpPr>
-          <p:nvPr>
-            <p:ph type="body" sz="half" idx="15"/>
+          <p:cNvPr id="3" name="Text Placeholder 2"/>
+          <p:cNvSpPr>
+            <a:spLocks noGrp="1"/>
+          </p:cNvSpPr>
+          <p:nvPr>
+            <p:ph type="body" idx="1"/>
           </p:nvPr>
         </p:nvSpPr>
         <p:spPr>
           <a:xfrm>
-            <a:off x="652463" y="2667000"/>
-            <a:ext cx="2927350" cy="3589338"/>
+            <a:off x="677335" y="4527448"/>
+            <a:ext cx="8596668" cy="1513914"/>
           </a:xfrm>
         </p:spPr>
         <p:txBody>
@@ -1586,115 +1942,96 @@
             <a:normAutofit/>
           </a:bodyPr>
           <a:lstStyle>
-            <a:lvl1pPr marL="0" indent="0">
-              <a:buNone/>
-              <a:defRPr sz="1400"/>
-            </a:lvl1pPr>
-            <a:lvl2pPr marL="457200" indent="0">
-              <a:buNone/>
-              <a:defRPr sz="1200"/>
-            </a:lvl2pPr>
-            <a:lvl3pPr marL="914400" indent="0">
-              <a:buNone/>
-              <a:defRPr sz="1000"/>
-            </a:lvl3pPr>
-            <a:lvl4pPr marL="1371600" indent="0">
-              <a:buNone/>
-              <a:defRPr sz="900"/>
-            </a:lvl4pPr>
-            <a:lvl5pPr marL="1828800" indent="0">
-              <a:buNone/>
-              <a:defRPr sz="900"/>
-            </a:lvl5pPr>
-            <a:lvl6pPr marL="2286000" indent="0">
-              <a:buNone/>
-              <a:defRPr sz="900"/>
-            </a:lvl6pPr>
-            <a:lvl7pPr marL="2743200" indent="0">
-              <a:buNone/>
-              <a:defRPr sz="900"/>
-            </a:lvl7pPr>
-            <a:lvl8pPr marL="3200400" indent="0">
-              <a:buNone/>
-              <a:defRPr sz="900"/>
-            </a:lvl8pPr>
-            <a:lvl9pPr marL="3657600" indent="0">
-              <a:buNone/>
-              <a:defRPr sz="900"/>
-            </a:lvl9pPr>
-          </a:lstStyle>
-          <a:p>
-            <a:pPr lvl="0"/>
-            <a:r>
-              <a:rPr lang="en-US"/>
-              <a:t>Click to edit Master text styles</a:t>
-            </a:r>
-          </a:p>
-        </p:txBody>
-      </p:sp>
-      <p:sp>
-        <p:nvSpPr>
-          <p:cNvPr id="5" name="Text Placeholder 4"/>
-          <p:cNvSpPr>
-            <a:spLocks noGrp="1"/>
-          </p:cNvSpPr>
-          <p:nvPr>
-            <p:ph type="body" sz="quarter" idx="3"/>
-          </p:nvPr>
-        </p:nvSpPr>
-        <p:spPr>
-          <a:xfrm>
-            <a:off x="3883659" y="1981200"/>
-            <a:ext cx="2936241" cy="576262"/>
-          </a:xfrm>
-        </p:spPr>
-        <p:txBody>
-          <a:bodyPr anchor="b">
-            <a:noAutofit/>
-          </a:bodyPr>
-          <a:lstStyle>
-            <a:lvl1pPr marL="0" indent="0">
-              <a:buNone/>
-              <a:defRPr sz="2400" b="0">
-                <a:solidFill>
-                  <a:schemeClr val="bg2">
-                    <a:lumMod val="40000"/>
-                    <a:lumOff val="60000"/>
+            <a:lvl1pPr marL="0" indent="0" algn="l">
+              <a:buNone/>
+              <a:defRPr sz="1800">
+                <a:solidFill>
+                  <a:schemeClr val="tx1">
+                    <a:lumMod val="50000"/>
+                    <a:lumOff val="50000"/>
                   </a:schemeClr>
                 </a:solidFill>
               </a:defRPr>
             </a:lvl1pPr>
             <a:lvl2pPr marL="457200" indent="0">
               <a:buNone/>
-              <a:defRPr sz="2000" b="1"/>
+              <a:defRPr sz="1800">
+                <a:solidFill>
+                  <a:schemeClr val="tx1">
+                    <a:tint val="75000"/>
+                  </a:schemeClr>
+                </a:solidFill>
+              </a:defRPr>
             </a:lvl2pPr>
             <a:lvl3pPr marL="914400" indent="0">
               <a:buNone/>
-              <a:defRPr sz="1800" b="1"/>
+              <a:defRPr sz="1600">
+                <a:solidFill>
+                  <a:schemeClr val="tx1">
+                    <a:tint val="75000"/>
+                  </a:schemeClr>
+                </a:solidFill>
+              </a:defRPr>
             </a:lvl3pPr>
             <a:lvl4pPr marL="1371600" indent="0">
               <a:buNone/>
-              <a:defRPr sz="1600" b="1"/>
+              <a:defRPr sz="1400">
+                <a:solidFill>
+                  <a:schemeClr val="tx1">
+                    <a:tint val="75000"/>
+                  </a:schemeClr>
+                </a:solidFill>
+              </a:defRPr>
             </a:lvl4pPr>
             <a:lvl5pPr marL="1828800" indent="0">
               <a:buNone/>
-              <a:defRPr sz="1600" b="1"/>
+              <a:defRPr sz="1400">
+                <a:solidFill>
+                  <a:schemeClr val="tx1">
+                    <a:tint val="75000"/>
+                  </a:schemeClr>
+                </a:solidFill>
+              </a:defRPr>
             </a:lvl5pPr>
             <a:lvl6pPr marL="2286000" indent="0">
               <a:buNone/>
-              <a:defRPr sz="1600" b="1"/>
+              <a:defRPr sz="1400">
+                <a:solidFill>
+                  <a:schemeClr val="tx1">
+                    <a:tint val="75000"/>
+                  </a:schemeClr>
+                </a:solidFill>
+              </a:defRPr>
             </a:lvl6pPr>
             <a:lvl7pPr marL="2743200" indent="0">
               <a:buNone/>
-              <a:defRPr sz="1600" b="1"/>
+              <a:defRPr sz="1400">
+                <a:solidFill>
+                  <a:schemeClr val="tx1">
+                    <a:tint val="75000"/>
+                  </a:schemeClr>
+                </a:solidFill>
+              </a:defRPr>
             </a:lvl7pPr>
             <a:lvl8pPr marL="3200400" indent="0">
               <a:buNone/>
-              <a:defRPr sz="1600" b="1"/>
+              <a:defRPr sz="1400">
+                <a:solidFill>
+                  <a:schemeClr val="tx1">
+                    <a:tint val="75000"/>
+                  </a:schemeClr>
+                </a:solidFill>
+              </a:defRPr>
             </a:lvl8pPr>
             <a:lvl9pPr marL="3657600" indent="0">
               <a:buNone/>
-              <a:defRPr sz="1600" b="1"/>
+              <a:defRPr sz="1400">
+                <a:solidFill>
+                  <a:schemeClr val="tx1">
+                    <a:tint val="75000"/>
+                  </a:schemeClr>
+                </a:solidFill>
+              </a:defRPr>
             </a:lvl9pPr>
           </a:lstStyle>
           <a:p>
@@ -1708,293 +2045,7 @@
       </p:sp>
       <p:sp>
         <p:nvSpPr>
-          <p:cNvPr id="19" name="Text Placeholder 3"/>
-          <p:cNvSpPr>
-            <a:spLocks noGrp="1"/>
-          </p:cNvSpPr>
-          <p:nvPr>
-            <p:ph type="body" sz="half" idx="16"/>
-          </p:nvPr>
-        </p:nvSpPr>
-        <p:spPr>
-          <a:xfrm>
-            <a:off x="3873106" y="2667000"/>
-            <a:ext cx="2946794" cy="3589338"/>
-          </a:xfrm>
-        </p:spPr>
-        <p:txBody>
-          <a:bodyPr anchor="t">
-            <a:normAutofit/>
-          </a:bodyPr>
-          <a:lstStyle>
-            <a:lvl1pPr marL="0" indent="0">
-              <a:buNone/>
-              <a:defRPr sz="1400"/>
-            </a:lvl1pPr>
-            <a:lvl2pPr marL="457200" indent="0">
-              <a:buNone/>
-              <a:defRPr sz="1200"/>
-            </a:lvl2pPr>
-            <a:lvl3pPr marL="914400" indent="0">
-              <a:buNone/>
-              <a:defRPr sz="1000"/>
-            </a:lvl3pPr>
-            <a:lvl4pPr marL="1371600" indent="0">
-              <a:buNone/>
-              <a:defRPr sz="900"/>
-            </a:lvl4pPr>
-            <a:lvl5pPr marL="1828800" indent="0">
-              <a:buNone/>
-              <a:defRPr sz="900"/>
-            </a:lvl5pPr>
-            <a:lvl6pPr marL="2286000" indent="0">
-              <a:buNone/>
-              <a:defRPr sz="900"/>
-            </a:lvl6pPr>
-            <a:lvl7pPr marL="2743200" indent="0">
-              <a:buNone/>
-              <a:defRPr sz="900"/>
-            </a:lvl7pPr>
-            <a:lvl8pPr marL="3200400" indent="0">
-              <a:buNone/>
-              <a:defRPr sz="900"/>
-            </a:lvl8pPr>
-            <a:lvl9pPr marL="3657600" indent="0">
-              <a:buNone/>
-              <a:defRPr sz="900"/>
-            </a:lvl9pPr>
-          </a:lstStyle>
-          <a:p>
-            <a:pPr lvl="0"/>
-            <a:r>
-              <a:rPr lang="en-US"/>
-              <a:t>Click to edit Master text styles</a:t>
-            </a:r>
-          </a:p>
-        </p:txBody>
-      </p:sp>
-      <p:sp>
-        <p:nvSpPr>
-          <p:cNvPr id="14" name="Text Placeholder 4"/>
-          <p:cNvSpPr>
-            <a:spLocks noGrp="1"/>
-          </p:cNvSpPr>
-          <p:nvPr>
-            <p:ph type="body" sz="quarter" idx="13"/>
-          </p:nvPr>
-        </p:nvSpPr>
-        <p:spPr>
-          <a:xfrm>
-            <a:off x="7124700" y="1981200"/>
-            <a:ext cx="2932113" cy="576262"/>
-          </a:xfrm>
-        </p:spPr>
-        <p:txBody>
-          <a:bodyPr anchor="b">
-            <a:noAutofit/>
-          </a:bodyPr>
-          <a:lstStyle>
-            <a:lvl1pPr marL="0" indent="0">
-              <a:buNone/>
-              <a:defRPr sz="2400" b="0">
-                <a:solidFill>
-                  <a:schemeClr val="bg2">
-                    <a:lumMod val="40000"/>
-                    <a:lumOff val="60000"/>
-                  </a:schemeClr>
-                </a:solidFill>
-              </a:defRPr>
-            </a:lvl1pPr>
-            <a:lvl2pPr marL="457200" indent="0">
-              <a:buNone/>
-              <a:defRPr sz="2000" b="1"/>
-            </a:lvl2pPr>
-            <a:lvl3pPr marL="914400" indent="0">
-              <a:buNone/>
-              <a:defRPr sz="1800" b="1"/>
-            </a:lvl3pPr>
-            <a:lvl4pPr marL="1371600" indent="0">
-              <a:buNone/>
-              <a:defRPr sz="1600" b="1"/>
-            </a:lvl4pPr>
-            <a:lvl5pPr marL="1828800" indent="0">
-              <a:buNone/>
-              <a:defRPr sz="1600" b="1"/>
-            </a:lvl5pPr>
-            <a:lvl6pPr marL="2286000" indent="0">
-              <a:buNone/>
-              <a:defRPr sz="1600" b="1"/>
-            </a:lvl6pPr>
-            <a:lvl7pPr marL="2743200" indent="0">
-              <a:buNone/>
-              <a:defRPr sz="1600" b="1"/>
-            </a:lvl7pPr>
-            <a:lvl8pPr marL="3200400" indent="0">
-              <a:buNone/>
-              <a:defRPr sz="1600" b="1"/>
-            </a:lvl8pPr>
-            <a:lvl9pPr marL="3657600" indent="0">
-              <a:buNone/>
-              <a:defRPr sz="1600" b="1"/>
-            </a:lvl9pPr>
-          </a:lstStyle>
-          <a:p>
-            <a:pPr lvl="0"/>
-            <a:r>
-              <a:rPr lang="en-US"/>
-              <a:t>Click to edit Master text styles</a:t>
-            </a:r>
-          </a:p>
-        </p:txBody>
-      </p:sp>
-      <p:sp>
-        <p:nvSpPr>
-          <p:cNvPr id="20" name="Text Placeholder 3"/>
-          <p:cNvSpPr>
-            <a:spLocks noGrp="1"/>
-          </p:cNvSpPr>
-          <p:nvPr>
-            <p:ph type="body" sz="half" idx="17"/>
-          </p:nvPr>
-        </p:nvSpPr>
-        <p:spPr>
-          <a:xfrm>
-            <a:off x="7124700" y="2667000"/>
-            <a:ext cx="2932113" cy="3589338"/>
-          </a:xfrm>
-        </p:spPr>
-        <p:txBody>
-          <a:bodyPr anchor="t">
-            <a:normAutofit/>
-          </a:bodyPr>
-          <a:lstStyle>
-            <a:lvl1pPr marL="0" indent="0">
-              <a:buNone/>
-              <a:defRPr sz="1400"/>
-            </a:lvl1pPr>
-            <a:lvl2pPr marL="457200" indent="0">
-              <a:buNone/>
-              <a:defRPr sz="1200"/>
-            </a:lvl2pPr>
-            <a:lvl3pPr marL="914400" indent="0">
-              <a:buNone/>
-              <a:defRPr sz="1000"/>
-            </a:lvl3pPr>
-            <a:lvl4pPr marL="1371600" indent="0">
-              <a:buNone/>
-              <a:defRPr sz="900"/>
-            </a:lvl4pPr>
-            <a:lvl5pPr marL="1828800" indent="0">
-              <a:buNone/>
-              <a:defRPr sz="900"/>
-            </a:lvl5pPr>
-            <a:lvl6pPr marL="2286000" indent="0">
-              <a:buNone/>
-              <a:defRPr sz="900"/>
-            </a:lvl6pPr>
-            <a:lvl7pPr marL="2743200" indent="0">
-              <a:buNone/>
-              <a:defRPr sz="900"/>
-            </a:lvl7pPr>
-            <a:lvl8pPr marL="3200400" indent="0">
-              <a:buNone/>
-              <a:defRPr sz="900"/>
-            </a:lvl8pPr>
-            <a:lvl9pPr marL="3657600" indent="0">
-              <a:buNone/>
-              <a:defRPr sz="900"/>
-            </a:lvl9pPr>
-          </a:lstStyle>
-          <a:p>
-            <a:pPr lvl="0"/>
-            <a:r>
-              <a:rPr lang="en-US"/>
-              <a:t>Click to edit Master text styles</a:t>
-            </a:r>
-          </a:p>
-        </p:txBody>
-      </p:sp>
-      <p:cxnSp>
-        <p:nvCxnSpPr>
-          <p:cNvPr id="17" name="Straight Connector 16"/>
-          <p:cNvCxnSpPr/>
-          <p:nvPr/>
-        </p:nvCxnSpPr>
-        <p:spPr>
-          <a:xfrm>
-            <a:off x="3726142" y="2133600"/>
-            <a:ext cx="0" cy="3962400"/>
-          </a:xfrm>
-          <a:prstGeom prst="line">
-            <a:avLst/>
-          </a:prstGeom>
-          <a:ln w="12700" cmpd="sng">
-            <a:solidFill>
-              <a:schemeClr val="bg2">
-                <a:lumMod val="40000"/>
-                <a:lumOff val="60000"/>
-                <a:alpha val="40000"/>
-              </a:schemeClr>
-            </a:solidFill>
-          </a:ln>
-        </p:spPr>
-        <p:style>
-          <a:lnRef idx="2">
-            <a:schemeClr val="accent1"/>
-          </a:lnRef>
-          <a:fillRef idx="0">
-            <a:schemeClr val="accent1"/>
-          </a:fillRef>
-          <a:effectRef idx="1">
-            <a:schemeClr val="accent1"/>
-          </a:effectRef>
-          <a:fontRef idx="minor">
-            <a:schemeClr val="tx1"/>
-          </a:fontRef>
-        </p:style>
-      </p:cxnSp>
-      <p:cxnSp>
-        <p:nvCxnSpPr>
-          <p:cNvPr id="18" name="Straight Connector 17"/>
-          <p:cNvCxnSpPr/>
-          <p:nvPr/>
-        </p:nvCxnSpPr>
-        <p:spPr>
-          <a:xfrm>
-            <a:off x="6962227" y="2133600"/>
-            <a:ext cx="0" cy="3966882"/>
-          </a:xfrm>
-          <a:prstGeom prst="line">
-            <a:avLst/>
-          </a:prstGeom>
-          <a:ln w="12700" cmpd="sng">
-            <a:solidFill>
-              <a:schemeClr val="bg2">
-                <a:lumMod val="40000"/>
-                <a:lumOff val="60000"/>
-                <a:alpha val="40000"/>
-              </a:schemeClr>
-            </a:solidFill>
-          </a:ln>
-        </p:spPr>
-        <p:style>
-          <a:lnRef idx="2">
-            <a:schemeClr val="accent1"/>
-          </a:lnRef>
-          <a:fillRef idx="0">
-            <a:schemeClr val="accent1"/>
-          </a:fillRef>
-          <a:effectRef idx="1">
-            <a:schemeClr val="accent1"/>
-          </a:effectRef>
-          <a:fontRef idx="minor">
-            <a:schemeClr val="tx1"/>
-          </a:fontRef>
-        </p:style>
-      </p:cxnSp>
-      <p:sp>
-        <p:nvSpPr>
-          <p:cNvPr id="7" name="Date Placeholder 3"/>
+          <p:cNvPr id="4" name="Date Placeholder 3"/>
           <p:cNvSpPr>
             <a:spLocks noGrp="1"/>
           </p:cNvSpPr>
@@ -2017,7 +2068,7 @@
       </p:sp>
       <p:sp>
         <p:nvSpPr>
-          <p:cNvPr id="4" name="Footer Placeholder 4"/>
+          <p:cNvPr id="5" name="Footer Placeholder 4"/>
           <p:cNvSpPr>
             <a:spLocks noGrp="1"/>
           </p:cNvSpPr>
@@ -2057,10 +2108,92 @@
           </a:p>
         </p:txBody>
       </p:sp>
+      <p:sp>
+        <p:nvSpPr>
+          <p:cNvPr id="24" name="TextBox 23"/>
+          <p:cNvSpPr txBox="1"/>
+          <p:nvPr/>
+        </p:nvSpPr>
+        <p:spPr>
+          <a:xfrm>
+            <a:off x="541870" y="790378"/>
+            <a:ext cx="609600" cy="584776"/>
+          </a:xfrm>
+          <a:prstGeom prst="rect">
+            <a:avLst/>
+          </a:prstGeom>
+        </p:spPr>
+        <p:txBody>
+          <a:bodyPr vert="horz" lIns="91440" tIns="45720" rIns="91440" bIns="45720" rtlCol="0" anchor="ctr">
+            <a:noAutofit/>
+          </a:bodyPr>
+          <a:lstStyle/>
+          <a:p>
+            <a:pPr lvl="0"/>
+            <a:r>
+              <a:rPr lang="en-US" sz="8000" baseline="0" dirty="0">
+                <a:ln w="3175" cmpd="sng">
+                  <a:noFill/>
+                </a:ln>
+                <a:solidFill>
+                  <a:schemeClr val="accent1">
+                    <a:lumMod val="60000"/>
+                    <a:lumOff val="40000"/>
+                  </a:schemeClr>
+                </a:solidFill>
+                <a:effectLst/>
+                <a:latin typeface="Arial"/>
+              </a:rPr>
+              <a:t>“</a:t>
+            </a:r>
+          </a:p>
+        </p:txBody>
+      </p:sp>
+      <p:sp>
+        <p:nvSpPr>
+          <p:cNvPr id="25" name="TextBox 24"/>
+          <p:cNvSpPr txBox="1"/>
+          <p:nvPr/>
+        </p:nvSpPr>
+        <p:spPr>
+          <a:xfrm>
+            <a:off x="8893011" y="2886556"/>
+            <a:ext cx="609600" cy="584776"/>
+          </a:xfrm>
+          <a:prstGeom prst="rect">
+            <a:avLst/>
+          </a:prstGeom>
+        </p:spPr>
+        <p:txBody>
+          <a:bodyPr vert="horz" lIns="91440" tIns="45720" rIns="91440" bIns="45720" rtlCol="0" anchor="ctr">
+            <a:noAutofit/>
+          </a:bodyPr>
+          <a:lstStyle/>
+          <a:p>
+            <a:pPr lvl="0"/>
+            <a:r>
+              <a:rPr lang="en-US" sz="8000" baseline="0" dirty="0">
+                <a:ln w="3175" cmpd="sng">
+                  <a:noFill/>
+                </a:ln>
+                <a:solidFill>
+                  <a:schemeClr val="accent1">
+                    <a:lumMod val="60000"/>
+                    <a:lumOff val="40000"/>
+                  </a:schemeClr>
+                </a:solidFill>
+                <a:effectLst/>
+                <a:latin typeface="Arial"/>
+              </a:rPr>
+              <a:t>”</a:t>
+            </a:r>
+          </a:p>
+        </p:txBody>
+      </p:sp>
     </p:spTree>
     <p:extLst>
       <p:ext uri="{BB962C8B-B14F-4D97-AF65-F5344CB8AC3E}">
-        <p14:creationId xmlns:p14="http://schemas.microsoft.com/office/powerpoint/2010/main" val="3822052287"/>
+        <p14:creationId xmlns:p14="http://schemas.microsoft.com/office/powerpoint/2010/main" val="3457483195"/>
       </p:ext>
     </p:extLst>
   </p:cSld>
@@ -2070,9 +2203,9 @@
 </p:sldLayout>
 </file>
 
-<file path=ppt/slideLayouts/slideLayout15.xml><?xml version="1.0" encoding="utf-8"?>
+<file path=ppt/slideLayouts/slideLayout14.xml><?xml version="1.0" encoding="utf-8"?>
 <p:sldLayout xmlns:a="http://schemas.openxmlformats.org/drawingml/2006/main" xmlns:r="http://schemas.openxmlformats.org/officeDocument/2006/relationships" xmlns:p="http://schemas.openxmlformats.org/presentationml/2006/main" preserve="1">
-  <p:cSld name="3 Picture Column">
+  <p:cSld name="True or False">
     <p:spTree>
       <p:nvGrpSpPr>
         <p:cNvPr id="1" name=""/>
@@ -2097,12 +2230,19 @@
             <p:ph type="title"/>
           </p:nvPr>
         </p:nvSpPr>
-        <p:spPr/>
-        <p:txBody>
-          <a:bodyPr/>
+        <p:spPr>
+          <a:xfrm>
+            <a:off x="685799" y="609600"/>
+            <a:ext cx="8588203" cy="3022600"/>
+          </a:xfrm>
+        </p:spPr>
+        <p:txBody>
+          <a:bodyPr anchor="ctr">
+            <a:normAutofit/>
+          </a:bodyPr>
           <a:lstStyle>
-            <a:lvl1pPr>
-              <a:defRPr sz="4200"/>
+            <a:lvl1pPr algn="l">
+              <a:defRPr sz="4400" b="0" cap="none"/>
             </a:lvl1pPr>
           </a:lstStyle>
           <a:p>
@@ -2116,18 +2256,18 @@
       </p:sp>
       <p:sp>
         <p:nvSpPr>
-          <p:cNvPr id="3" name="Text Placeholder 2"/>
-          <p:cNvSpPr>
-            <a:spLocks noGrp="1"/>
-          </p:cNvSpPr>
-          <p:nvPr>
-            <p:ph type="body" idx="1"/>
+          <p:cNvPr id="23" name="Text Placeholder 9"/>
+          <p:cNvSpPr>
+            <a:spLocks noGrp="1"/>
+          </p:cNvSpPr>
+          <p:nvPr>
+            <p:ph type="body" sz="quarter" idx="13"/>
           </p:nvPr>
         </p:nvSpPr>
         <p:spPr>
           <a:xfrm>
-            <a:off x="652463" y="4250949"/>
-            <a:ext cx="2940050" cy="576262"/>
+            <a:off x="677332" y="4013200"/>
+            <a:ext cx="8596669" cy="514248"/>
           </a:xfrm>
         </p:spPr>
         <p:txBody>
@@ -2136,48 +2276,34 @@
           </a:bodyPr>
           <a:lstStyle>
             <a:lvl1pPr marL="0" indent="0">
-              <a:buNone/>
-              <a:defRPr sz="2400" b="0">
-                <a:solidFill>
-                  <a:schemeClr val="bg2">
-                    <a:lumMod val="40000"/>
-                    <a:lumOff val="60000"/>
-                  </a:schemeClr>
+              <a:buFontTx/>
+              <a:buNone/>
+              <a:defRPr sz="2400">
+                <a:solidFill>
+                  <a:schemeClr val="accent1"/>
                 </a:solidFill>
               </a:defRPr>
             </a:lvl1pPr>
             <a:lvl2pPr marL="457200" indent="0">
-              <a:buNone/>
-              <a:defRPr sz="2000" b="1"/>
+              <a:buFontTx/>
+              <a:buNone/>
+              <a:defRPr/>
             </a:lvl2pPr>
             <a:lvl3pPr marL="914400" indent="0">
-              <a:buNone/>
-              <a:defRPr sz="1800" b="1"/>
+              <a:buFontTx/>
+              <a:buNone/>
+              <a:defRPr/>
             </a:lvl3pPr>
             <a:lvl4pPr marL="1371600" indent="0">
-              <a:buNone/>
-              <a:defRPr sz="1600" b="1"/>
+              <a:buFontTx/>
+              <a:buNone/>
+              <a:defRPr/>
             </a:lvl4pPr>
             <a:lvl5pPr marL="1828800" indent="0">
-              <a:buNone/>
-              <a:defRPr sz="1600" b="1"/>
+              <a:buFontTx/>
+              <a:buNone/>
+              <a:defRPr/>
             </a:lvl5pPr>
-            <a:lvl6pPr marL="2286000" indent="0">
-              <a:buNone/>
-              <a:defRPr sz="1600" b="1"/>
-            </a:lvl6pPr>
-            <a:lvl7pPr marL="2743200" indent="0">
-              <a:buNone/>
-              <a:defRPr sz="1600" b="1"/>
-            </a:lvl7pPr>
-            <a:lvl8pPr marL="3200400" indent="0">
-              <a:buNone/>
-              <a:defRPr sz="1600" b="1"/>
-            </a:lvl8pPr>
-            <a:lvl9pPr marL="3657600" indent="0">
-              <a:buNone/>
-              <a:defRPr sz="1600" b="1"/>
-            </a:lvl9pPr>
           </a:lstStyle>
           <a:p>
             <a:pPr lvl="0"/>
@@ -2190,213 +2316,115 @@
       </p:sp>
       <p:sp>
         <p:nvSpPr>
-          <p:cNvPr id="29" name="Picture Placeholder 2"/>
-          <p:cNvSpPr>
-            <a:spLocks noGrp="1" noChangeAspect="1"/>
-          </p:cNvSpPr>
-          <p:nvPr>
-            <p:ph type="pic" idx="15"/>
+          <p:cNvPr id="3" name="Text Placeholder 2"/>
+          <p:cNvSpPr>
+            <a:spLocks noGrp="1"/>
+          </p:cNvSpPr>
+          <p:nvPr>
+            <p:ph type="body" idx="1"/>
           </p:nvPr>
         </p:nvSpPr>
         <p:spPr>
           <a:xfrm>
-            <a:off x="652463" y="2209800"/>
-            <a:ext cx="2940050" cy="1524000"/>
+            <a:off x="677335" y="4527448"/>
+            <a:ext cx="8596668" cy="1513914"/>
           </a:xfrm>
-          <a:prstGeom prst="roundRect">
-            <a:avLst>
-              <a:gd name="adj" fmla="val 1858"/>
-            </a:avLst>
-          </a:prstGeom>
-          <a:effectLst>
-            <a:outerShdw blurRad="50800" dist="50800" dir="5400000" algn="tl" rotWithShape="0">
-              <a:srgbClr val="000000">
-                <a:alpha val="43000"/>
-              </a:srgbClr>
-            </a:outerShdw>
-          </a:effectLst>
         </p:spPr>
         <p:txBody>
           <a:bodyPr anchor="t">
             <a:normAutofit/>
           </a:bodyPr>
           <a:lstStyle>
-            <a:lvl1pPr marL="0" indent="0" algn="ctr">
-              <a:buNone/>
-              <a:defRPr sz="1600"/>
-            </a:lvl1pPr>
-            <a:lvl2pPr marL="457200" indent="0">
-              <a:buNone/>
-              <a:defRPr sz="1600"/>
-            </a:lvl2pPr>
-            <a:lvl3pPr marL="914400" indent="0">
-              <a:buNone/>
-              <a:defRPr sz="1600"/>
-            </a:lvl3pPr>
-            <a:lvl4pPr marL="1371600" indent="0">
-              <a:buNone/>
-              <a:defRPr sz="1600"/>
-            </a:lvl4pPr>
-            <a:lvl5pPr marL="1828800" indent="0">
-              <a:buNone/>
-              <a:defRPr sz="1600"/>
-            </a:lvl5pPr>
-            <a:lvl6pPr marL="2286000" indent="0">
-              <a:buNone/>
-              <a:defRPr sz="1600"/>
-            </a:lvl6pPr>
-            <a:lvl7pPr marL="2743200" indent="0">
-              <a:buNone/>
-              <a:defRPr sz="1600"/>
-            </a:lvl7pPr>
-            <a:lvl8pPr marL="3200400" indent="0">
-              <a:buNone/>
-              <a:defRPr sz="1600"/>
-            </a:lvl8pPr>
-            <a:lvl9pPr marL="3657600" indent="0">
-              <a:buNone/>
-              <a:defRPr sz="1600"/>
-            </a:lvl9pPr>
-          </a:lstStyle>
-          <a:p>
-            <a:r>
-              <a:rPr lang="en-US"/>
-              <a:t>Click icon to add picture</a:t>
-            </a:r>
-            <a:endParaRPr lang="en-US" dirty="0"/>
-          </a:p>
-        </p:txBody>
-      </p:sp>
-      <p:sp>
-        <p:nvSpPr>
-          <p:cNvPr id="22" name="Text Placeholder 3"/>
-          <p:cNvSpPr>
-            <a:spLocks noGrp="1"/>
-          </p:cNvSpPr>
-          <p:nvPr>
-            <p:ph type="body" sz="half" idx="18"/>
-          </p:nvPr>
-        </p:nvSpPr>
-        <p:spPr>
-          <a:xfrm>
-            <a:off x="652463" y="4827211"/>
-            <a:ext cx="2940050" cy="659189"/>
-          </a:xfrm>
-        </p:spPr>
-        <p:txBody>
-          <a:bodyPr anchor="t">
-            <a:normAutofit/>
-          </a:bodyPr>
-          <a:lstStyle>
-            <a:lvl1pPr marL="0" indent="0">
-              <a:buNone/>
-              <a:defRPr sz="1400"/>
-            </a:lvl1pPr>
-            <a:lvl2pPr marL="457200" indent="0">
-              <a:buNone/>
-              <a:defRPr sz="1200"/>
-            </a:lvl2pPr>
-            <a:lvl3pPr marL="914400" indent="0">
-              <a:buNone/>
-              <a:defRPr sz="1000"/>
-            </a:lvl3pPr>
-            <a:lvl4pPr marL="1371600" indent="0">
-              <a:buNone/>
-              <a:defRPr sz="900"/>
-            </a:lvl4pPr>
-            <a:lvl5pPr marL="1828800" indent="0">
-              <a:buNone/>
-              <a:defRPr sz="900"/>
-            </a:lvl5pPr>
-            <a:lvl6pPr marL="2286000" indent="0">
-              <a:buNone/>
-              <a:defRPr sz="900"/>
-            </a:lvl6pPr>
-            <a:lvl7pPr marL="2743200" indent="0">
-              <a:buNone/>
-              <a:defRPr sz="900"/>
-            </a:lvl7pPr>
-            <a:lvl8pPr marL="3200400" indent="0">
-              <a:buNone/>
-              <a:defRPr sz="900"/>
-            </a:lvl8pPr>
-            <a:lvl9pPr marL="3657600" indent="0">
-              <a:buNone/>
-              <a:defRPr sz="900"/>
-            </a:lvl9pPr>
-          </a:lstStyle>
-          <a:p>
-            <a:pPr lvl="0"/>
-            <a:r>
-              <a:rPr lang="en-US"/>
-              <a:t>Click to edit Master text styles</a:t>
-            </a:r>
-          </a:p>
-        </p:txBody>
-      </p:sp>
-      <p:sp>
-        <p:nvSpPr>
-          <p:cNvPr id="5" name="Text Placeholder 4"/>
-          <p:cNvSpPr>
-            <a:spLocks noGrp="1"/>
-          </p:cNvSpPr>
-          <p:nvPr>
-            <p:ph type="body" sz="quarter" idx="3"/>
-          </p:nvPr>
-        </p:nvSpPr>
-        <p:spPr>
-          <a:xfrm>
-            <a:off x="3889375" y="4250949"/>
-            <a:ext cx="2930525" cy="576262"/>
-          </a:xfrm>
-        </p:spPr>
-        <p:txBody>
-          <a:bodyPr anchor="b">
-            <a:noAutofit/>
-          </a:bodyPr>
-          <a:lstStyle>
-            <a:lvl1pPr marL="0" indent="0">
-              <a:buNone/>
-              <a:defRPr sz="2400" b="0">
-                <a:solidFill>
-                  <a:schemeClr val="bg2">
-                    <a:lumMod val="40000"/>
-                    <a:lumOff val="60000"/>
+            <a:lvl1pPr marL="0" indent="0" algn="l">
+              <a:buNone/>
+              <a:defRPr sz="1800">
+                <a:solidFill>
+                  <a:schemeClr val="tx1">
+                    <a:lumMod val="50000"/>
+                    <a:lumOff val="50000"/>
                   </a:schemeClr>
                 </a:solidFill>
               </a:defRPr>
             </a:lvl1pPr>
             <a:lvl2pPr marL="457200" indent="0">
               <a:buNone/>
-              <a:defRPr sz="2000" b="1"/>
+              <a:defRPr sz="1800">
+                <a:solidFill>
+                  <a:schemeClr val="tx1">
+                    <a:tint val="75000"/>
+                  </a:schemeClr>
+                </a:solidFill>
+              </a:defRPr>
             </a:lvl2pPr>
             <a:lvl3pPr marL="914400" indent="0">
               <a:buNone/>
-              <a:defRPr sz="1800" b="1"/>
+              <a:defRPr sz="1600">
+                <a:solidFill>
+                  <a:schemeClr val="tx1">
+                    <a:tint val="75000"/>
+                  </a:schemeClr>
+                </a:solidFill>
+              </a:defRPr>
             </a:lvl3pPr>
             <a:lvl4pPr marL="1371600" indent="0">
               <a:buNone/>
-              <a:defRPr sz="1600" b="1"/>
+              <a:defRPr sz="1400">
+                <a:solidFill>
+                  <a:schemeClr val="tx1">
+                    <a:tint val="75000"/>
+                  </a:schemeClr>
+                </a:solidFill>
+              </a:defRPr>
             </a:lvl4pPr>
             <a:lvl5pPr marL="1828800" indent="0">
               <a:buNone/>
-              <a:defRPr sz="1600" b="1"/>
+              <a:defRPr sz="1400">
+                <a:solidFill>
+                  <a:schemeClr val="tx1">
+                    <a:tint val="75000"/>
+                  </a:schemeClr>
+                </a:solidFill>
+              </a:defRPr>
             </a:lvl5pPr>
             <a:lvl6pPr marL="2286000" indent="0">
               <a:buNone/>
-              <a:defRPr sz="1600" b="1"/>
+              <a:defRPr sz="1400">
+                <a:solidFill>
+                  <a:schemeClr val="tx1">
+                    <a:tint val="75000"/>
+                  </a:schemeClr>
+                </a:solidFill>
+              </a:defRPr>
             </a:lvl6pPr>
             <a:lvl7pPr marL="2743200" indent="0">
               <a:buNone/>
-              <a:defRPr sz="1600" b="1"/>
+              <a:defRPr sz="1400">
+                <a:solidFill>
+                  <a:schemeClr val="tx1">
+                    <a:tint val="75000"/>
+                  </a:schemeClr>
+                </a:solidFill>
+              </a:defRPr>
             </a:lvl7pPr>
             <a:lvl8pPr marL="3200400" indent="0">
               <a:buNone/>
-              <a:defRPr sz="1600" b="1"/>
+              <a:defRPr sz="1400">
+                <a:solidFill>
+                  <a:schemeClr val="tx1">
+                    <a:tint val="75000"/>
+                  </a:schemeClr>
+                </a:solidFill>
+              </a:defRPr>
             </a:lvl8pPr>
             <a:lvl9pPr marL="3657600" indent="0">
               <a:buNone/>
-              <a:defRPr sz="1600" b="1"/>
+              <a:defRPr sz="1400">
+                <a:solidFill>
+                  <a:schemeClr val="tx1">
+                    <a:tint val="75000"/>
+                  </a:schemeClr>
+                </a:solidFill>
+              </a:defRPr>
             </a:lvl9pPr>
           </a:lstStyle>
           <a:p>
@@ -2410,451 +2438,7 @@
       </p:sp>
       <p:sp>
         <p:nvSpPr>
-          <p:cNvPr id="30" name="Picture Placeholder 2"/>
-          <p:cNvSpPr>
-            <a:spLocks noGrp="1" noChangeAspect="1"/>
-          </p:cNvSpPr>
-          <p:nvPr>
-            <p:ph type="pic" idx="21"/>
-          </p:nvPr>
-        </p:nvSpPr>
-        <p:spPr>
-          <a:xfrm>
-            <a:off x="3889374" y="2209800"/>
-            <a:ext cx="2930525" cy="1524000"/>
-          </a:xfrm>
-          <a:prstGeom prst="roundRect">
-            <a:avLst>
-              <a:gd name="adj" fmla="val 1858"/>
-            </a:avLst>
-          </a:prstGeom>
-          <a:effectLst>
-            <a:outerShdw blurRad="50800" dist="50800" dir="5400000" algn="tl" rotWithShape="0">
-              <a:srgbClr val="000000">
-                <a:alpha val="43000"/>
-              </a:srgbClr>
-            </a:outerShdw>
-          </a:effectLst>
-        </p:spPr>
-        <p:txBody>
-          <a:bodyPr anchor="t">
-            <a:normAutofit/>
-          </a:bodyPr>
-          <a:lstStyle>
-            <a:lvl1pPr marL="0" indent="0" algn="ctr">
-              <a:buNone/>
-              <a:defRPr sz="1600"/>
-            </a:lvl1pPr>
-            <a:lvl2pPr marL="457200" indent="0">
-              <a:buNone/>
-              <a:defRPr sz="1600"/>
-            </a:lvl2pPr>
-            <a:lvl3pPr marL="914400" indent="0">
-              <a:buNone/>
-              <a:defRPr sz="1600"/>
-            </a:lvl3pPr>
-            <a:lvl4pPr marL="1371600" indent="0">
-              <a:buNone/>
-              <a:defRPr sz="1600"/>
-            </a:lvl4pPr>
-            <a:lvl5pPr marL="1828800" indent="0">
-              <a:buNone/>
-              <a:defRPr sz="1600"/>
-            </a:lvl5pPr>
-            <a:lvl6pPr marL="2286000" indent="0">
-              <a:buNone/>
-              <a:defRPr sz="1600"/>
-            </a:lvl6pPr>
-            <a:lvl7pPr marL="2743200" indent="0">
-              <a:buNone/>
-              <a:defRPr sz="1600"/>
-            </a:lvl7pPr>
-            <a:lvl8pPr marL="3200400" indent="0">
-              <a:buNone/>
-              <a:defRPr sz="1600"/>
-            </a:lvl8pPr>
-            <a:lvl9pPr marL="3657600" indent="0">
-              <a:buNone/>
-              <a:defRPr sz="1600"/>
-            </a:lvl9pPr>
-          </a:lstStyle>
-          <a:p>
-            <a:r>
-              <a:rPr lang="en-US"/>
-              <a:t>Click icon to add picture</a:t>
-            </a:r>
-            <a:endParaRPr lang="en-US" dirty="0"/>
-          </a:p>
-        </p:txBody>
-      </p:sp>
-      <p:sp>
-        <p:nvSpPr>
-          <p:cNvPr id="23" name="Text Placeholder 3"/>
-          <p:cNvSpPr>
-            <a:spLocks noGrp="1"/>
-          </p:cNvSpPr>
-          <p:nvPr>
-            <p:ph type="body" sz="half" idx="19"/>
-          </p:nvPr>
-        </p:nvSpPr>
-        <p:spPr>
-          <a:xfrm>
-            <a:off x="3888022" y="4827210"/>
-            <a:ext cx="2934406" cy="659189"/>
-          </a:xfrm>
-        </p:spPr>
-        <p:txBody>
-          <a:bodyPr anchor="t">
-            <a:normAutofit/>
-          </a:bodyPr>
-          <a:lstStyle>
-            <a:lvl1pPr marL="0" indent="0">
-              <a:buNone/>
-              <a:defRPr sz="1400"/>
-            </a:lvl1pPr>
-            <a:lvl2pPr marL="457200" indent="0">
-              <a:buNone/>
-              <a:defRPr sz="1200"/>
-            </a:lvl2pPr>
-            <a:lvl3pPr marL="914400" indent="0">
-              <a:buNone/>
-              <a:defRPr sz="1000"/>
-            </a:lvl3pPr>
-            <a:lvl4pPr marL="1371600" indent="0">
-              <a:buNone/>
-              <a:defRPr sz="900"/>
-            </a:lvl4pPr>
-            <a:lvl5pPr marL="1828800" indent="0">
-              <a:buNone/>
-              <a:defRPr sz="900"/>
-            </a:lvl5pPr>
-            <a:lvl6pPr marL="2286000" indent="0">
-              <a:buNone/>
-              <a:defRPr sz="900"/>
-            </a:lvl6pPr>
-            <a:lvl7pPr marL="2743200" indent="0">
-              <a:buNone/>
-              <a:defRPr sz="900"/>
-            </a:lvl7pPr>
-            <a:lvl8pPr marL="3200400" indent="0">
-              <a:buNone/>
-              <a:defRPr sz="900"/>
-            </a:lvl8pPr>
-            <a:lvl9pPr marL="3657600" indent="0">
-              <a:buNone/>
-              <a:defRPr sz="900"/>
-            </a:lvl9pPr>
-          </a:lstStyle>
-          <a:p>
-            <a:pPr lvl="0"/>
-            <a:r>
-              <a:rPr lang="en-US"/>
-              <a:t>Click to edit Master text styles</a:t>
-            </a:r>
-          </a:p>
-        </p:txBody>
-      </p:sp>
-      <p:sp>
-        <p:nvSpPr>
-          <p:cNvPr id="14" name="Text Placeholder 4"/>
-          <p:cNvSpPr>
-            <a:spLocks noGrp="1"/>
-          </p:cNvSpPr>
-          <p:nvPr>
-            <p:ph type="body" sz="quarter" idx="13"/>
-          </p:nvPr>
-        </p:nvSpPr>
-        <p:spPr>
-          <a:xfrm>
-            <a:off x="7124700" y="4250949"/>
-            <a:ext cx="2932113" cy="576262"/>
-          </a:xfrm>
-        </p:spPr>
-        <p:txBody>
-          <a:bodyPr anchor="b">
-            <a:noAutofit/>
-          </a:bodyPr>
-          <a:lstStyle>
-            <a:lvl1pPr marL="0" indent="0">
-              <a:buNone/>
-              <a:defRPr sz="2400" b="0">
-                <a:solidFill>
-                  <a:schemeClr val="bg2">
-                    <a:lumMod val="40000"/>
-                    <a:lumOff val="60000"/>
-                  </a:schemeClr>
-                </a:solidFill>
-              </a:defRPr>
-            </a:lvl1pPr>
-            <a:lvl2pPr marL="457200" indent="0">
-              <a:buNone/>
-              <a:defRPr sz="2000" b="1"/>
-            </a:lvl2pPr>
-            <a:lvl3pPr marL="914400" indent="0">
-              <a:buNone/>
-              <a:defRPr sz="1800" b="1"/>
-            </a:lvl3pPr>
-            <a:lvl4pPr marL="1371600" indent="0">
-              <a:buNone/>
-              <a:defRPr sz="1600" b="1"/>
-            </a:lvl4pPr>
-            <a:lvl5pPr marL="1828800" indent="0">
-              <a:buNone/>
-              <a:defRPr sz="1600" b="1"/>
-            </a:lvl5pPr>
-            <a:lvl6pPr marL="2286000" indent="0">
-              <a:buNone/>
-              <a:defRPr sz="1600" b="1"/>
-            </a:lvl6pPr>
-            <a:lvl7pPr marL="2743200" indent="0">
-              <a:buNone/>
-              <a:defRPr sz="1600" b="1"/>
-            </a:lvl7pPr>
-            <a:lvl8pPr marL="3200400" indent="0">
-              <a:buNone/>
-              <a:defRPr sz="1600" b="1"/>
-            </a:lvl8pPr>
-            <a:lvl9pPr marL="3657600" indent="0">
-              <a:buNone/>
-              <a:defRPr sz="1600" b="1"/>
-            </a:lvl9pPr>
-          </a:lstStyle>
-          <a:p>
-            <a:pPr lvl="0"/>
-            <a:r>
-              <a:rPr lang="en-US"/>
-              <a:t>Click to edit Master text styles</a:t>
-            </a:r>
-          </a:p>
-        </p:txBody>
-      </p:sp>
-      <p:sp>
-        <p:nvSpPr>
-          <p:cNvPr id="31" name="Picture Placeholder 2"/>
-          <p:cNvSpPr>
-            <a:spLocks noGrp="1" noChangeAspect="1"/>
-          </p:cNvSpPr>
-          <p:nvPr>
-            <p:ph type="pic" idx="22"/>
-          </p:nvPr>
-        </p:nvSpPr>
-        <p:spPr>
-          <a:xfrm>
-            <a:off x="7124699" y="2209800"/>
-            <a:ext cx="2932113" cy="1524000"/>
-          </a:xfrm>
-          <a:prstGeom prst="roundRect">
-            <a:avLst>
-              <a:gd name="adj" fmla="val 1858"/>
-            </a:avLst>
-          </a:prstGeom>
-          <a:effectLst>
-            <a:outerShdw blurRad="50800" dist="50800" dir="5400000" algn="tl" rotWithShape="0">
-              <a:srgbClr val="000000">
-                <a:alpha val="43000"/>
-              </a:srgbClr>
-            </a:outerShdw>
-          </a:effectLst>
-        </p:spPr>
-        <p:txBody>
-          <a:bodyPr anchor="t">
-            <a:normAutofit/>
-          </a:bodyPr>
-          <a:lstStyle>
-            <a:lvl1pPr marL="0" indent="0" algn="ctr">
-              <a:buNone/>
-              <a:defRPr sz="1600"/>
-            </a:lvl1pPr>
-            <a:lvl2pPr marL="457200" indent="0">
-              <a:buNone/>
-              <a:defRPr sz="1600"/>
-            </a:lvl2pPr>
-            <a:lvl3pPr marL="914400" indent="0">
-              <a:buNone/>
-              <a:defRPr sz="1600"/>
-            </a:lvl3pPr>
-            <a:lvl4pPr marL="1371600" indent="0">
-              <a:buNone/>
-              <a:defRPr sz="1600"/>
-            </a:lvl4pPr>
-            <a:lvl5pPr marL="1828800" indent="0">
-              <a:buNone/>
-              <a:defRPr sz="1600"/>
-            </a:lvl5pPr>
-            <a:lvl6pPr marL="2286000" indent="0">
-              <a:buNone/>
-              <a:defRPr sz="1600"/>
-            </a:lvl6pPr>
-            <a:lvl7pPr marL="2743200" indent="0">
-              <a:buNone/>
-              <a:defRPr sz="1600"/>
-            </a:lvl7pPr>
-            <a:lvl8pPr marL="3200400" indent="0">
-              <a:buNone/>
-              <a:defRPr sz="1600"/>
-            </a:lvl8pPr>
-            <a:lvl9pPr marL="3657600" indent="0">
-              <a:buNone/>
-              <a:defRPr sz="1600"/>
-            </a:lvl9pPr>
-          </a:lstStyle>
-          <a:p>
-            <a:r>
-              <a:rPr lang="en-US"/>
-              <a:t>Click icon to add picture</a:t>
-            </a:r>
-            <a:endParaRPr lang="en-US" dirty="0"/>
-          </a:p>
-        </p:txBody>
-      </p:sp>
-      <p:sp>
-        <p:nvSpPr>
-          <p:cNvPr id="24" name="Text Placeholder 3"/>
-          <p:cNvSpPr>
-            <a:spLocks noGrp="1"/>
-          </p:cNvSpPr>
-          <p:nvPr>
-            <p:ph type="body" sz="half" idx="20"/>
-          </p:nvPr>
-        </p:nvSpPr>
-        <p:spPr>
-          <a:xfrm>
-            <a:off x="7124575" y="4827208"/>
-            <a:ext cx="2935997" cy="659189"/>
-          </a:xfrm>
-        </p:spPr>
-        <p:txBody>
-          <a:bodyPr anchor="t">
-            <a:normAutofit/>
-          </a:bodyPr>
-          <a:lstStyle>
-            <a:lvl1pPr marL="0" indent="0">
-              <a:buNone/>
-              <a:defRPr sz="1400"/>
-            </a:lvl1pPr>
-            <a:lvl2pPr marL="457200" indent="0">
-              <a:buNone/>
-              <a:defRPr sz="1200"/>
-            </a:lvl2pPr>
-            <a:lvl3pPr marL="914400" indent="0">
-              <a:buNone/>
-              <a:defRPr sz="1000"/>
-            </a:lvl3pPr>
-            <a:lvl4pPr marL="1371600" indent="0">
-              <a:buNone/>
-              <a:defRPr sz="900"/>
-            </a:lvl4pPr>
-            <a:lvl5pPr marL="1828800" indent="0">
-              <a:buNone/>
-              <a:defRPr sz="900"/>
-            </a:lvl5pPr>
-            <a:lvl6pPr marL="2286000" indent="0">
-              <a:buNone/>
-              <a:defRPr sz="900"/>
-            </a:lvl6pPr>
-            <a:lvl7pPr marL="2743200" indent="0">
-              <a:buNone/>
-              <a:defRPr sz="900"/>
-            </a:lvl7pPr>
-            <a:lvl8pPr marL="3200400" indent="0">
-              <a:buNone/>
-              <a:defRPr sz="900"/>
-            </a:lvl8pPr>
-            <a:lvl9pPr marL="3657600" indent="0">
-              <a:buNone/>
-              <a:defRPr sz="900"/>
-            </a:lvl9pPr>
-          </a:lstStyle>
-          <a:p>
-            <a:pPr lvl="0"/>
-            <a:r>
-              <a:rPr lang="en-US"/>
-              <a:t>Click to edit Master text styles</a:t>
-            </a:r>
-          </a:p>
-        </p:txBody>
-      </p:sp>
-      <p:cxnSp>
-        <p:nvCxnSpPr>
-          <p:cNvPr id="19" name="Straight Connector 18"/>
-          <p:cNvCxnSpPr/>
-          <p:nvPr/>
-        </p:nvCxnSpPr>
-        <p:spPr>
-          <a:xfrm>
-            <a:off x="3726142" y="2133600"/>
-            <a:ext cx="0" cy="3962400"/>
-          </a:xfrm>
-          <a:prstGeom prst="line">
-            <a:avLst/>
-          </a:prstGeom>
-          <a:ln w="12700" cmpd="sng">
-            <a:solidFill>
-              <a:schemeClr val="bg2">
-                <a:lumMod val="40000"/>
-                <a:lumOff val="60000"/>
-                <a:alpha val="40000"/>
-              </a:schemeClr>
-            </a:solidFill>
-          </a:ln>
-        </p:spPr>
-        <p:style>
-          <a:lnRef idx="2">
-            <a:schemeClr val="accent1"/>
-          </a:lnRef>
-          <a:fillRef idx="0">
-            <a:schemeClr val="accent1"/>
-          </a:fillRef>
-          <a:effectRef idx="1">
-            <a:schemeClr val="accent1"/>
-          </a:effectRef>
-          <a:fontRef idx="minor">
-            <a:schemeClr val="tx1"/>
-          </a:fontRef>
-        </p:style>
-      </p:cxnSp>
-      <p:cxnSp>
-        <p:nvCxnSpPr>
-          <p:cNvPr id="20" name="Straight Connector 19"/>
-          <p:cNvCxnSpPr/>
-          <p:nvPr/>
-        </p:nvCxnSpPr>
-        <p:spPr>
-          <a:xfrm>
-            <a:off x="6962227" y="2133600"/>
-            <a:ext cx="0" cy="3966882"/>
-          </a:xfrm>
-          <a:prstGeom prst="line">
-            <a:avLst/>
-          </a:prstGeom>
-          <a:ln w="12700" cmpd="sng">
-            <a:solidFill>
-              <a:schemeClr val="bg2">
-                <a:lumMod val="40000"/>
-                <a:lumOff val="60000"/>
-                <a:alpha val="40000"/>
-              </a:schemeClr>
-            </a:solidFill>
-          </a:ln>
-        </p:spPr>
-        <p:style>
-          <a:lnRef idx="2">
-            <a:schemeClr val="accent1"/>
-          </a:lnRef>
-          <a:fillRef idx="0">
-            <a:schemeClr val="accent1"/>
-          </a:fillRef>
-          <a:effectRef idx="1">
-            <a:schemeClr val="accent1"/>
-          </a:effectRef>
-          <a:fontRef idx="minor">
-            <a:schemeClr val="tx1"/>
-          </a:fontRef>
-        </p:style>
-      </p:cxnSp>
-      <p:sp>
-        <p:nvSpPr>
-          <p:cNvPr id="7" name="Date Placeholder 3"/>
+          <p:cNvPr id="4" name="Date Placeholder 3"/>
           <p:cNvSpPr>
             <a:spLocks noGrp="1"/>
           </p:cNvSpPr>
@@ -2877,7 +2461,7 @@
       </p:sp>
       <p:sp>
         <p:nvSpPr>
-          <p:cNvPr id="4" name="Footer Placeholder 4"/>
+          <p:cNvPr id="5" name="Footer Placeholder 4"/>
           <p:cNvSpPr>
             <a:spLocks noGrp="1"/>
           </p:cNvSpPr>
@@ -2920,7 +2504,7 @@
     </p:spTree>
     <p:extLst>
       <p:ext uri="{BB962C8B-B14F-4D97-AF65-F5344CB8AC3E}">
-        <p14:creationId xmlns:p14="http://schemas.microsoft.com/office/powerpoint/2010/main" val="979528391"/>
+        <p14:creationId xmlns:p14="http://schemas.microsoft.com/office/powerpoint/2010/main" val="3107930089"/>
       </p:ext>
     </p:extLst>
   </p:cSld>
@@ -2930,7 +2514,7 @@
 </p:sldLayout>
 </file>
 
-<file path=ppt/slideLayouts/slideLayout16.xml><?xml version="1.0" encoding="utf-8"?>
+<file path=ppt/slideLayouts/slideLayout15.xml><?xml version="1.0" encoding="utf-8"?>
 <p:sldLayout xmlns:a="http://schemas.openxmlformats.org/drawingml/2006/main" xmlns:r="http://schemas.openxmlformats.org/officeDocument/2006/relationships" xmlns:p="http://schemas.openxmlformats.org/presentationml/2006/main" type="vertTx" preserve="1">
   <p:cSld name="Title and Vertical Text">
     <p:spTree>
@@ -2982,7 +2566,7 @@
         </p:nvSpPr>
         <p:spPr/>
         <p:txBody>
-          <a:bodyPr vert="eaVert" anchor="t" anchorCtr="0"/>
+          <a:bodyPr vert="eaVert"/>
           <a:lstStyle/>
           <a:p>
             <a:pPr lvl="0"/>
@@ -3090,7 +2674,7 @@
     </p:spTree>
     <p:extLst>
       <p:ext uri="{BB962C8B-B14F-4D97-AF65-F5344CB8AC3E}">
-        <p14:creationId xmlns:p14="http://schemas.microsoft.com/office/powerpoint/2010/main" val="3006459990"/>
+        <p14:creationId xmlns:p14="http://schemas.microsoft.com/office/powerpoint/2010/main" val="1608372834"/>
       </p:ext>
     </p:extLst>
   </p:cSld>
@@ -3100,7 +2684,7 @@
 </p:sldLayout>
 </file>
 
-<file path=ppt/slideLayouts/slideLayout17.xml><?xml version="1.0" encoding="utf-8"?>
+<file path=ppt/slideLayouts/slideLayout16.xml><?xml version="1.0" encoding="utf-8"?>
 <p:sldLayout xmlns:a="http://schemas.openxmlformats.org/drawingml/2006/main" xmlns:r="http://schemas.openxmlformats.org/officeDocument/2006/relationships" xmlns:p="http://schemas.openxmlformats.org/presentationml/2006/main" type="vertTitleAndTx" preserve="1">
   <p:cSld name="Vertical Title and Text">
     <p:spTree>
@@ -3129,12 +2713,12 @@
         </p:nvSpPr>
         <p:spPr>
           <a:xfrm>
-            <a:off x="8304212" y="430213"/>
-            <a:ext cx="1752601" cy="5826125"/>
+            <a:off x="7967673" y="609599"/>
+            <a:ext cx="1304743" cy="5251451"/>
           </a:xfrm>
         </p:spPr>
         <p:txBody>
-          <a:bodyPr vert="eaVert" anchor="b" anchorCtr="0"/>
+          <a:bodyPr vert="eaVert" anchor="ctr"/>
           <a:lstStyle/>
           <a:p>
             <a:r>
@@ -3157,8 +2741,8 @@
         </p:nvSpPr>
         <p:spPr>
           <a:xfrm>
-            <a:off x="652463" y="887414"/>
-            <a:ext cx="7423149" cy="5368924"/>
+            <a:off x="677335" y="609600"/>
+            <a:ext cx="7060150" cy="5251450"/>
           </a:xfrm>
         </p:spPr>
         <p:txBody>
@@ -3270,7 +2854,7 @@
     </p:spTree>
     <p:extLst>
       <p:ext uri="{BB962C8B-B14F-4D97-AF65-F5344CB8AC3E}">
-        <p14:creationId xmlns:p14="http://schemas.microsoft.com/office/powerpoint/2010/main" val="1132512075"/>
+        <p14:creationId xmlns:p14="http://schemas.microsoft.com/office/powerpoint/2010/main" val="876585597"/>
       </p:ext>
     </p:extLst>
   </p:cSld>
@@ -3309,12 +2893,70 @@
         </p:nvSpPr>
         <p:spPr/>
         <p:txBody>
+          <a:bodyPr>
+            <a:normAutofit/>
+          </a:bodyPr>
+          <a:lstStyle>
+            <a:lvl1pPr>
+              <a:defRPr sz="3600"/>
+            </a:lvl1pPr>
+          </a:lstStyle>
+          <a:p>
+            <a:r>
+              <a:rPr lang="en-US"/>
+              <a:t>Click to edit Master title style</a:t>
+            </a:r>
+            <a:endParaRPr lang="en-US" dirty="0"/>
+          </a:p>
+        </p:txBody>
+      </p:sp>
+      <p:sp>
+        <p:nvSpPr>
+          <p:cNvPr id="3" name="Content Placeholder 2"/>
+          <p:cNvSpPr>
+            <a:spLocks noGrp="1"/>
+          </p:cNvSpPr>
+          <p:nvPr>
+            <p:ph idx="1"/>
+          </p:nvPr>
+        </p:nvSpPr>
+        <p:spPr/>
+        <p:txBody>
           <a:bodyPr/>
           <a:lstStyle/>
           <a:p>
-            <a:r>
-              <a:rPr lang="en-US"/>
-              <a:t>Click to edit Master title style</a:t>
+            <a:pPr lvl="0"/>
+            <a:r>
+              <a:rPr lang="en-US"/>
+              <a:t>Click to edit Master text styles</a:t>
+            </a:r>
+          </a:p>
+          <a:p>
+            <a:pPr lvl="1"/>
+            <a:r>
+              <a:rPr lang="en-US"/>
+              <a:t>Second level</a:t>
+            </a:r>
+          </a:p>
+          <a:p>
+            <a:pPr lvl="2"/>
+            <a:r>
+              <a:rPr lang="en-US"/>
+              <a:t>Third level</a:t>
+            </a:r>
+          </a:p>
+          <a:p>
+            <a:pPr lvl="3"/>
+            <a:r>
+              <a:rPr lang="en-US"/>
+              <a:t>Fourth level</a:t>
+            </a:r>
+          </a:p>
+          <a:p>
+            <a:pPr lvl="4"/>
+            <a:r>
+              <a:rPr lang="en-US"/>
+              <a:t>Fifth level</a:t>
             </a:r>
             <a:endParaRPr lang="en-US" dirty="0"/>
           </a:p>
@@ -3322,59 +2964,7 @@
       </p:sp>
       <p:sp>
         <p:nvSpPr>
-          <p:cNvPr id="3" name="Content Placeholder 2"/>
-          <p:cNvSpPr>
-            <a:spLocks noGrp="1"/>
-          </p:cNvSpPr>
-          <p:nvPr>
-            <p:ph idx="1"/>
-          </p:nvPr>
-        </p:nvSpPr>
-        <p:spPr/>
-        <p:txBody>
-          <a:bodyPr/>
-          <a:lstStyle/>
-          <a:p>
-            <a:pPr lvl="0"/>
-            <a:r>
-              <a:rPr lang="en-US"/>
-              <a:t>Click to edit Master text styles</a:t>
-            </a:r>
-          </a:p>
-          <a:p>
-            <a:pPr lvl="1"/>
-            <a:r>
-              <a:rPr lang="en-US"/>
-              <a:t>Second level</a:t>
-            </a:r>
-          </a:p>
-          <a:p>
-            <a:pPr lvl="2"/>
-            <a:r>
-              <a:rPr lang="en-US"/>
-              <a:t>Third level</a:t>
-            </a:r>
-          </a:p>
-          <a:p>
-            <a:pPr lvl="3"/>
-            <a:r>
-              <a:rPr lang="en-US"/>
-              <a:t>Fourth level</a:t>
-            </a:r>
-          </a:p>
-          <a:p>
-            <a:pPr lvl="4"/>
-            <a:r>
-              <a:rPr lang="en-US"/>
-              <a:t>Fifth level</a:t>
-            </a:r>
-            <a:endParaRPr lang="en-US" dirty="0"/>
-          </a:p>
-        </p:txBody>
-      </p:sp>
-      <p:sp>
-        <p:nvSpPr>
-          <p:cNvPr id="7" name="Date Placeholder 3"/>
+          <p:cNvPr id="4" name="Date Placeholder 3"/>
           <p:cNvSpPr>
             <a:spLocks noGrp="1"/>
           </p:cNvSpPr>
@@ -3440,7 +3030,7 @@
     </p:spTree>
     <p:extLst>
       <p:ext uri="{BB962C8B-B14F-4D97-AF65-F5344CB8AC3E}">
-        <p14:creationId xmlns:p14="http://schemas.microsoft.com/office/powerpoint/2010/main" val="1594499951"/>
+        <p14:creationId xmlns:p14="http://schemas.microsoft.com/office/powerpoint/2010/main" val="3224226199"/>
       </p:ext>
     </p:extLst>
   </p:cSld>
@@ -3479,8 +3069,8 @@
         </p:nvSpPr>
         <p:spPr>
           <a:xfrm>
-            <a:off x="1154956" y="2861733"/>
-            <a:ext cx="8825657" cy="1915647"/>
+            <a:off x="677335" y="2700867"/>
+            <a:ext cx="8596668" cy="1826581"/>
           </a:xfrm>
         </p:spPr>
         <p:txBody>
@@ -3511,8 +3101,8 @@
         </p:nvSpPr>
         <p:spPr>
           <a:xfrm>
-            <a:off x="1154955" y="4777381"/>
-            <a:ext cx="8825658" cy="860400"/>
+            <a:off x="677335" y="4527448"/>
+            <a:ext cx="8596668" cy="860400"/>
           </a:xfrm>
         </p:spPr>
         <p:txBody>
@@ -3520,11 +3110,11 @@
           <a:lstStyle>
             <a:lvl1pPr marL="0" indent="0" algn="l">
               <a:buNone/>
-              <a:defRPr sz="2000" cap="all">
-                <a:solidFill>
-                  <a:schemeClr val="bg2">
-                    <a:lumMod val="40000"/>
-                    <a:lumOff val="60000"/>
+              <a:defRPr sz="2000">
+                <a:solidFill>
+                  <a:schemeClr val="tx1">
+                    <a:lumMod val="50000"/>
+                    <a:lumOff val="50000"/>
                   </a:schemeClr>
                 </a:solidFill>
               </a:defRPr>
@@ -3687,7 +3277,7 @@
     </p:spTree>
     <p:extLst>
       <p:ext uri="{BB962C8B-B14F-4D97-AF65-F5344CB8AC3E}">
-        <p14:creationId xmlns:p14="http://schemas.microsoft.com/office/powerpoint/2010/main" val="7640274"/>
+        <p14:creationId xmlns:p14="http://schemas.microsoft.com/office/powerpoint/2010/main" val="1941006071"/>
       </p:ext>
     </p:extLst>
   </p:cSld>
@@ -3749,43 +3339,13 @@
         </p:nvSpPr>
         <p:spPr>
           <a:xfrm>
-            <a:off x="1103312" y="2060575"/>
-            <a:ext cx="4396339" cy="4195763"/>
+            <a:off x="677334" y="2160589"/>
+            <a:ext cx="4184035" cy="3880772"/>
           </a:xfrm>
         </p:spPr>
         <p:txBody>
-          <a:bodyPr>
-            <a:normAutofit/>
-          </a:bodyPr>
-          <a:lstStyle>
-            <a:lvl1pPr>
-              <a:defRPr sz="1800"/>
-            </a:lvl1pPr>
-            <a:lvl2pPr>
-              <a:defRPr sz="1600"/>
-            </a:lvl2pPr>
-            <a:lvl3pPr>
-              <a:defRPr sz="1400"/>
-            </a:lvl3pPr>
-            <a:lvl4pPr>
-              <a:defRPr sz="1200"/>
-            </a:lvl4pPr>
-            <a:lvl5pPr>
-              <a:defRPr sz="1200"/>
-            </a:lvl5pPr>
-            <a:lvl6pPr>
-              <a:defRPr sz="1200"/>
-            </a:lvl6pPr>
-            <a:lvl7pPr>
-              <a:defRPr sz="1200"/>
-            </a:lvl7pPr>
-            <a:lvl8pPr>
-              <a:defRPr sz="1200"/>
-            </a:lvl8pPr>
-            <a:lvl9pPr>
-              <a:defRPr sz="1200"/>
-            </a:lvl9pPr>
-          </a:lstStyle>
+          <a:bodyPr/>
+          <a:lstStyle/>
           <a:p>
             <a:pPr lvl="0"/>
             <a:r>
@@ -3836,43 +3396,13 @@
         </p:nvSpPr>
         <p:spPr>
           <a:xfrm>
-            <a:off x="5654493" y="2056092"/>
-            <a:ext cx="4396341" cy="4200245"/>
+            <a:off x="5089970" y="2160589"/>
+            <a:ext cx="4184034" cy="3880773"/>
           </a:xfrm>
         </p:spPr>
         <p:txBody>
-          <a:bodyPr>
-            <a:normAutofit/>
-          </a:bodyPr>
-          <a:lstStyle>
-            <a:lvl1pPr>
-              <a:defRPr sz="1800"/>
-            </a:lvl1pPr>
-            <a:lvl2pPr>
-              <a:defRPr sz="1600"/>
-            </a:lvl2pPr>
-            <a:lvl3pPr>
-              <a:defRPr sz="1400"/>
-            </a:lvl3pPr>
-            <a:lvl4pPr>
-              <a:defRPr sz="1200"/>
-            </a:lvl4pPr>
-            <a:lvl5pPr>
-              <a:defRPr sz="1200"/>
-            </a:lvl5pPr>
-            <a:lvl6pPr>
-              <a:defRPr sz="1200"/>
-            </a:lvl6pPr>
-            <a:lvl7pPr>
-              <a:defRPr sz="1200"/>
-            </a:lvl7pPr>
-            <a:lvl8pPr>
-              <a:defRPr sz="1200"/>
-            </a:lvl8pPr>
-            <a:lvl9pPr>
-              <a:defRPr sz="1200"/>
-            </a:lvl9pPr>
-          </a:lstStyle>
+          <a:bodyPr/>
+          <a:lstStyle/>
           <a:p>
             <a:pPr lvl="0"/>
             <a:r>
@@ -3979,7 +3509,7 @@
     </p:spTree>
     <p:extLst>
       <p:ext uri="{BB962C8B-B14F-4D97-AF65-F5344CB8AC3E}">
-        <p14:creationId xmlns:p14="http://schemas.microsoft.com/office/powerpoint/2010/main" val="1269552934"/>
+        <p14:creationId xmlns:p14="http://schemas.microsoft.com/office/powerpoint/2010/main" val="1454637341"/>
       </p:ext>
     </p:extLst>
   </p:cSld>
@@ -4045,8 +3575,8 @@
         </p:nvSpPr>
         <p:spPr>
           <a:xfrm>
-            <a:off x="1103313" y="1905000"/>
-            <a:ext cx="4396338" cy="576262"/>
+            <a:off x="675745" y="2160983"/>
+            <a:ext cx="4185623" cy="576262"/>
           </a:xfrm>
         </p:spPr>
         <p:txBody>
@@ -4056,14 +3586,7 @@
           <a:lstStyle>
             <a:lvl1pPr marL="0" indent="0">
               <a:buNone/>
-              <a:defRPr sz="2400" b="0">
-                <a:solidFill>
-                  <a:schemeClr val="bg2">
-                    <a:lumMod val="40000"/>
-                    <a:lumOff val="60000"/>
-                  </a:schemeClr>
-                </a:solidFill>
-              </a:defRPr>
+              <a:defRPr sz="2400" b="0"/>
             </a:lvl1pPr>
             <a:lvl2pPr marL="457200" indent="0">
               <a:buNone/>
@@ -4119,43 +3642,15 @@
         </p:nvSpPr>
         <p:spPr>
           <a:xfrm>
-            <a:off x="1103312" y="2514600"/>
-            <a:ext cx="4396339" cy="3741738"/>
+            <a:off x="675745" y="2737245"/>
+            <a:ext cx="4185623" cy="3304117"/>
           </a:xfrm>
         </p:spPr>
         <p:txBody>
           <a:bodyPr>
             <a:normAutofit/>
           </a:bodyPr>
-          <a:lstStyle>
-            <a:lvl1pPr>
-              <a:defRPr sz="1800"/>
-            </a:lvl1pPr>
-            <a:lvl2pPr>
-              <a:defRPr sz="1600"/>
-            </a:lvl2pPr>
-            <a:lvl3pPr>
-              <a:defRPr sz="1400"/>
-            </a:lvl3pPr>
-            <a:lvl4pPr>
-              <a:defRPr sz="1200"/>
-            </a:lvl4pPr>
-            <a:lvl5pPr>
-              <a:defRPr sz="1200"/>
-            </a:lvl5pPr>
-            <a:lvl6pPr>
-              <a:defRPr sz="1200"/>
-            </a:lvl6pPr>
-            <a:lvl7pPr>
-              <a:defRPr sz="1200"/>
-            </a:lvl7pPr>
-            <a:lvl8pPr>
-              <a:defRPr sz="1200"/>
-            </a:lvl8pPr>
-            <a:lvl9pPr>
-              <a:defRPr sz="1200"/>
-            </a:lvl9pPr>
-          </a:lstStyle>
+          <a:lstStyle/>
           <a:p>
             <a:pPr lvl="0"/>
             <a:r>
@@ -4206,8 +3701,8 @@
         </p:nvSpPr>
         <p:spPr>
           <a:xfrm>
-            <a:off x="5654495" y="1905000"/>
-            <a:ext cx="4396339" cy="576262"/>
+            <a:off x="5088383" y="2160983"/>
+            <a:ext cx="4185618" cy="576262"/>
           </a:xfrm>
         </p:spPr>
         <p:txBody>
@@ -4217,14 +3712,7 @@
           <a:lstStyle>
             <a:lvl1pPr marL="0" indent="0">
               <a:buNone/>
-              <a:defRPr sz="2400" b="0">
-                <a:solidFill>
-                  <a:schemeClr val="bg2">
-                    <a:lumMod val="40000"/>
-                    <a:lumOff val="60000"/>
-                  </a:schemeClr>
-                </a:solidFill>
-              </a:defRPr>
+              <a:defRPr sz="2400" b="0"/>
             </a:lvl1pPr>
             <a:lvl2pPr marL="457200" indent="0">
               <a:buNone/>
@@ -4280,43 +3768,15 @@
         </p:nvSpPr>
         <p:spPr>
           <a:xfrm>
-            <a:off x="5654495" y="2514600"/>
-            <a:ext cx="4396339" cy="3741738"/>
+            <a:off x="5088384" y="2737245"/>
+            <a:ext cx="4185617" cy="3304117"/>
           </a:xfrm>
         </p:spPr>
         <p:txBody>
           <a:bodyPr>
             <a:normAutofit/>
           </a:bodyPr>
-          <a:lstStyle>
-            <a:lvl1pPr>
-              <a:defRPr sz="1800"/>
-            </a:lvl1pPr>
-            <a:lvl2pPr>
-              <a:defRPr sz="1600"/>
-            </a:lvl2pPr>
-            <a:lvl3pPr>
-              <a:defRPr sz="1400"/>
-            </a:lvl3pPr>
-            <a:lvl4pPr>
-              <a:defRPr sz="1200"/>
-            </a:lvl4pPr>
-            <a:lvl5pPr>
-              <a:defRPr sz="1200"/>
-            </a:lvl5pPr>
-            <a:lvl6pPr>
-              <a:defRPr sz="1200"/>
-            </a:lvl6pPr>
-            <a:lvl7pPr>
-              <a:defRPr sz="1200"/>
-            </a:lvl7pPr>
-            <a:lvl8pPr>
-              <a:defRPr sz="1200"/>
-            </a:lvl8pPr>
-            <a:lvl9pPr>
-              <a:defRPr sz="1200"/>
-            </a:lvl9pPr>
-          </a:lstStyle>
+          <a:lstStyle/>
           <a:p>
             <a:pPr lvl="0"/>
             <a:r>
@@ -4423,7 +3883,7 @@
     </p:spTree>
     <p:extLst>
       <p:ext uri="{BB962C8B-B14F-4D97-AF65-F5344CB8AC3E}">
-        <p14:creationId xmlns:p14="http://schemas.microsoft.com/office/powerpoint/2010/main" val="279979919"/>
+        <p14:creationId xmlns:p14="http://schemas.microsoft.com/office/powerpoint/2010/main" val="40292502"/>
       </p:ext>
     </p:extLst>
   </p:cSld>
@@ -4460,7 +3920,12 @@
             <p:ph type="title"/>
           </p:nvPr>
         </p:nvSpPr>
-        <p:spPr/>
+        <p:spPr>
+          <a:xfrm>
+            <a:off x="677334" y="609600"/>
+            <a:ext cx="8596668" cy="1320800"/>
+          </a:xfrm>
+        </p:spPr>
         <p:txBody>
           <a:bodyPr/>
           <a:lstStyle/>
@@ -4475,7 +3940,7 @@
       </p:sp>
       <p:sp>
         <p:nvSpPr>
-          <p:cNvPr id="7" name="Date Placeholder 2"/>
+          <p:cNvPr id="3" name="Date Placeholder 2"/>
           <p:cNvSpPr>
             <a:spLocks noGrp="1"/>
           </p:cNvSpPr>
@@ -4498,7 +3963,7 @@
       </p:sp>
       <p:sp>
         <p:nvSpPr>
-          <p:cNvPr id="5" name="Footer Placeholder 3"/>
+          <p:cNvPr id="4" name="Footer Placeholder 3"/>
           <p:cNvSpPr>
             <a:spLocks noGrp="1"/>
           </p:cNvSpPr>
@@ -4517,7 +3982,7 @@
       </p:sp>
       <p:sp>
         <p:nvSpPr>
-          <p:cNvPr id="6" name="Slide Number Placeholder 4"/>
+          <p:cNvPr id="5" name="Slide Number Placeholder 4"/>
           <p:cNvSpPr>
             <a:spLocks noGrp="1"/>
           </p:cNvSpPr>
@@ -4541,7 +4006,7 @@
     </p:spTree>
     <p:extLst>
       <p:ext uri="{BB962C8B-B14F-4D97-AF65-F5344CB8AC3E}">
-        <p14:creationId xmlns:p14="http://schemas.microsoft.com/office/powerpoint/2010/main" val="3830913782"/>
+        <p14:creationId xmlns:p14="http://schemas.microsoft.com/office/powerpoint/2010/main" val="2179229562"/>
       </p:ext>
     </p:extLst>
   </p:cSld>
@@ -4570,7 +4035,7 @@
       </p:grpSpPr>
       <p:sp>
         <p:nvSpPr>
-          <p:cNvPr id="7" name="Date Placeholder 1"/>
+          <p:cNvPr id="2" name="Date Placeholder 1"/>
           <p:cNvSpPr>
             <a:spLocks noGrp="1"/>
           </p:cNvSpPr>
@@ -4593,7 +4058,7 @@
       </p:sp>
       <p:sp>
         <p:nvSpPr>
-          <p:cNvPr id="5" name="Footer Placeholder 2"/>
+          <p:cNvPr id="3" name="Footer Placeholder 2"/>
           <p:cNvSpPr>
             <a:spLocks noGrp="1"/>
           </p:cNvSpPr>
@@ -4612,7 +4077,7 @@
       </p:sp>
       <p:sp>
         <p:nvSpPr>
-          <p:cNvPr id="6" name="Slide Number Placeholder 3"/>
+          <p:cNvPr id="4" name="Slide Number Placeholder 3"/>
           <p:cNvSpPr>
             <a:spLocks noGrp="1"/>
           </p:cNvSpPr>
@@ -4636,7 +4101,7 @@
     </p:spTree>
     <p:extLst>
       <p:ext uri="{BB962C8B-B14F-4D97-AF65-F5344CB8AC3E}">
-        <p14:creationId xmlns:p14="http://schemas.microsoft.com/office/powerpoint/2010/main" val="2056917817"/>
+        <p14:creationId xmlns:p14="http://schemas.microsoft.com/office/powerpoint/2010/main" val="2515288576"/>
       </p:ext>
     </p:extLst>
   </p:cSld>
@@ -4675,73 +4140,143 @@
         </p:nvSpPr>
         <p:spPr>
           <a:xfrm>
-            <a:off x="1154953" y="1447800"/>
-            <a:ext cx="3401064" cy="1447800"/>
+            <a:off x="677334" y="1498604"/>
+            <a:ext cx="3854528" cy="1278466"/>
           </a:xfrm>
         </p:spPr>
         <p:txBody>
-          <a:bodyPr anchor="b"/>
-          <a:lstStyle>
-            <a:lvl1pPr algn="l">
-              <a:defRPr sz="2400" b="0"/>
-            </a:lvl1pPr>
-          </a:lstStyle>
-          <a:p>
-            <a:r>
-              <a:rPr lang="en-US"/>
-              <a:t>Click to edit Master title style</a:t>
-            </a:r>
-            <a:endParaRPr lang="en-US" dirty="0"/>
-          </a:p>
-        </p:txBody>
-      </p:sp>
-      <p:sp>
-        <p:nvSpPr>
-          <p:cNvPr id="3" name="Content Placeholder 2"/>
-          <p:cNvSpPr>
-            <a:spLocks noGrp="1"/>
-          </p:cNvSpPr>
-          <p:nvPr>
-            <p:ph idx="1"/>
-          </p:nvPr>
-        </p:nvSpPr>
-        <p:spPr>
-          <a:xfrm>
-            <a:off x="4784616" y="1447800"/>
-            <a:ext cx="5195997" cy="4572000"/>
-          </a:xfrm>
-        </p:spPr>
-        <p:txBody>
-          <a:bodyPr anchor="ctr">
+          <a:bodyPr anchor="b">
             <a:normAutofit/>
           </a:bodyPr>
           <a:lstStyle>
             <a:lvl1pPr>
               <a:defRPr sz="2000"/>
             </a:lvl1pPr>
-            <a:lvl2pPr>
-              <a:defRPr sz="1800"/>
+          </a:lstStyle>
+          <a:p>
+            <a:r>
+              <a:rPr lang="en-US"/>
+              <a:t>Click to edit Master title style</a:t>
+            </a:r>
+            <a:endParaRPr lang="en-US" dirty="0"/>
+          </a:p>
+        </p:txBody>
+      </p:sp>
+      <p:sp>
+        <p:nvSpPr>
+          <p:cNvPr id="3" name="Content Placeholder 2"/>
+          <p:cNvSpPr>
+            <a:spLocks noGrp="1"/>
+          </p:cNvSpPr>
+          <p:nvPr>
+            <p:ph idx="1"/>
+          </p:nvPr>
+        </p:nvSpPr>
+        <p:spPr>
+          <a:xfrm>
+            <a:off x="4760461" y="514924"/>
+            <a:ext cx="4513541" cy="5526437"/>
+          </a:xfrm>
+        </p:spPr>
+        <p:txBody>
+          <a:bodyPr>
+            <a:normAutofit/>
+          </a:bodyPr>
+          <a:lstStyle/>
+          <a:p>
+            <a:pPr lvl="0"/>
+            <a:r>
+              <a:rPr lang="en-US"/>
+              <a:t>Click to edit Master text styles</a:t>
+            </a:r>
+          </a:p>
+          <a:p>
+            <a:pPr lvl="1"/>
+            <a:r>
+              <a:rPr lang="en-US"/>
+              <a:t>Second level</a:t>
+            </a:r>
+          </a:p>
+          <a:p>
+            <a:pPr lvl="2"/>
+            <a:r>
+              <a:rPr lang="en-US"/>
+              <a:t>Third level</a:t>
+            </a:r>
+          </a:p>
+          <a:p>
+            <a:pPr lvl="3"/>
+            <a:r>
+              <a:rPr lang="en-US"/>
+              <a:t>Fourth level</a:t>
+            </a:r>
+          </a:p>
+          <a:p>
+            <a:pPr lvl="4"/>
+            <a:r>
+              <a:rPr lang="en-US"/>
+              <a:t>Fifth level</a:t>
+            </a:r>
+            <a:endParaRPr lang="en-US" dirty="0"/>
+          </a:p>
+        </p:txBody>
+      </p:sp>
+      <p:sp>
+        <p:nvSpPr>
+          <p:cNvPr id="4" name="Text Placeholder 3"/>
+          <p:cNvSpPr>
+            <a:spLocks noGrp="1"/>
+          </p:cNvSpPr>
+          <p:nvPr>
+            <p:ph type="body" sz="half" idx="2"/>
+          </p:nvPr>
+        </p:nvSpPr>
+        <p:spPr>
+          <a:xfrm>
+            <a:off x="677334" y="2777069"/>
+            <a:ext cx="3854528" cy="2584449"/>
+          </a:xfrm>
+        </p:spPr>
+        <p:txBody>
+          <a:bodyPr>
+            <a:normAutofit/>
+          </a:bodyPr>
+          <a:lstStyle>
+            <a:lvl1pPr marL="0" indent="0">
+              <a:buNone/>
+              <a:defRPr sz="1400"/>
+            </a:lvl1pPr>
+            <a:lvl2pPr marL="457063" indent="0">
+              <a:buNone/>
+              <a:defRPr sz="1400"/>
             </a:lvl2pPr>
-            <a:lvl3pPr>
-              <a:defRPr sz="1600"/>
+            <a:lvl3pPr marL="914126" indent="0">
+              <a:buNone/>
+              <a:defRPr sz="1200"/>
             </a:lvl3pPr>
-            <a:lvl4pPr>
-              <a:defRPr sz="1400"/>
+            <a:lvl4pPr marL="1371189" indent="0">
+              <a:buNone/>
+              <a:defRPr sz="1000"/>
             </a:lvl4pPr>
-            <a:lvl5pPr>
-              <a:defRPr sz="1400"/>
+            <a:lvl5pPr marL="1828251" indent="0">
+              <a:buNone/>
+              <a:defRPr sz="1000"/>
             </a:lvl5pPr>
-            <a:lvl6pPr>
-              <a:defRPr sz="1400"/>
+            <a:lvl6pPr marL="2285314" indent="0">
+              <a:buNone/>
+              <a:defRPr sz="1000"/>
             </a:lvl6pPr>
-            <a:lvl7pPr>
-              <a:defRPr sz="1400"/>
+            <a:lvl7pPr marL="2742377" indent="0">
+              <a:buNone/>
+              <a:defRPr sz="1000"/>
             </a:lvl7pPr>
-            <a:lvl8pPr>
-              <a:defRPr sz="1400"/>
+            <a:lvl8pPr marL="3199440" indent="0">
+              <a:buNone/>
+              <a:defRPr sz="1000"/>
             </a:lvl8pPr>
-            <a:lvl9pPr>
-              <a:defRPr sz="1400"/>
+            <a:lvl9pPr marL="3656503" indent="0">
+              <a:buNone/>
+              <a:defRPr sz="1000"/>
             </a:lvl9pPr>
           </a:lstStyle>
           <a:p>
@@ -4751,105 +4286,11 @@
               <a:t>Click to edit Master text styles</a:t>
             </a:r>
           </a:p>
-          <a:p>
-            <a:pPr lvl="1"/>
-            <a:r>
-              <a:rPr lang="en-US"/>
-              <a:t>Second level</a:t>
-            </a:r>
-          </a:p>
-          <a:p>
-            <a:pPr lvl="2"/>
-            <a:r>
-              <a:rPr lang="en-US"/>
-              <a:t>Third level</a:t>
-            </a:r>
-          </a:p>
-          <a:p>
-            <a:pPr lvl="3"/>
-            <a:r>
-              <a:rPr lang="en-US"/>
-              <a:t>Fourth level</a:t>
-            </a:r>
-          </a:p>
-          <a:p>
-            <a:pPr lvl="4"/>
-            <a:r>
-              <a:rPr lang="en-US"/>
-              <a:t>Fifth level</a:t>
-            </a:r>
-            <a:endParaRPr lang="en-US" dirty="0"/>
-          </a:p>
-        </p:txBody>
-      </p:sp>
-      <p:sp>
-        <p:nvSpPr>
-          <p:cNvPr id="4" name="Text Placeholder 3"/>
-          <p:cNvSpPr>
-            <a:spLocks noGrp="1"/>
-          </p:cNvSpPr>
-          <p:nvPr>
-            <p:ph type="body" sz="half" idx="2"/>
-          </p:nvPr>
-        </p:nvSpPr>
-        <p:spPr>
-          <a:xfrm>
-            <a:off x="1154953" y="3129280"/>
-            <a:ext cx="3401063" cy="2895599"/>
-          </a:xfrm>
-        </p:spPr>
-        <p:txBody>
-          <a:bodyPr/>
-          <a:lstStyle>
-            <a:lvl1pPr marL="0" indent="0">
-              <a:buNone/>
-              <a:defRPr sz="1400"/>
-            </a:lvl1pPr>
-            <a:lvl2pPr marL="457200" indent="0">
-              <a:buNone/>
-              <a:defRPr sz="1200"/>
-            </a:lvl2pPr>
-            <a:lvl3pPr marL="914400" indent="0">
-              <a:buNone/>
-              <a:defRPr sz="1000"/>
-            </a:lvl3pPr>
-            <a:lvl4pPr marL="1371600" indent="0">
-              <a:buNone/>
-              <a:defRPr sz="900"/>
-            </a:lvl4pPr>
-            <a:lvl5pPr marL="1828800" indent="0">
-              <a:buNone/>
-              <a:defRPr sz="900"/>
-            </a:lvl5pPr>
-            <a:lvl6pPr marL="2286000" indent="0">
-              <a:buNone/>
-              <a:defRPr sz="900"/>
-            </a:lvl6pPr>
-            <a:lvl7pPr marL="2743200" indent="0">
-              <a:buNone/>
-              <a:defRPr sz="900"/>
-            </a:lvl7pPr>
-            <a:lvl8pPr marL="3200400" indent="0">
-              <a:buNone/>
-              <a:defRPr sz="900"/>
-            </a:lvl8pPr>
-            <a:lvl9pPr marL="3657600" indent="0">
-              <a:buNone/>
-              <a:defRPr sz="900"/>
-            </a:lvl9pPr>
-          </a:lstStyle>
-          <a:p>
-            <a:pPr lvl="0"/>
-            <a:r>
-              <a:rPr lang="en-US"/>
-              <a:t>Click to edit Master text styles</a:t>
-            </a:r>
-          </a:p>
-        </p:txBody>
-      </p:sp>
-      <p:sp>
-        <p:nvSpPr>
-          <p:cNvPr id="7" name="Date Placeholder 4"/>
+        </p:txBody>
+      </p:sp>
+      <p:sp>
+        <p:nvSpPr>
+          <p:cNvPr id="5" name="Date Placeholder 4"/>
           <p:cNvSpPr>
             <a:spLocks noGrp="1"/>
           </p:cNvSpPr>
@@ -4872,7 +4313,7 @@
       </p:sp>
       <p:sp>
         <p:nvSpPr>
-          <p:cNvPr id="5" name="Footer Placeholder 5"/>
+          <p:cNvPr id="6" name="Footer Placeholder 5"/>
           <p:cNvSpPr>
             <a:spLocks noGrp="1"/>
           </p:cNvSpPr>
@@ -4891,7 +4332,7 @@
       </p:sp>
       <p:sp>
         <p:nvSpPr>
-          <p:cNvPr id="6" name="Slide Number Placeholder 6"/>
+          <p:cNvPr id="7" name="Slide Number Placeholder 6"/>
           <p:cNvSpPr>
             <a:spLocks noGrp="1"/>
           </p:cNvSpPr>
@@ -4915,7 +4356,7 @@
     </p:spTree>
     <p:extLst>
       <p:ext uri="{BB962C8B-B14F-4D97-AF65-F5344CB8AC3E}">
-        <p14:creationId xmlns:p14="http://schemas.microsoft.com/office/powerpoint/2010/main" val="3399850151"/>
+        <p14:creationId xmlns:p14="http://schemas.microsoft.com/office/powerpoint/2010/main" val="800733747"/>
       </p:ext>
     </p:extLst>
   </p:cSld>
@@ -4954,8 +4395,8 @@
         </p:nvSpPr>
         <p:spPr>
           <a:xfrm>
-            <a:off x="1153907" y="1854192"/>
-            <a:ext cx="5092906" cy="1574808"/>
+            <a:off x="677334" y="4800600"/>
+            <a:ext cx="8596667" cy="566738"/>
           </a:xfrm>
         </p:spPr>
         <p:txBody>
@@ -4964,7 +4405,7 @@
           </a:bodyPr>
           <a:lstStyle>
             <a:lvl1pPr algn="l">
-              <a:defRPr sz="3600" b="0"/>
+              <a:defRPr sz="2400" b="0"/>
             </a:lvl1pPr>
           </a:lstStyle>
           <a:p>
@@ -4988,21 +4429,9 @@
         </p:nvSpPr>
         <p:spPr>
           <a:xfrm>
-            <a:off x="6949546" y="1143000"/>
-            <a:ext cx="3200400" cy="4572000"/>
+            <a:off x="677334" y="609600"/>
+            <a:ext cx="8596668" cy="3845718"/>
           </a:xfrm>
-          <a:prstGeom prst="roundRect">
-            <a:avLst>
-              <a:gd name="adj" fmla="val 1858"/>
-            </a:avLst>
-          </a:prstGeom>
-          <a:effectLst>
-            <a:outerShdw blurRad="50800" dist="50800" dir="5400000" algn="tl" rotWithShape="0">
-              <a:srgbClr val="000000">
-                <a:alpha val="43000"/>
-              </a:srgbClr>
-            </a:outerShdw>
-          </a:effectLst>
         </p:spPr>
         <p:txBody>
           <a:bodyPr anchor="t">
@@ -5067,8 +4496,8 @@
         </p:nvSpPr>
         <p:spPr>
           <a:xfrm>
-            <a:off x="1154954" y="3657600"/>
-            <a:ext cx="5084979" cy="1371600"/>
+            <a:off x="677334" y="5367338"/>
+            <a:ext cx="8596667" cy="674024"/>
           </a:xfrm>
         </p:spPr>
         <p:txBody>
@@ -5078,7 +4507,7 @@
           <a:lstStyle>
             <a:lvl1pPr marL="0" indent="0">
               <a:buNone/>
-              <a:defRPr sz="1400"/>
+              <a:defRPr sz="1200"/>
             </a:lvl1pPr>
             <a:lvl2pPr marL="457200" indent="0">
               <a:buNone/>
@@ -5190,7 +4619,7 @@
     </p:spTree>
     <p:extLst>
       <p:ext uri="{BB962C8B-B14F-4D97-AF65-F5344CB8AC3E}">
-        <p14:creationId xmlns:p14="http://schemas.microsoft.com/office/powerpoint/2010/main" val="2423709208"/>
+        <p14:creationId xmlns:p14="http://schemas.microsoft.com/office/powerpoint/2010/main" val="1793834185"/>
       </p:ext>
     </p:extLst>
   </p:cSld>
@@ -5204,8 +4633,8 @@
 <p:sldMaster xmlns:a="http://schemas.openxmlformats.org/drawingml/2006/main" xmlns:r="http://schemas.openxmlformats.org/officeDocument/2006/relationships" xmlns:p="http://schemas.openxmlformats.org/presentationml/2006/main">
   <p:cSld>
     <p:bg>
-      <p:bgRef idx="1003">
-        <a:schemeClr val="bg2"/>
+      <p:bgRef idx="1001">
+        <a:schemeClr val="bg1"/>
       </p:bgRef>
     </p:bg>
     <p:spTree>
@@ -5222,424 +4651,735 @@
           <a:chExt cx="0" cy="0"/>
         </a:xfrm>
       </p:grpSpPr>
-      <p:pic>
-        <p:nvPicPr>
-          <p:cNvPr id="8" name="Picture 7"/>
-          <p:cNvPicPr>
-            <a:picLocks noChangeAspect="1"/>
-          </p:cNvPicPr>
+      <p:grpSp>
+        <p:nvGrpSpPr>
+          <p:cNvPr id="7" name="Group 6"/>
+          <p:cNvGrpSpPr/>
           <p:nvPr/>
-        </p:nvPicPr>
-        <p:blipFill rotWithShape="1">
-          <a:blip r:embed="rId19">
-            <a:extLst>
-              <a:ext uri="{28A0092B-C50C-407E-A947-70E740481C1C}">
-                <a14:useLocalDpi xmlns:a14="http://schemas.microsoft.com/office/drawing/2010/main" val="0"/>
-              </a:ext>
-            </a:extLst>
-          </a:blip>
-          <a:srcRect l="3613"/>
-          <a:stretch/>
-        </p:blipFill>
+        </p:nvGrpSpPr>
+        <p:grpSpPr>
+          <a:xfrm>
+            <a:off x="0" y="-8467"/>
+            <a:ext cx="12192000" cy="6866467"/>
+            <a:chOff x="0" y="-8467"/>
+            <a:chExt cx="12192000" cy="6866467"/>
+          </a:xfrm>
+        </p:grpSpPr>
+        <p:cxnSp>
+          <p:nvCxnSpPr>
+            <p:cNvPr id="20" name="Straight Connector 19"/>
+            <p:cNvCxnSpPr/>
+            <p:nvPr/>
+          </p:nvCxnSpPr>
+          <p:spPr>
+            <a:xfrm>
+              <a:off x="9371012" y="0"/>
+              <a:ext cx="1219200" cy="6858000"/>
+            </a:xfrm>
+            <a:prstGeom prst="line">
+              <a:avLst/>
+            </a:prstGeom>
+            <a:ln w="9525">
+              <a:solidFill>
+                <a:schemeClr val="bg1">
+                  <a:lumMod val="75000"/>
+                </a:schemeClr>
+              </a:solidFill>
+            </a:ln>
+          </p:spPr>
+          <p:style>
+            <a:lnRef idx="2">
+              <a:schemeClr val="accent1"/>
+            </a:lnRef>
+            <a:fillRef idx="0">
+              <a:schemeClr val="accent1"/>
+            </a:fillRef>
+            <a:effectRef idx="1">
+              <a:schemeClr val="accent1"/>
+            </a:effectRef>
+            <a:fontRef idx="minor">
+              <a:schemeClr val="tx1"/>
+            </a:fontRef>
+          </p:style>
+        </p:cxnSp>
+        <p:cxnSp>
+          <p:nvCxnSpPr>
+            <p:cNvPr id="21" name="Straight Connector 20"/>
+            <p:cNvCxnSpPr/>
+            <p:nvPr/>
+          </p:nvCxnSpPr>
+          <p:spPr>
+            <a:xfrm flipH="1">
+              <a:off x="7425267" y="3681413"/>
+              <a:ext cx="4763558" cy="3176587"/>
+            </a:xfrm>
+            <a:prstGeom prst="line">
+              <a:avLst/>
+            </a:prstGeom>
+            <a:ln w="9525">
+              <a:solidFill>
+                <a:schemeClr val="bg1">
+                  <a:lumMod val="85000"/>
+                </a:schemeClr>
+              </a:solidFill>
+            </a:ln>
+          </p:spPr>
+          <p:style>
+            <a:lnRef idx="2">
+              <a:schemeClr val="accent1"/>
+            </a:lnRef>
+            <a:fillRef idx="0">
+              <a:schemeClr val="accent1"/>
+            </a:fillRef>
+            <a:effectRef idx="1">
+              <a:schemeClr val="accent1"/>
+            </a:effectRef>
+            <a:fontRef idx="minor">
+              <a:schemeClr val="tx1"/>
+            </a:fontRef>
+          </p:style>
+        </p:cxnSp>
+        <p:sp>
+          <p:nvSpPr>
+            <p:cNvPr id="22" name="Rectangle 23"/>
+            <p:cNvSpPr/>
+            <p:nvPr/>
+          </p:nvSpPr>
+          <p:spPr>
+            <a:xfrm>
+              <a:off x="9181476" y="-8467"/>
+              <a:ext cx="3007349" cy="6866467"/>
+            </a:xfrm>
+            <a:custGeom>
+              <a:avLst/>
+              <a:gdLst/>
+              <a:ahLst/>
+              <a:cxnLst/>
+              <a:rect l="l" t="t" r="r" b="b"/>
+              <a:pathLst>
+                <a:path w="3007349" h="6866467">
+                  <a:moveTo>
+                    <a:pt x="2045532" y="0"/>
+                  </a:moveTo>
+                  <a:lnTo>
+                    <a:pt x="3007349" y="0"/>
+                  </a:lnTo>
+                  <a:lnTo>
+                    <a:pt x="3007349" y="6866467"/>
+                  </a:lnTo>
+                  <a:lnTo>
+                    <a:pt x="0" y="6866467"/>
+                  </a:lnTo>
+                  <a:lnTo>
+                    <a:pt x="2045532" y="0"/>
+                  </a:lnTo>
+                  <a:close/>
+                </a:path>
+              </a:pathLst>
+            </a:custGeom>
+            <a:solidFill>
+              <a:schemeClr val="accent1">
+                <a:alpha val="30000"/>
+              </a:schemeClr>
+            </a:solidFill>
+            <a:ln>
+              <a:noFill/>
+            </a:ln>
+            <a:effectLst/>
+          </p:spPr>
+          <p:style>
+            <a:lnRef idx="1">
+              <a:schemeClr val="accent1"/>
+            </a:lnRef>
+            <a:fillRef idx="3">
+              <a:schemeClr val="accent1"/>
+            </a:fillRef>
+            <a:effectRef idx="2">
+              <a:schemeClr val="accent1"/>
+            </a:effectRef>
+            <a:fontRef idx="minor">
+              <a:schemeClr val="lt1"/>
+            </a:fontRef>
+          </p:style>
+        </p:sp>
+        <p:sp>
+          <p:nvSpPr>
+            <p:cNvPr id="23" name="Rectangle 25"/>
+            <p:cNvSpPr/>
+            <p:nvPr/>
+          </p:nvSpPr>
+          <p:spPr>
+            <a:xfrm>
+              <a:off x="9603442" y="-8467"/>
+              <a:ext cx="2588558" cy="6866467"/>
+            </a:xfrm>
+            <a:custGeom>
+              <a:avLst/>
+              <a:gdLst/>
+              <a:ahLst/>
+              <a:cxnLst/>
+              <a:rect l="l" t="t" r="r" b="b"/>
+              <a:pathLst>
+                <a:path w="2573311" h="6866467">
+                  <a:moveTo>
+                    <a:pt x="0" y="0"/>
+                  </a:moveTo>
+                  <a:lnTo>
+                    <a:pt x="2573311" y="0"/>
+                  </a:lnTo>
+                  <a:lnTo>
+                    <a:pt x="2573311" y="6866467"/>
+                  </a:lnTo>
+                  <a:lnTo>
+                    <a:pt x="1202336" y="6866467"/>
+                  </a:lnTo>
+                  <a:lnTo>
+                    <a:pt x="0" y="0"/>
+                  </a:lnTo>
+                  <a:close/>
+                </a:path>
+              </a:pathLst>
+            </a:custGeom>
+            <a:solidFill>
+              <a:schemeClr val="accent1">
+                <a:alpha val="20000"/>
+              </a:schemeClr>
+            </a:solidFill>
+            <a:ln>
+              <a:noFill/>
+            </a:ln>
+            <a:effectLst/>
+          </p:spPr>
+          <p:style>
+            <a:lnRef idx="1">
+              <a:schemeClr val="accent1"/>
+            </a:lnRef>
+            <a:fillRef idx="3">
+              <a:schemeClr val="accent1"/>
+            </a:fillRef>
+            <a:effectRef idx="2">
+              <a:schemeClr val="accent1"/>
+            </a:effectRef>
+            <a:fontRef idx="minor">
+              <a:schemeClr val="lt1"/>
+            </a:fontRef>
+          </p:style>
+        </p:sp>
+        <p:sp>
+          <p:nvSpPr>
+            <p:cNvPr id="24" name="Isosceles Triangle 23"/>
+            <p:cNvSpPr/>
+            <p:nvPr/>
+          </p:nvSpPr>
+          <p:spPr>
+            <a:xfrm>
+              <a:off x="8932333" y="3048000"/>
+              <a:ext cx="3259667" cy="3810000"/>
+            </a:xfrm>
+            <a:prstGeom prst="triangle">
+              <a:avLst>
+                <a:gd name="adj" fmla="val 100000"/>
+              </a:avLst>
+            </a:prstGeom>
+            <a:solidFill>
+              <a:schemeClr val="accent2">
+                <a:alpha val="72000"/>
+              </a:schemeClr>
+            </a:solidFill>
+            <a:ln>
+              <a:noFill/>
+            </a:ln>
+            <a:effectLst/>
+          </p:spPr>
+          <p:style>
+            <a:lnRef idx="1">
+              <a:schemeClr val="accent1"/>
+            </a:lnRef>
+            <a:fillRef idx="3">
+              <a:schemeClr val="accent1"/>
+            </a:fillRef>
+            <a:effectRef idx="2">
+              <a:schemeClr val="accent1"/>
+            </a:effectRef>
+            <a:fontRef idx="minor">
+              <a:schemeClr val="lt1"/>
+            </a:fontRef>
+          </p:style>
+        </p:sp>
+        <p:sp>
+          <p:nvSpPr>
+            <p:cNvPr id="25" name="Rectangle 27"/>
+            <p:cNvSpPr/>
+            <p:nvPr/>
+          </p:nvSpPr>
+          <p:spPr>
+            <a:xfrm>
+              <a:off x="9334500" y="-8467"/>
+              <a:ext cx="2854326" cy="6866467"/>
+            </a:xfrm>
+            <a:custGeom>
+              <a:avLst/>
+              <a:gdLst/>
+              <a:ahLst/>
+              <a:cxnLst/>
+              <a:rect l="l" t="t" r="r" b="b"/>
+              <a:pathLst>
+                <a:path w="2858013" h="6866467">
+                  <a:moveTo>
+                    <a:pt x="0" y="0"/>
+                  </a:moveTo>
+                  <a:lnTo>
+                    <a:pt x="2858013" y="0"/>
+                  </a:lnTo>
+                  <a:lnTo>
+                    <a:pt x="2858013" y="6866467"/>
+                  </a:lnTo>
+                  <a:lnTo>
+                    <a:pt x="2473942" y="6866467"/>
+                  </a:lnTo>
+                  <a:lnTo>
+                    <a:pt x="0" y="0"/>
+                  </a:lnTo>
+                  <a:close/>
+                </a:path>
+              </a:pathLst>
+            </a:custGeom>
+            <a:solidFill>
+              <a:schemeClr val="accent2">
+                <a:lumMod val="75000"/>
+                <a:alpha val="70000"/>
+              </a:schemeClr>
+            </a:solidFill>
+            <a:ln>
+              <a:noFill/>
+            </a:ln>
+            <a:effectLst/>
+          </p:spPr>
+          <p:style>
+            <a:lnRef idx="1">
+              <a:schemeClr val="accent1"/>
+            </a:lnRef>
+            <a:fillRef idx="3">
+              <a:schemeClr val="accent1"/>
+            </a:fillRef>
+            <a:effectRef idx="2">
+              <a:schemeClr val="accent1"/>
+            </a:effectRef>
+            <a:fontRef idx="minor">
+              <a:schemeClr val="lt1"/>
+            </a:fontRef>
+          </p:style>
+        </p:sp>
+        <p:sp>
+          <p:nvSpPr>
+            <p:cNvPr id="26" name="Rectangle 28"/>
+            <p:cNvSpPr/>
+            <p:nvPr/>
+          </p:nvSpPr>
+          <p:spPr>
+            <a:xfrm>
+              <a:off x="10898730" y="-8467"/>
+              <a:ext cx="1290094" cy="6866467"/>
+            </a:xfrm>
+            <a:custGeom>
+              <a:avLst/>
+              <a:gdLst/>
+              <a:ahLst/>
+              <a:cxnLst/>
+              <a:rect l="l" t="t" r="r" b="b"/>
+              <a:pathLst>
+                <a:path w="1290094" h="6858000">
+                  <a:moveTo>
+                    <a:pt x="1019735" y="0"/>
+                  </a:moveTo>
+                  <a:lnTo>
+                    <a:pt x="1290094" y="0"/>
+                  </a:lnTo>
+                  <a:lnTo>
+                    <a:pt x="1290094" y="6858000"/>
+                  </a:lnTo>
+                  <a:lnTo>
+                    <a:pt x="0" y="6858000"/>
+                  </a:lnTo>
+                  <a:lnTo>
+                    <a:pt x="1019735" y="0"/>
+                  </a:lnTo>
+                  <a:close/>
+                </a:path>
+              </a:pathLst>
+            </a:custGeom>
+            <a:solidFill>
+              <a:schemeClr val="accent1">
+                <a:lumMod val="60000"/>
+                <a:lumOff val="40000"/>
+                <a:alpha val="70000"/>
+              </a:schemeClr>
+            </a:solidFill>
+            <a:ln>
+              <a:noFill/>
+            </a:ln>
+            <a:effectLst/>
+          </p:spPr>
+          <p:style>
+            <a:lnRef idx="1">
+              <a:schemeClr val="accent1"/>
+            </a:lnRef>
+            <a:fillRef idx="3">
+              <a:schemeClr val="accent1"/>
+            </a:fillRef>
+            <a:effectRef idx="2">
+              <a:schemeClr val="accent1"/>
+            </a:effectRef>
+            <a:fontRef idx="minor">
+              <a:schemeClr val="lt1"/>
+            </a:fontRef>
+          </p:style>
+        </p:sp>
+        <p:sp>
+          <p:nvSpPr>
+            <p:cNvPr id="27" name="Rectangle 29"/>
+            <p:cNvSpPr/>
+            <p:nvPr/>
+          </p:nvSpPr>
+          <p:spPr>
+            <a:xfrm>
+              <a:off x="10938999" y="-8467"/>
+              <a:ext cx="1249825" cy="6866467"/>
+            </a:xfrm>
+            <a:custGeom>
+              <a:avLst/>
+              <a:gdLst/>
+              <a:ahLst/>
+              <a:cxnLst/>
+              <a:rect l="l" t="t" r="r" b="b"/>
+              <a:pathLst>
+                <a:path w="1249825" h="6858000">
+                  <a:moveTo>
+                    <a:pt x="0" y="0"/>
+                  </a:moveTo>
+                  <a:lnTo>
+                    <a:pt x="1249825" y="0"/>
+                  </a:lnTo>
+                  <a:lnTo>
+                    <a:pt x="1249825" y="6858000"/>
+                  </a:lnTo>
+                  <a:lnTo>
+                    <a:pt x="1109382" y="6858000"/>
+                  </a:lnTo>
+                  <a:lnTo>
+                    <a:pt x="0" y="0"/>
+                  </a:lnTo>
+                  <a:close/>
+                </a:path>
+              </a:pathLst>
+            </a:custGeom>
+            <a:solidFill>
+              <a:schemeClr val="accent1">
+                <a:alpha val="65000"/>
+              </a:schemeClr>
+            </a:solidFill>
+            <a:ln>
+              <a:noFill/>
+            </a:ln>
+            <a:effectLst/>
+          </p:spPr>
+          <p:style>
+            <a:lnRef idx="1">
+              <a:schemeClr val="accent1"/>
+            </a:lnRef>
+            <a:fillRef idx="3">
+              <a:schemeClr val="accent1"/>
+            </a:fillRef>
+            <a:effectRef idx="2">
+              <a:schemeClr val="accent1"/>
+            </a:effectRef>
+            <a:fontRef idx="minor">
+              <a:schemeClr val="lt1"/>
+            </a:fontRef>
+          </p:style>
+        </p:sp>
+        <p:sp>
+          <p:nvSpPr>
+            <p:cNvPr id="28" name="Isosceles Triangle 27"/>
+            <p:cNvSpPr/>
+            <p:nvPr/>
+          </p:nvSpPr>
+          <p:spPr>
+            <a:xfrm>
+              <a:off x="10371666" y="3589867"/>
+              <a:ext cx="1817159" cy="3268133"/>
+            </a:xfrm>
+            <a:prstGeom prst="triangle">
+              <a:avLst>
+                <a:gd name="adj" fmla="val 100000"/>
+              </a:avLst>
+            </a:prstGeom>
+            <a:solidFill>
+              <a:schemeClr val="accent1">
+                <a:alpha val="80000"/>
+              </a:schemeClr>
+            </a:solidFill>
+            <a:ln>
+              <a:noFill/>
+            </a:ln>
+            <a:effectLst/>
+          </p:spPr>
+          <p:style>
+            <a:lnRef idx="1">
+              <a:schemeClr val="accent1"/>
+            </a:lnRef>
+            <a:fillRef idx="3">
+              <a:schemeClr val="accent1"/>
+            </a:fillRef>
+            <a:effectRef idx="2">
+              <a:schemeClr val="accent1"/>
+            </a:effectRef>
+            <a:fontRef idx="minor">
+              <a:schemeClr val="lt1"/>
+            </a:fontRef>
+          </p:style>
+        </p:sp>
+        <p:sp>
+          <p:nvSpPr>
+            <p:cNvPr id="29" name="Isosceles Triangle 28"/>
+            <p:cNvSpPr/>
+            <p:nvPr/>
+          </p:nvSpPr>
+          <p:spPr>
+            <a:xfrm>
+              <a:off x="0" y="4013200"/>
+              <a:ext cx="448733" cy="2844800"/>
+            </a:xfrm>
+            <a:prstGeom prst="triangle">
+              <a:avLst>
+                <a:gd name="adj" fmla="val 0"/>
+              </a:avLst>
+            </a:prstGeom>
+            <a:solidFill>
+              <a:schemeClr val="accent1">
+                <a:alpha val="85000"/>
+              </a:schemeClr>
+            </a:solidFill>
+            <a:ln>
+              <a:noFill/>
+            </a:ln>
+            <a:effectLst/>
+          </p:spPr>
+          <p:style>
+            <a:lnRef idx="1">
+              <a:schemeClr val="accent1"/>
+            </a:lnRef>
+            <a:fillRef idx="3">
+              <a:schemeClr val="accent1"/>
+            </a:fillRef>
+            <a:effectRef idx="2">
+              <a:schemeClr val="accent1"/>
+            </a:effectRef>
+            <a:fontRef idx="minor">
+              <a:schemeClr val="lt1"/>
+            </a:fontRef>
+          </p:style>
+        </p:sp>
+      </p:grpSp>
+      <p:sp>
+        <p:nvSpPr>
+          <p:cNvPr id="2" name="Title Placeholder 1"/>
+          <p:cNvSpPr>
+            <a:spLocks noGrp="1"/>
+          </p:cNvSpPr>
+          <p:nvPr>
+            <p:ph type="title"/>
+          </p:nvPr>
+        </p:nvSpPr>
         <p:spPr>
           <a:xfrm>
-            <a:off x="0" y="2669685"/>
-            <a:ext cx="4037012" cy="4188315"/>
+            <a:off x="677334" y="609600"/>
+            <a:ext cx="8596668" cy="1320800"/>
           </a:xfrm>
           <a:prstGeom prst="rect">
             <a:avLst/>
           </a:prstGeom>
         </p:spPr>
-      </p:pic>
-      <p:pic>
-        <p:nvPicPr>
-          <p:cNvPr id="7" name="Picture 6"/>
-          <p:cNvPicPr>
-            <a:picLocks noChangeAspect="1"/>
-          </p:cNvPicPr>
-          <p:nvPr/>
-        </p:nvPicPr>
-        <p:blipFill rotWithShape="1">
-          <a:blip r:embed="rId20">
-            <a:extLst>
-              <a:ext uri="{28A0092B-C50C-407E-A947-70E740481C1C}">
-                <a14:useLocalDpi xmlns:a14="http://schemas.microsoft.com/office/drawing/2010/main" val="0"/>
-              </a:ext>
-            </a:extLst>
-          </a:blip>
-          <a:srcRect l="35640"/>
-          <a:stretch/>
-        </p:blipFill>
+        <p:txBody>
+          <a:bodyPr vert="horz" lIns="91440" tIns="45720" rIns="91440" bIns="45720" rtlCol="0" anchor="t">
+            <a:normAutofit/>
+          </a:bodyPr>
+          <a:lstStyle/>
+          <a:p>
+            <a:r>
+              <a:rPr lang="en-US"/>
+              <a:t>Click to edit Master title style</a:t>
+            </a:r>
+            <a:endParaRPr lang="en-US" dirty="0"/>
+          </a:p>
+        </p:txBody>
+      </p:sp>
+      <p:sp>
+        <p:nvSpPr>
+          <p:cNvPr id="3" name="Text Placeholder 2"/>
+          <p:cNvSpPr>
+            <a:spLocks noGrp="1"/>
+          </p:cNvSpPr>
+          <p:nvPr>
+            <p:ph type="body" idx="1"/>
+          </p:nvPr>
+        </p:nvSpPr>
         <p:spPr>
           <a:xfrm>
-            <a:off x="0" y="2892347"/>
-            <a:ext cx="1522412" cy="2365453"/>
+            <a:off x="677334" y="2160589"/>
+            <a:ext cx="8596668" cy="3880773"/>
           </a:xfrm>
           <a:prstGeom prst="rect">
             <a:avLst/>
           </a:prstGeom>
         </p:spPr>
-      </p:pic>
-      <p:sp>
-        <p:nvSpPr>
-          <p:cNvPr id="16" name="Oval 15"/>
-          <p:cNvSpPr/>
-          <p:nvPr/>
+        <p:txBody>
+          <a:bodyPr vert="horz" lIns="91440" tIns="45720" rIns="91440" bIns="45720" rtlCol="0">
+            <a:normAutofit/>
+          </a:bodyPr>
+          <a:lstStyle/>
+          <a:p>
+            <a:pPr lvl="0"/>
+            <a:r>
+              <a:rPr lang="en-US"/>
+              <a:t>Click to edit Master text styles</a:t>
+            </a:r>
+          </a:p>
+          <a:p>
+            <a:pPr lvl="1"/>
+            <a:r>
+              <a:rPr lang="en-US"/>
+              <a:t>Second level</a:t>
+            </a:r>
+          </a:p>
+          <a:p>
+            <a:pPr lvl="2"/>
+            <a:r>
+              <a:rPr lang="en-US"/>
+              <a:t>Third level</a:t>
+            </a:r>
+          </a:p>
+          <a:p>
+            <a:pPr lvl="3"/>
+            <a:r>
+              <a:rPr lang="en-US"/>
+              <a:t>Fourth level</a:t>
+            </a:r>
+          </a:p>
+          <a:p>
+            <a:pPr lvl="4"/>
+            <a:r>
+              <a:rPr lang="en-US"/>
+              <a:t>Fifth level</a:t>
+            </a:r>
+            <a:endParaRPr lang="en-US" dirty="0"/>
+          </a:p>
+        </p:txBody>
+      </p:sp>
+      <p:sp>
+        <p:nvSpPr>
+          <p:cNvPr id="4" name="Date Placeholder 3"/>
+          <p:cNvSpPr>
+            <a:spLocks noGrp="1"/>
+          </p:cNvSpPr>
+          <p:nvPr>
+            <p:ph type="dt" sz="half" idx="2"/>
+          </p:nvPr>
         </p:nvSpPr>
         <p:spPr>
           <a:xfrm>
-            <a:off x="8609012" y="1676400"/>
-            <a:ext cx="2819400" cy="2819400"/>
-          </a:xfrm>
-          <a:prstGeom prst="ellipse">
-            <a:avLst/>
-          </a:prstGeom>
-          <a:gradFill flip="none" rotWithShape="1">
-            <a:gsLst>
-              <a:gs pos="0">
-                <a:schemeClr val="bg2">
-                  <a:lumMod val="60000"/>
-                  <a:lumOff val="40000"/>
-                  <a:alpha val="7000"/>
-                </a:schemeClr>
-              </a:gs>
-              <a:gs pos="69000">
-                <a:schemeClr val="bg2">
-                  <a:lumMod val="60000"/>
-                  <a:lumOff val="40000"/>
-                  <a:alpha val="0"/>
-                </a:schemeClr>
-              </a:gs>
-              <a:gs pos="36000">
-                <a:schemeClr val="bg2">
-                  <a:lumMod val="60000"/>
-                  <a:lumOff val="40000"/>
-                  <a:alpha val="6000"/>
-                </a:schemeClr>
-              </a:gs>
-            </a:gsLst>
-            <a:path path="circle">
-              <a:fillToRect l="50000" t="50000" r="50000" b="50000"/>
-            </a:path>
-            <a:tileRect/>
-          </a:gradFill>
-          <a:ln>
-            <a:noFill/>
-          </a:ln>
-          <a:effectLst/>
-        </p:spPr>
-        <p:style>
-          <a:lnRef idx="1">
-            <a:schemeClr val="accent1"/>
-          </a:lnRef>
-          <a:fillRef idx="3">
-            <a:schemeClr val="accent1"/>
-          </a:fillRef>
-          <a:effectRef idx="2">
-            <a:schemeClr val="accent1"/>
-          </a:effectRef>
-          <a:fontRef idx="minor">
-            <a:schemeClr val="lt1"/>
-          </a:fontRef>
-        </p:style>
-      </p:sp>
-      <p:pic>
-        <p:nvPicPr>
-          <p:cNvPr id="9" name="Picture 8"/>
-          <p:cNvPicPr>
-            <a:picLocks noChangeAspect="1"/>
-          </p:cNvPicPr>
-          <p:nvPr/>
-        </p:nvPicPr>
-        <p:blipFill rotWithShape="1">
-          <a:blip r:embed="rId21">
-            <a:extLst>
-              <a:ext uri="{28A0092B-C50C-407E-A947-70E740481C1C}">
-                <a14:useLocalDpi xmlns:a14="http://schemas.microsoft.com/office/drawing/2010/main" val="0"/>
-              </a:ext>
-            </a:extLst>
-          </a:blip>
-          <a:srcRect t="28813"/>
-          <a:stretch/>
-        </p:blipFill>
-        <p:spPr>
-          <a:xfrm>
-            <a:off x="7999412" y="0"/>
-            <a:ext cx="1603387" cy="1141407"/>
+            <a:off x="7205133" y="6041362"/>
+            <a:ext cx="911939" cy="365125"/>
           </a:xfrm>
           <a:prstGeom prst="rect">
             <a:avLst/>
           </a:prstGeom>
         </p:spPr>
-      </p:pic>
-      <p:pic>
-        <p:nvPicPr>
-          <p:cNvPr id="10" name="Picture 9"/>
-          <p:cNvPicPr>
-            <a:picLocks noChangeAspect="1"/>
-          </p:cNvPicPr>
-          <p:nvPr/>
-        </p:nvPicPr>
-        <p:blipFill rotWithShape="1">
-          <a:blip r:embed="rId22">
-            <a:extLst>
-              <a:ext uri="{28A0092B-C50C-407E-A947-70E740481C1C}">
-                <a14:useLocalDpi xmlns:a14="http://schemas.microsoft.com/office/drawing/2010/main" val="0"/>
-              </a:ext>
-            </a:extLst>
-          </a:blip>
-          <a:srcRect b="23320"/>
-          <a:stretch/>
-        </p:blipFill>
+        <p:txBody>
+          <a:bodyPr vert="horz" lIns="91440" tIns="45720" rIns="91440" bIns="45720" rtlCol="0" anchor="ctr"/>
+          <a:lstStyle>
+            <a:lvl1pPr algn="r">
+              <a:defRPr sz="900">
+                <a:solidFill>
+                  <a:schemeClr val="tx1">
+                    <a:tint val="75000"/>
+                  </a:schemeClr>
+                </a:solidFill>
+              </a:defRPr>
+            </a:lvl1pPr>
+          </a:lstStyle>
+          <a:p>
+            <a:fld id="{AA69BB30-8325-4345-8DFA-998A30CB2488}" type="datetimeFigureOut">
+              <a:rPr lang="en-US" smtClean="0"/>
+              <a:t>9/9/2025</a:t>
+            </a:fld>
+            <a:endParaRPr lang="en-US"/>
+          </a:p>
+        </p:txBody>
+      </p:sp>
+      <p:sp>
+        <p:nvSpPr>
+          <p:cNvPr id="5" name="Footer Placeholder 4"/>
+          <p:cNvSpPr>
+            <a:spLocks noGrp="1"/>
+          </p:cNvSpPr>
+          <p:nvPr>
+            <p:ph type="ftr" sz="quarter" idx="3"/>
+          </p:nvPr>
+        </p:nvSpPr>
         <p:spPr>
           <a:xfrm>
-            <a:off x="8605878" y="6096000"/>
-            <a:ext cx="993734" cy="762000"/>
+            <a:off x="677334" y="6041362"/>
+            <a:ext cx="6297612" cy="365125"/>
           </a:xfrm>
           <a:prstGeom prst="rect">
             <a:avLst/>
           </a:prstGeom>
         </p:spPr>
-      </p:pic>
-      <p:sp>
-        <p:nvSpPr>
-          <p:cNvPr id="14" name="Rectangle 13"/>
-          <p:cNvSpPr/>
-          <p:nvPr/>
+        <p:txBody>
+          <a:bodyPr vert="horz" lIns="91440" tIns="45720" rIns="91440" bIns="45720" rtlCol="0" anchor="ctr"/>
+          <a:lstStyle>
+            <a:lvl1pPr algn="l">
+              <a:defRPr sz="900">
+                <a:solidFill>
+                  <a:schemeClr val="tx1">
+                    <a:tint val="75000"/>
+                  </a:schemeClr>
+                </a:solidFill>
+              </a:defRPr>
+            </a:lvl1pPr>
+          </a:lstStyle>
+          <a:p>
+            <a:endParaRPr lang="en-US"/>
+          </a:p>
+        </p:txBody>
+      </p:sp>
+      <p:sp>
+        <p:nvSpPr>
+          <p:cNvPr id="6" name="Slide Number Placeholder 5"/>
+          <p:cNvSpPr>
+            <a:spLocks noGrp="1"/>
+          </p:cNvSpPr>
+          <p:nvPr>
+            <p:ph type="sldNum" sz="quarter" idx="4"/>
+          </p:nvPr>
         </p:nvSpPr>
         <p:spPr>
           <a:xfrm>
-            <a:off x="10437812" y="0"/>
-            <a:ext cx="685800" cy="1143000"/>
-          </a:xfrm>
-          <a:prstGeom prst="rect">
-            <a:avLst/>
-          </a:prstGeom>
-          <a:solidFill>
-            <a:schemeClr val="accent1"/>
-          </a:solidFill>
-          <a:ln>
-            <a:noFill/>
-          </a:ln>
-        </p:spPr>
-        <p:style>
-          <a:lnRef idx="1">
-            <a:schemeClr val="accent1"/>
-          </a:lnRef>
-          <a:fillRef idx="3">
-            <a:schemeClr val="accent1"/>
-          </a:fillRef>
-          <a:effectRef idx="2">
-            <a:schemeClr val="accent1"/>
-          </a:effectRef>
-          <a:fontRef idx="minor">
-            <a:schemeClr val="lt1"/>
-          </a:fontRef>
-        </p:style>
-      </p:sp>
-      <p:sp>
-        <p:nvSpPr>
-          <p:cNvPr id="2" name="Title Placeholder 1"/>
-          <p:cNvSpPr>
-            <a:spLocks noGrp="1"/>
-          </p:cNvSpPr>
-          <p:nvPr>
-            <p:ph type="title"/>
-          </p:nvPr>
-        </p:nvSpPr>
-        <p:spPr>
-          <a:xfrm>
-            <a:off x="646111" y="452718"/>
-            <a:ext cx="9404723" cy="1400530"/>
+            <a:off x="8590663" y="6041362"/>
+            <a:ext cx="683339" cy="365125"/>
           </a:xfrm>
           <a:prstGeom prst="rect">
             <a:avLst/>
           </a:prstGeom>
         </p:spPr>
         <p:txBody>
-          <a:bodyPr vert="horz" lIns="91440" tIns="45720" rIns="91440" bIns="45720" rtlCol="0" anchor="t">
-            <a:noAutofit/>
-          </a:bodyPr>
-          <a:lstStyle/>
-          <a:p>
-            <a:r>
-              <a:rPr lang="en-US"/>
-              <a:t>Click to edit Master title style</a:t>
-            </a:r>
-            <a:endParaRPr lang="en-US" dirty="0"/>
-          </a:p>
-        </p:txBody>
-      </p:sp>
-      <p:sp>
-        <p:nvSpPr>
-          <p:cNvPr id="3" name="Text Placeholder 2"/>
-          <p:cNvSpPr>
-            <a:spLocks noGrp="1"/>
-          </p:cNvSpPr>
-          <p:nvPr>
-            <p:ph type="body" idx="1"/>
-          </p:nvPr>
-        </p:nvSpPr>
-        <p:spPr>
-          <a:xfrm>
-            <a:off x="1103312" y="2052918"/>
-            <a:ext cx="8946541" cy="4195481"/>
-          </a:xfrm>
-          <a:prstGeom prst="rect">
-            <a:avLst/>
-          </a:prstGeom>
-        </p:spPr>
-        <p:txBody>
-          <a:bodyPr vert="horz" lIns="91440" tIns="45720" rIns="91440" bIns="45720" rtlCol="0">
-            <a:normAutofit/>
-          </a:bodyPr>
-          <a:lstStyle/>
-          <a:p>
-            <a:pPr lvl="0"/>
-            <a:r>
-              <a:rPr lang="en-US"/>
-              <a:t>Click to edit Master text styles</a:t>
-            </a:r>
-          </a:p>
-          <a:p>
-            <a:pPr lvl="1"/>
-            <a:r>
-              <a:rPr lang="en-US"/>
-              <a:t>Second level</a:t>
-            </a:r>
-          </a:p>
-          <a:p>
-            <a:pPr lvl="2"/>
-            <a:r>
-              <a:rPr lang="en-US"/>
-              <a:t>Third level</a:t>
-            </a:r>
-          </a:p>
-          <a:p>
-            <a:pPr lvl="3"/>
-            <a:r>
-              <a:rPr lang="en-US"/>
-              <a:t>Fourth level</a:t>
-            </a:r>
-          </a:p>
-          <a:p>
-            <a:pPr lvl="4"/>
-            <a:r>
-              <a:rPr lang="en-US"/>
-              <a:t>Fifth level</a:t>
-            </a:r>
-            <a:endParaRPr lang="en-US" dirty="0"/>
-          </a:p>
-        </p:txBody>
-      </p:sp>
-      <p:sp>
-        <p:nvSpPr>
-          <p:cNvPr id="4" name="Date Placeholder 3"/>
-          <p:cNvSpPr>
-            <a:spLocks noGrp="1"/>
-          </p:cNvSpPr>
-          <p:nvPr>
-            <p:ph type="dt" sz="half" idx="2"/>
-          </p:nvPr>
-        </p:nvSpPr>
-        <p:spPr>
-          <a:xfrm rot="5400000">
-            <a:off x="10155639" y="1790701"/>
-            <a:ext cx="990599" cy="304799"/>
-          </a:xfrm>
-          <a:prstGeom prst="rect">
-            <a:avLst/>
-          </a:prstGeom>
-        </p:spPr>
-        <p:txBody>
-          <a:bodyPr vert="horz" lIns="91440" tIns="45720" rIns="91440" bIns="45720" rtlCol="0" anchor="t"/>
+          <a:bodyPr vert="horz" lIns="91440" tIns="45720" rIns="91440" bIns="45720" rtlCol="0" anchor="ctr"/>
           <a:lstStyle>
-            <a:lvl1pPr algn="l">
-              <a:defRPr sz="1100" b="0" i="0">
-                <a:solidFill>
-                  <a:schemeClr val="tx1">
-                    <a:tint val="75000"/>
-                    <a:alpha val="60000"/>
-                  </a:schemeClr>
-                </a:solidFill>
-              </a:defRPr>
-            </a:lvl1pPr>
-          </a:lstStyle>
-          <a:p>
-            <a:fld id="{AA69BB30-8325-4345-8DFA-998A30CB2488}" type="datetimeFigureOut">
-              <a:rPr lang="en-US" smtClean="0"/>
-              <a:t>9/9/2025</a:t>
-            </a:fld>
-            <a:endParaRPr lang="en-US"/>
-          </a:p>
-        </p:txBody>
-      </p:sp>
-      <p:sp>
-        <p:nvSpPr>
-          <p:cNvPr id="5" name="Footer Placeholder 4"/>
-          <p:cNvSpPr>
-            <a:spLocks noGrp="1"/>
-          </p:cNvSpPr>
-          <p:nvPr>
-            <p:ph type="ftr" sz="quarter" idx="3"/>
-          </p:nvPr>
-        </p:nvSpPr>
-        <p:spPr>
-          <a:xfrm rot="5400000">
-            <a:off x="8951573" y="3225297"/>
-            <a:ext cx="3859795" cy="304801"/>
-          </a:xfrm>
-          <a:prstGeom prst="rect">
-            <a:avLst/>
-          </a:prstGeom>
-        </p:spPr>
-        <p:txBody>
-          <a:bodyPr vert="horz" lIns="91440" tIns="45720" rIns="91440" bIns="45720" rtlCol="0" anchor="b"/>
-          <a:lstStyle>
-            <a:lvl1pPr algn="l">
-              <a:defRPr sz="1100" b="0" i="0">
-                <a:solidFill>
-                  <a:schemeClr val="tx1">
-                    <a:tint val="75000"/>
-                    <a:alpha val="60000"/>
-                  </a:schemeClr>
-                </a:solidFill>
-              </a:defRPr>
-            </a:lvl1pPr>
-          </a:lstStyle>
-          <a:p>
-            <a:endParaRPr lang="en-US"/>
-          </a:p>
-        </p:txBody>
-      </p:sp>
-      <p:sp>
-        <p:nvSpPr>
-          <p:cNvPr id="6" name="Slide Number Placeholder 5"/>
-          <p:cNvSpPr>
-            <a:spLocks noGrp="1"/>
-          </p:cNvSpPr>
-          <p:nvPr>
-            <p:ph type="sldNum" sz="quarter" idx="4"/>
-          </p:nvPr>
-        </p:nvSpPr>
-        <p:spPr bwMode="gray">
-          <a:xfrm>
-            <a:off x="10352540" y="295729"/>
-            <a:ext cx="838199" cy="767687"/>
-          </a:xfrm>
-          <a:prstGeom prst="rect">
-            <a:avLst/>
-          </a:prstGeom>
-        </p:spPr>
-        <p:txBody>
-          <a:bodyPr vert="horz" lIns="91440" tIns="45720" rIns="91440" bIns="45720" rtlCol="0" anchor="b"/>
-          <a:lstStyle>
-            <a:lvl1pPr algn="ctr">
-              <a:defRPr sz="2800" b="0" i="0">
-                <a:solidFill>
-                  <a:schemeClr val="tx1">
-                    <a:tint val="75000"/>
-                  </a:schemeClr>
+            <a:lvl1pPr algn="r">
+              <a:defRPr sz="900">
+                <a:solidFill>
+                  <a:schemeClr val="accent1"/>
                 </a:solidFill>
               </a:defRPr>
             </a:lvl1pPr>
@@ -5656,29 +5396,28 @@
     </p:spTree>
     <p:extLst>
       <p:ext uri="{BB962C8B-B14F-4D97-AF65-F5344CB8AC3E}">
-        <p14:creationId xmlns:p14="http://schemas.microsoft.com/office/powerpoint/2010/main" val="2959313910"/>
+        <p14:creationId xmlns:p14="http://schemas.microsoft.com/office/powerpoint/2010/main" val="3667853746"/>
       </p:ext>
     </p:extLst>
   </p:cSld>
-  <p:clrMap bg1="dk1" tx1="lt1" bg2="dk2" tx2="lt2" accent1="accent1" accent2="accent2" accent3="accent3" accent4="accent4" accent5="accent5" accent6="accent6" hlink="hlink" folHlink="folHlink"/>
+  <p:clrMap bg1="lt1" tx1="dk1" bg2="lt2" tx2="dk2" accent1="accent1" accent2="accent2" accent3="accent3" accent4="accent4" accent5="accent5" accent6="accent6" hlink="hlink" folHlink="folHlink"/>
   <p:sldLayoutIdLst>
-    <p:sldLayoutId id="2147483673" r:id="rId1"/>
-    <p:sldLayoutId id="2147483674" r:id="rId2"/>
-    <p:sldLayoutId id="2147483675" r:id="rId3"/>
-    <p:sldLayoutId id="2147483676" r:id="rId4"/>
-    <p:sldLayoutId id="2147483677" r:id="rId5"/>
-    <p:sldLayoutId id="2147483678" r:id="rId6"/>
-    <p:sldLayoutId id="2147483679" r:id="rId7"/>
-    <p:sldLayoutId id="2147483680" r:id="rId8"/>
-    <p:sldLayoutId id="2147483681" r:id="rId9"/>
-    <p:sldLayoutId id="2147483682" r:id="rId10"/>
-    <p:sldLayoutId id="2147483683" r:id="rId11"/>
-    <p:sldLayoutId id="2147483684" r:id="rId12"/>
-    <p:sldLayoutId id="2147483685" r:id="rId13"/>
-    <p:sldLayoutId id="2147483686" r:id="rId14"/>
-    <p:sldLayoutId id="2147483687" r:id="rId15"/>
-    <p:sldLayoutId id="2147483688" r:id="rId16"/>
-    <p:sldLayoutId id="2147483689" r:id="rId17"/>
+    <p:sldLayoutId id="2147483691" r:id="rId1"/>
+    <p:sldLayoutId id="2147483692" r:id="rId2"/>
+    <p:sldLayoutId id="2147483693" r:id="rId3"/>
+    <p:sldLayoutId id="2147483694" r:id="rId4"/>
+    <p:sldLayoutId id="2147483695" r:id="rId5"/>
+    <p:sldLayoutId id="2147483696" r:id="rId6"/>
+    <p:sldLayoutId id="2147483697" r:id="rId7"/>
+    <p:sldLayoutId id="2147483698" r:id="rId8"/>
+    <p:sldLayoutId id="2147483699" r:id="rId9"/>
+    <p:sldLayoutId id="2147483700" r:id="rId10"/>
+    <p:sldLayoutId id="2147483701" r:id="rId11"/>
+    <p:sldLayoutId id="2147483702" r:id="rId12"/>
+    <p:sldLayoutId id="2147483703" r:id="rId13"/>
+    <p:sldLayoutId id="2147483704" r:id="rId14"/>
+    <p:sldLayoutId id="2147483705" r:id="rId15"/>
+    <p:sldLayoutId id="2147483706" r:id="rId16"/>
   </p:sldLayoutIdLst>
   <p:txStyles>
     <p:titleStyle>
@@ -5687,9 +5426,9 @@
           <a:spcPct val="0"/>
         </a:spcBef>
         <a:buNone/>
-        <a:defRPr sz="4200" b="0" i="0" kern="1200">
+        <a:defRPr sz="3600" kern="1200">
           <a:solidFill>
-            <a:schemeClr val="tx2"/>
+            <a:schemeClr val="accent1"/>
           </a:solidFill>
           <a:latin typeface="+mj-lt"/>
           <a:ea typeface="+mj-ea"/>
@@ -5762,21 +5501,21 @@
           <a:spcPts val="0"/>
         </a:spcAft>
         <a:buClr>
-          <a:schemeClr val="bg2">
-            <a:lumMod val="40000"/>
-            <a:lumOff val="60000"/>
-          </a:schemeClr>
+          <a:schemeClr val="accent1"/>
         </a:buClr>
         <a:buSzPct val="80000"/>
         <a:buFont typeface="Wingdings 3" charset="2"/>
         <a:buChar char=""/>
-        <a:defRPr sz="2000" b="0" i="0" kern="1200">
+        <a:defRPr sz="1800" kern="1200">
           <a:solidFill>
-            <a:schemeClr val="tx1"/>
+            <a:schemeClr val="tx1">
+              <a:lumMod val="75000"/>
+              <a:lumOff val="25000"/>
+            </a:schemeClr>
           </a:solidFill>
-          <a:latin typeface="+mj-lt"/>
-          <a:ea typeface="+mj-ea"/>
-          <a:cs typeface="+mj-cs"/>
+          <a:latin typeface="+mn-lt"/>
+          <a:ea typeface="+mn-ea"/>
+          <a:cs typeface="+mn-cs"/>
         </a:defRPr>
       </a:lvl1pPr>
       <a:lvl2pPr marL="742950" indent="-285750" algn="l" defTabSz="457200" rtl="0" eaLnBrk="1" latinLnBrk="0" hangingPunct="1">
@@ -5787,21 +5526,21 @@
           <a:spcPts val="0"/>
         </a:spcAft>
         <a:buClr>
-          <a:schemeClr val="bg2">
-            <a:lumMod val="40000"/>
-            <a:lumOff val="60000"/>
-          </a:schemeClr>
+          <a:schemeClr val="accent1"/>
         </a:buClr>
         <a:buSzPct val="80000"/>
         <a:buFont typeface="Wingdings 3" charset="2"/>
         <a:buChar char=""/>
-        <a:defRPr sz="1800" b="0" i="0" kern="1200">
+        <a:defRPr sz="1600" kern="1200">
           <a:solidFill>
-            <a:schemeClr val="tx1"/>
+            <a:schemeClr val="tx1">
+              <a:lumMod val="75000"/>
+              <a:lumOff val="25000"/>
+            </a:schemeClr>
           </a:solidFill>
-          <a:latin typeface="+mj-lt"/>
-          <a:ea typeface="+mj-ea"/>
-          <a:cs typeface="+mj-cs"/>
+          <a:latin typeface="+mn-lt"/>
+          <a:ea typeface="+mn-ea"/>
+          <a:cs typeface="+mn-cs"/>
         </a:defRPr>
       </a:lvl2pPr>
       <a:lvl3pPr marL="1143000" indent="-228600" algn="l" defTabSz="457200" rtl="0" eaLnBrk="1" latinLnBrk="0" hangingPunct="1">
@@ -5812,21 +5551,21 @@
           <a:spcPts val="0"/>
         </a:spcAft>
         <a:buClr>
-          <a:schemeClr val="bg2">
-            <a:lumMod val="40000"/>
-            <a:lumOff val="60000"/>
-          </a:schemeClr>
+          <a:schemeClr val="accent1"/>
         </a:buClr>
         <a:buSzPct val="80000"/>
         <a:buFont typeface="Wingdings 3" charset="2"/>
         <a:buChar char=""/>
-        <a:defRPr sz="1600" b="0" i="0" kern="1200">
+        <a:defRPr sz="1400" kern="1200">
           <a:solidFill>
-            <a:schemeClr val="tx1"/>
+            <a:schemeClr val="tx1">
+              <a:lumMod val="75000"/>
+              <a:lumOff val="25000"/>
+            </a:schemeClr>
           </a:solidFill>
-          <a:latin typeface="+mj-lt"/>
-          <a:ea typeface="+mj-ea"/>
-          <a:cs typeface="+mj-cs"/>
+          <a:latin typeface="+mn-lt"/>
+          <a:ea typeface="+mn-ea"/>
+          <a:cs typeface="+mn-cs"/>
         </a:defRPr>
       </a:lvl3pPr>
       <a:lvl4pPr marL="1600200" indent="-228600" algn="l" defTabSz="457200" rtl="0" eaLnBrk="1" latinLnBrk="0" hangingPunct="1">
@@ -5837,21 +5576,21 @@
           <a:spcPts val="0"/>
         </a:spcAft>
         <a:buClr>
-          <a:schemeClr val="bg2">
-            <a:lumMod val="40000"/>
-            <a:lumOff val="60000"/>
-          </a:schemeClr>
+          <a:schemeClr val="accent1"/>
         </a:buClr>
         <a:buSzPct val="80000"/>
         <a:buFont typeface="Wingdings 3" charset="2"/>
         <a:buChar char=""/>
-        <a:defRPr sz="1400" b="0" i="0" kern="1200">
+        <a:defRPr sz="1200" kern="1200">
           <a:solidFill>
-            <a:schemeClr val="tx1"/>
+            <a:schemeClr val="tx1">
+              <a:lumMod val="75000"/>
+              <a:lumOff val="25000"/>
+            </a:schemeClr>
           </a:solidFill>
-          <a:latin typeface="+mj-lt"/>
-          <a:ea typeface="+mj-ea"/>
-          <a:cs typeface="+mj-cs"/>
+          <a:latin typeface="+mn-lt"/>
+          <a:ea typeface="+mn-ea"/>
+          <a:cs typeface="+mn-cs"/>
         </a:defRPr>
       </a:lvl4pPr>
       <a:lvl5pPr marL="2057400" indent="-228600" algn="l" defTabSz="457200" rtl="0" eaLnBrk="1" latinLnBrk="0" hangingPunct="1">
@@ -5862,24 +5601,24 @@
           <a:spcPts val="0"/>
         </a:spcAft>
         <a:buClr>
-          <a:schemeClr val="bg2">
-            <a:lumMod val="40000"/>
-            <a:lumOff val="60000"/>
-          </a:schemeClr>
+          <a:schemeClr val="accent1"/>
         </a:buClr>
         <a:buSzPct val="80000"/>
         <a:buFont typeface="Wingdings 3" charset="2"/>
         <a:buChar char=""/>
-        <a:defRPr sz="1400" b="0" i="0" kern="1200">
+        <a:defRPr sz="1200" kern="1200">
           <a:solidFill>
-            <a:schemeClr val="tx1"/>
+            <a:schemeClr val="tx1">
+              <a:lumMod val="75000"/>
+              <a:lumOff val="25000"/>
+            </a:schemeClr>
           </a:solidFill>
-          <a:latin typeface="+mj-lt"/>
-          <a:ea typeface="+mj-ea"/>
-          <a:cs typeface="+mj-cs"/>
+          <a:latin typeface="+mn-lt"/>
+          <a:ea typeface="+mn-ea"/>
+          <a:cs typeface="+mn-cs"/>
         </a:defRPr>
       </a:lvl5pPr>
-      <a:lvl6pPr marL="2506000" indent="-228600" algn="l" defTabSz="457200" rtl="0" eaLnBrk="1" latinLnBrk="0" hangingPunct="1">
+      <a:lvl6pPr marL="2514600" indent="-228600" algn="l" defTabSz="457200" rtl="0" eaLnBrk="1" latinLnBrk="0" hangingPunct="1">
         <a:spcBef>
           <a:spcPts val="1000"/>
         </a:spcBef>
@@ -5887,21 +5626,21 @@
           <a:spcPts val="0"/>
         </a:spcAft>
         <a:buClr>
-          <a:schemeClr val="bg2">
-            <a:lumMod val="40000"/>
-            <a:lumOff val="60000"/>
-          </a:schemeClr>
+          <a:schemeClr val="accent1"/>
         </a:buClr>
         <a:buSzPct val="80000"/>
         <a:buFont typeface="Wingdings 3" charset="2"/>
         <a:buChar char=""/>
-        <a:defRPr sz="1400" b="0" i="0" kern="1200">
+        <a:defRPr sz="1200" kern="1200">
           <a:solidFill>
-            <a:schemeClr val="tx1"/>
+            <a:schemeClr val="tx1">
+              <a:lumMod val="75000"/>
+              <a:lumOff val="25000"/>
+            </a:schemeClr>
           </a:solidFill>
-          <a:latin typeface="+mj-lt"/>
-          <a:ea typeface="+mj-ea"/>
-          <a:cs typeface="+mj-cs"/>
+          <a:latin typeface="+mn-lt"/>
+          <a:ea typeface="+mn-ea"/>
+          <a:cs typeface="+mn-cs"/>
         </a:defRPr>
       </a:lvl6pPr>
       <a:lvl7pPr marL="2971800" indent="-228600" algn="l" defTabSz="457200" rtl="0" eaLnBrk="1" latinLnBrk="0" hangingPunct="1">
@@ -5912,21 +5651,21 @@
           <a:spcPts val="0"/>
         </a:spcAft>
         <a:buClr>
-          <a:schemeClr val="bg2">
-            <a:lumMod val="40000"/>
-            <a:lumOff val="60000"/>
-          </a:schemeClr>
+          <a:schemeClr val="accent1"/>
         </a:buClr>
         <a:buSzPct val="80000"/>
         <a:buFont typeface="Wingdings 3" charset="2"/>
         <a:buChar char=""/>
-        <a:defRPr sz="1400" b="0" i="0" kern="1200">
+        <a:defRPr sz="1200" kern="1200">
           <a:solidFill>
-            <a:schemeClr val="tx1"/>
+            <a:schemeClr val="tx1">
+              <a:lumMod val="75000"/>
+              <a:lumOff val="25000"/>
+            </a:schemeClr>
           </a:solidFill>
-          <a:latin typeface="+mj-lt"/>
-          <a:ea typeface="+mj-ea"/>
-          <a:cs typeface="+mj-cs"/>
+          <a:latin typeface="+mn-lt"/>
+          <a:ea typeface="+mn-ea"/>
+          <a:cs typeface="+mn-cs"/>
         </a:defRPr>
       </a:lvl7pPr>
       <a:lvl8pPr marL="3429000" indent="-228600" algn="l" defTabSz="457200" rtl="0" eaLnBrk="1" latinLnBrk="0" hangingPunct="1">
@@ -5937,21 +5676,21 @@
           <a:spcPts val="0"/>
         </a:spcAft>
         <a:buClr>
-          <a:schemeClr val="bg2">
-            <a:lumMod val="40000"/>
-            <a:lumOff val="60000"/>
-          </a:schemeClr>
+          <a:schemeClr val="accent1"/>
         </a:buClr>
         <a:buSzPct val="80000"/>
         <a:buFont typeface="Wingdings 3" charset="2"/>
         <a:buChar char=""/>
-        <a:defRPr sz="1400" b="0" i="0" kern="1200">
+        <a:defRPr sz="1200" kern="1200">
           <a:solidFill>
-            <a:schemeClr val="tx1"/>
+            <a:schemeClr val="tx1">
+              <a:lumMod val="75000"/>
+              <a:lumOff val="25000"/>
+            </a:schemeClr>
           </a:solidFill>
-          <a:latin typeface="+mj-lt"/>
-          <a:ea typeface="+mj-ea"/>
-          <a:cs typeface="+mj-cs"/>
+          <a:latin typeface="+mn-lt"/>
+          <a:ea typeface="+mn-ea"/>
+          <a:cs typeface="+mn-cs"/>
         </a:defRPr>
       </a:lvl8pPr>
       <a:lvl9pPr marL="3886200" indent="-228600" algn="l" defTabSz="457200" rtl="0" eaLnBrk="1" latinLnBrk="0" hangingPunct="1">
@@ -5962,21 +5701,21 @@
           <a:spcPts val="0"/>
         </a:spcAft>
         <a:buClr>
-          <a:schemeClr val="bg2">
-            <a:lumMod val="40000"/>
-            <a:lumOff val="60000"/>
-          </a:schemeClr>
+          <a:schemeClr val="accent1"/>
         </a:buClr>
         <a:buSzPct val="80000"/>
         <a:buFont typeface="Wingdings 3" charset="2"/>
         <a:buChar char=""/>
-        <a:defRPr sz="1400" b="0" i="0" kern="1200">
+        <a:defRPr sz="1200" kern="1200">
           <a:solidFill>
-            <a:schemeClr val="tx1"/>
+            <a:schemeClr val="tx1">
+              <a:lumMod val="75000"/>
+              <a:lumOff val="25000"/>
+            </a:schemeClr>
           </a:solidFill>
-          <a:latin typeface="+mj-lt"/>
-          <a:ea typeface="+mj-ea"/>
-          <a:cs typeface="+mj-cs"/>
+          <a:latin typeface="+mn-lt"/>
+          <a:ea typeface="+mn-ea"/>
+          <a:cs typeface="+mn-cs"/>
         </a:defRPr>
       </a:lvl9pPr>
     </p:bodyStyle>
@@ -6185,7 +5924,7 @@
           <a:lstStyle/>
           <a:p>
             <a:r>
-              <a:t>Threats to Conservation</a:t>
+              <a:t>Regeneration</a:t>
             </a:r>
           </a:p>
         </p:txBody>
@@ -6209,19 +5948,25 @@
           <a:p>
             <a:pPr/>
             <a:r>
-              <a:t>Habitat loss and fragmentation</a:t>
+              <a:t>New growth initiation</a:t>
             </a:r>
           </a:p>
           <a:p>
             <a:pPr/>
             <a:r>
-              <a:t>Poaching and human-wildlife conflict</a:t>
+              <a:t>Bud formation</a:t>
             </a:r>
           </a:p>
           <a:p>
             <a:pPr/>
             <a:r>
-              <a:t>Climate change impact</a:t>
+              <a:t>Root development</a:t>
+            </a:r>
+          </a:p>
+          <a:p>
+            <a:pPr/>
+            <a:r>
+              <a:t>Re-growth</a:t>
             </a:r>
           </a:p>
         </p:txBody>
@@ -6260,7 +6005,7 @@
           <a:lstStyle/>
           <a:p>
             <a:r>
-              <a:t>Solutions and Strategies</a:t>
+              <a:t>Ecological Role</a:t>
             </a:r>
           </a:p>
         </p:txBody>
@@ -6284,19 +6029,25 @@
           <a:p>
             <a:pPr/>
             <a:r>
-              <a:t>Sustainable land-use practices</a:t>
+              <a:t>Food source</a:t>
             </a:r>
           </a:p>
           <a:p>
             <a:pPr/>
             <a:r>
-              <a:t>Community-based conservation</a:t>
+              <a:t>Oxygen production</a:t>
             </a:r>
           </a:p>
           <a:p>
             <a:pPr/>
             <a:r>
-              <a:t>Ecotourism and education</a:t>
+              <a:t>Soil stabilization</a:t>
+            </a:r>
+          </a:p>
+          <a:p>
+            <a:pPr/>
+            <a:r>
+              <a:t>Climate regulation</a:t>
             </a:r>
           </a:p>
         </p:txBody>
@@ -6335,7 +6086,7 @@
           <a:lstStyle/>
           <a:p>
             <a:r>
-              <a:t>Conclusion</a:t>
+              <a:t>Importance of Plant Life Cycle</a:t>
             </a:r>
           </a:p>
         </p:txBody>
@@ -6359,19 +6110,88 @@
           <a:p>
             <a:pPr/>
             <a:r>
-              <a:t>Preserving Africa's biodiversity</a:t>
+              <a:t>Ecological balance</a:t>
             </a:r>
           </a:p>
           <a:p>
             <a:pPr/>
             <a:r>
-              <a:t>Protecting ecosystems and species</a:t>
+              <a:t>Food security</a:t>
             </a:r>
           </a:p>
           <a:p>
             <a:pPr/>
             <a:r>
-              <a:t>Collaboration for conservation</a:t>
+              <a:t>Medicinal value</a:t>
+            </a:r>
+          </a:p>
+          <a:p>
+            <a:pPr/>
+            <a:r>
+              <a:t>Aesthetic appeal</a:t>
+            </a:r>
+          </a:p>
+        </p:txBody>
+      </p:sp>
+    </p:spTree>
+  </p:cSld>
+  <p:clrMapOvr>
+    <a:masterClrMapping/>
+  </p:clrMapOvr>
+</p:sld>
+</file>
+
+<file path=ppt/slides/slide13.xml><?xml version="1.0" encoding="utf-8"?>
+<p:sld xmlns:a="http://schemas.openxmlformats.org/drawingml/2006/main" xmlns:p="http://schemas.openxmlformats.org/presentationml/2006/main" xmlns:r="http://schemas.openxmlformats.org/officeDocument/2006/relationships">
+  <p:cSld>
+    <p:spTree>
+      <p:nvGrpSpPr>
+        <p:cNvPr id="1" name=""/>
+        <p:cNvGrpSpPr/>
+        <p:nvPr/>
+      </p:nvGrpSpPr>
+      <p:grpSpPr/>
+      <p:sp>
+        <p:nvSpPr>
+          <p:cNvPr id="2" name="Title 1"/>
+          <p:cNvSpPr>
+            <a:spLocks noGrp="1"/>
+          </p:cNvSpPr>
+          <p:nvPr>
+            <p:ph type="title"/>
+          </p:nvPr>
+        </p:nvSpPr>
+        <p:spPr/>
+        <p:txBody>
+          <a:bodyPr/>
+          <a:lstStyle/>
+          <a:p>
+            <a:r>
+              <a:t>Conclusion</a:t>
+            </a:r>
+          </a:p>
+        </p:txBody>
+      </p:sp>
+      <p:sp>
+        <p:nvSpPr>
+          <p:cNvPr id="3" name="Content Placeholder 2"/>
+          <p:cNvSpPr>
+            <a:spLocks noGrp="1"/>
+          </p:cNvSpPr>
+          <p:nvPr>
+            <p:ph idx="1"/>
+          </p:nvPr>
+        </p:nvSpPr>
+        <p:spPr/>
+        <p:txBody>
+          <a:bodyPr wrap="square">
+            <a:normAutofit/>
+          </a:bodyPr>
+          <a:lstStyle/>
+          <a:p>
+            <a:pPr/>
+            <a:r>
+              <a:t>Understanding the life cycle of plants is crucial for managing and conserving plant species. By appreciating the processes involved, we can develop effective strategies for plant cultivation and care.</a:t>
             </a:r>
           </a:p>
         </p:txBody>
@@ -6410,7 +6230,7 @@
           <a:lstStyle/>
           <a:p>
             <a:r>
-              <a:t>animals in africa</a:t>
+              <a:t>The Life Cycle of Plants</a:t>
             </a:r>
           </a:p>
         </p:txBody>
@@ -6494,19 +6314,7 @@
           <a:p>
             <a:pPr/>
             <a:r>
-              <a:t>Rich biodiversity of wildlife habitats</a:t>
-            </a:r>
-          </a:p>
-          <a:p>
-            <a:pPr/>
-            <a:r>
-              <a:t>Home to iconic species and ecosystems</a:t>
-            </a:r>
-          </a:p>
-          <a:p>
-            <a:pPr/>
-            <a:r>
-              <a:t>Threats to conservation and ecosystems</a:t>
+              <a:t>The life cycle of plants is a continuous process that involves growth, development, reproduction, and regeneration. This process is essential for the survival and diversity of plant species. Understanding the life cycle of plants helps us appreciate their importance in our ecosystem. It also informs us on how to cultivate and care for plants effectively.</a:t>
             </a:r>
           </a:p>
         </p:txBody>
@@ -6545,7 +6353,7 @@
           <a:lstStyle/>
           <a:p>
             <a:r>
-              <a:t>Unique African Wildlife</a:t>
+              <a:t>Germination</a:t>
             </a:r>
           </a:p>
         </p:txBody>
@@ -6569,19 +6377,25 @@
           <a:p>
             <a:pPr/>
             <a:r>
-              <a:t>Lions and leopards</a:t>
+              <a:t>Seed dispersal</a:t>
             </a:r>
           </a:p>
           <a:p>
             <a:pPr/>
             <a:r>
-              <a:t>Cheetahs and hyenas</a:t>
+              <a:t>Soil preparation</a:t>
             </a:r>
           </a:p>
           <a:p>
             <a:pPr/>
             <a:r>
-              <a:t>African elephants</a:t>
+              <a:t>Water absorption</a:t>
+            </a:r>
+          </a:p>
+          <a:p>
+            <a:pPr/>
+            <a:r>
+              <a:t>Root development</a:t>
             </a:r>
           </a:p>
         </p:txBody>
@@ -6620,7 +6434,7 @@
           <a:lstStyle/>
           <a:p>
             <a:r>
-              <a:t>Savannas and Grasslands</a:t>
+              <a:t>Seedling Stage</a:t>
             </a:r>
           </a:p>
         </p:txBody>
@@ -6644,19 +6458,25 @@
           <a:p>
             <a:pPr/>
             <a:r>
-              <a:t>Serengeti National Park</a:t>
+              <a:t>Seedling emergence</a:t>
             </a:r>
           </a:p>
           <a:p>
             <a:pPr/>
             <a:r>
-              <a:t>Maasai Mara National Reserve</a:t>
+              <a:t>Root growth</a:t>
             </a:r>
           </a:p>
           <a:p>
             <a:pPr/>
             <a:r>
-              <a:t>Okavango Delta</a:t>
+              <a:t>Stem elongation</a:t>
+            </a:r>
+          </a:p>
+          <a:p>
+            <a:pPr/>
+            <a:r>
+              <a:t>Leaf formation</a:t>
             </a:r>
           </a:p>
         </p:txBody>
@@ -6695,7 +6515,7 @@
           <a:lstStyle/>
           <a:p>
             <a:r>
-              <a:t>Mountainous Habitats</a:t>
+              <a:t>Growth Stage</a:t>
             </a:r>
           </a:p>
         </p:txBody>
@@ -6719,19 +6539,25 @@
           <a:p>
             <a:pPr/>
             <a:r>
-              <a:t>Mountains of the Moon</a:t>
+              <a:t>Cell division</a:t>
             </a:r>
           </a:p>
           <a:p>
             <a:pPr/>
             <a:r>
-              <a:t>Ethiopian Highlands</a:t>
+              <a:t>Cell expansion</a:t>
             </a:r>
           </a:p>
           <a:p>
             <a:pPr/>
             <a:r>
-              <a:t>Drakensberg Mountains</a:t>
+              <a:t>Photosynthesis</a:t>
+            </a:r>
+          </a:p>
+          <a:p>
+            <a:pPr/>
+            <a:r>
+              <a:t>Hormone regulation</a:t>
             </a:r>
           </a:p>
         </p:txBody>
@@ -6770,7 +6596,7 @@
           <a:lstStyle/>
           <a:p>
             <a:r>
-              <a:t>Desert Adaptations</a:t>
+              <a:t>Reproduction Stage</a:t>
             </a:r>
           </a:p>
         </p:txBody>
@@ -6794,19 +6620,25 @@
           <a:p>
             <a:pPr/>
             <a:r>
-              <a:t>Camels and fennec foxes</a:t>
+              <a:t>Flower formation</a:t>
             </a:r>
           </a:p>
           <a:p>
             <a:pPr/>
             <a:r>
-              <a:t>Horned vipers and scorpions</a:t>
+              <a:t>Pollination</a:t>
             </a:r>
           </a:p>
           <a:p>
             <a:pPr/>
             <a:r>
-              <a:t>Adaptation to arid environments</a:t>
+              <a:t>Fertilization</a:t>
+            </a:r>
+          </a:p>
+          <a:p>
+            <a:pPr/>
+            <a:r>
+              <a:t>Seed production</a:t>
             </a:r>
           </a:p>
         </p:txBody>
@@ -6845,7 +6677,7 @@
           <a:lstStyle/>
           <a:p>
             <a:r>
-              <a:t>Riverine Ecosystems</a:t>
+              <a:t>Maturity Stage</a:t>
             </a:r>
           </a:p>
         </p:txBody>
@@ -6869,19 +6701,25 @@
           <a:p>
             <a:pPr/>
             <a:r>
-              <a:t>Nile River delta</a:t>
+              <a:t>Fruit development</a:t>
             </a:r>
           </a:p>
           <a:p>
             <a:pPr/>
             <a:r>
-              <a:t>Okavango River delta</a:t>
+              <a:t>Seed dispersal</a:t>
             </a:r>
           </a:p>
           <a:p>
             <a:pPr/>
             <a:r>
-              <a:t>Congo River basin</a:t>
+              <a:t>Senescence</a:t>
+            </a:r>
+          </a:p>
+          <a:p>
+            <a:pPr/>
+            <a:r>
+              <a:t>Dormancy</a:t>
             </a:r>
           </a:p>
         </p:txBody>
@@ -6920,7 +6758,7 @@
           <a:lstStyle/>
           <a:p>
             <a:r>
-              <a:t>Conservation Efforts</a:t>
+              <a:t>Dormancy</a:t>
             </a:r>
           </a:p>
         </p:txBody>
@@ -6944,19 +6782,25 @@
           <a:p>
             <a:pPr/>
             <a:r>
-              <a:t>African Wildlife Foundation</a:t>
+              <a:t>Environmental adaptation</a:t>
             </a:r>
           </a:p>
           <a:p>
             <a:pPr/>
             <a:r>
-              <a:t>World Wildlife Fund</a:t>
+              <a:t>Reduced metabolic activity</a:t>
             </a:r>
           </a:p>
           <a:p>
             <a:pPr/>
             <a:r>
-              <a:t>National parks and protected areas</a:t>
+              <a:t>Protection from stress</a:t>
+            </a:r>
+          </a:p>
+          <a:p>
+            <a:pPr/>
+            <a:r>
+              <a:t>Conservation of energy</a:t>
             </a:r>
           </a:p>
         </p:txBody>
@@ -6970,9 +6814,9 @@
 </file>
 
 <file path=ppt/theme/theme1.xml><?xml version="1.0" encoding="utf-8"?>
-<a:theme xmlns:a="http://schemas.openxmlformats.org/drawingml/2006/main" name="Ion">
+<a:theme xmlns:a="http://schemas.openxmlformats.org/drawingml/2006/main" name="Facet">
   <a:themeElements>
-    <a:clrScheme name="Ion">
+    <a:clrScheme name="Facet">
       <a:dk1>
         <a:sysClr val="windowText" lastClr="000000"/>
       </a:dk1>
@@ -6980,52 +6824,52 @@
         <a:sysClr val="window" lastClr="FFFFFF"/>
       </a:lt1>
       <a:dk2>
-        <a:srgbClr val="1E5155"/>
+        <a:srgbClr val="2C3C43"/>
       </a:dk2>
       <a:lt2>
         <a:srgbClr val="EBEBEB"/>
       </a:lt2>
       <a:accent1>
-        <a:srgbClr val="B01513"/>
+        <a:srgbClr val="90C226"/>
       </a:accent1>
       <a:accent2>
-        <a:srgbClr val="EA6312"/>
+        <a:srgbClr val="54A021"/>
       </a:accent2>
       <a:accent3>
-        <a:srgbClr val="E6B729"/>
+        <a:srgbClr val="E6B91E"/>
       </a:accent3>
       <a:accent4>
-        <a:srgbClr val="6AAC90"/>
+        <a:srgbClr val="E76618"/>
       </a:accent4>
       <a:accent5>
-        <a:srgbClr val="54849A"/>
+        <a:srgbClr val="C42F1A"/>
       </a:accent5>
       <a:accent6>
-        <a:srgbClr val="9E5E9B"/>
+        <a:srgbClr val="918655"/>
       </a:accent6>
       <a:hlink>
-        <a:srgbClr val="58C1BA"/>
+        <a:srgbClr val="99CA3C"/>
       </a:hlink>
       <a:folHlink>
-        <a:srgbClr val="9DFFCB"/>
+        <a:srgbClr val="B9D181"/>
       </a:folHlink>
     </a:clrScheme>
-    <a:fontScheme name="Ion">
+    <a:fontScheme name="Facet">
       <a:majorFont>
-        <a:latin typeface="Century Gothic" panose="020B0502020202020204"/>
+        <a:latin typeface="Trebuchet MS" panose="020B0603020202020204"/>
         <a:ea typeface=""/>
         <a:cs typeface=""/>
         <a:font script="Jpan" typeface="メイリオ"/>
         <a:font script="Hang" typeface="맑은 고딕"/>
-        <a:font script="Hans" typeface="宋体"/>
-        <a:font script="Hant" typeface="新細明體"/>
-        <a:font script="Arab" typeface="Times New Roman"/>
-        <a:font script="Hebr" typeface="Times New Roman"/>
-        <a:font script="Thai" typeface="Angsana New"/>
+        <a:font script="Hans" typeface="方正姚体"/>
+        <a:font script="Hant" typeface="微軟正黑體"/>
+        <a:font script="Arab" typeface="Tahoma"/>
+        <a:font script="Hebr" typeface="Arial"/>
+        <a:font script="Thai" typeface="Cordia New"/>
         <a:font script="Ethi" typeface="Nyala"/>
         <a:font script="Beng" typeface="Vrinda"/>
         <a:font script="Gujr" typeface="Shruti"/>
-        <a:font script="Khmr" typeface="MoolBoran"/>
+        <a:font script="Khmr" typeface="DaunPenh"/>
         <a:font script="Knda" typeface="Tunga"/>
         <a:font script="Guru" typeface="Raavi"/>
         <a:font script="Cans" typeface="Euphemia"/>
@@ -7042,21 +6886,21 @@
         <a:font script="Laoo" typeface="DokChampa"/>
         <a:font script="Sinh" typeface="Iskoola Pota"/>
         <a:font script="Mong" typeface="Mongolian Baiti"/>
-        <a:font script="Viet" typeface="Times New Roman"/>
+        <a:font script="Viet" typeface="Tahoma"/>
         <a:font script="Uigh" typeface="Microsoft Uighur"/>
         <a:font script="Geor" typeface="Sylfaen"/>
       </a:majorFont>
       <a:minorFont>
-        <a:latin typeface="Century Gothic" panose="020B0502020202020204"/>
+        <a:latin typeface="Trebuchet MS" panose="020B0603020202020204"/>
         <a:ea typeface=""/>
         <a:cs typeface=""/>
         <a:font script="Jpan" typeface="メイリオ"/>
-        <a:font script="Hang" typeface="맑은 고딕"/>
-        <a:font script="Hans" typeface="宋体"/>
-        <a:font script="Hant" typeface="新細明體"/>
-        <a:font script="Arab" typeface="Arial"/>
-        <a:font script="Hebr" typeface="Arial"/>
-        <a:font script="Thai" typeface="Cordia New"/>
+        <a:font script="Hang" typeface="HY그래픽M"/>
+        <a:font script="Hans" typeface="华文新魏"/>
+        <a:font script="Hant" typeface="微軟正黑體"/>
+        <a:font script="Arab" typeface="Tahoma"/>
+        <a:font script="Hebr" typeface="Gisha"/>
+        <a:font script="Thai" typeface="IrisUPC"/>
         <a:font script="Ethi" typeface="Nyala"/>
         <a:font script="Beng" typeface="Vrinda"/>
         <a:font script="Gujr" typeface="Shruti"/>
@@ -7082,7 +6926,7 @@
         <a:font script="Geor" typeface="Sylfaen"/>
       </a:minorFont>
     </a:fontScheme>
-    <a:fmtScheme name="Ion">
+    <a:fmtScheme name="Facet">
       <a:fillStyleLst>
         <a:solidFill>
           <a:schemeClr val="phClr"/>
@@ -7091,15 +6935,13 @@
           <a:gsLst>
             <a:gs pos="0">
               <a:schemeClr val="phClr">
-                <a:tint val="64000"/>
-                <a:lumMod val="118000"/>
+                <a:tint val="65000"/>
+                <a:lumMod val="110000"/>
               </a:schemeClr>
             </a:gs>
-            <a:gs pos="100000">
+            <a:gs pos="88000">
               <a:schemeClr val="phClr">
-                <a:tint val="92000"/>
-                <a:alpha val="100000"/>
-                <a:lumMod val="110000"/>
+                <a:tint val="90000"/>
               </a:schemeClr>
             </a:gs>
           </a:gsLst>
@@ -7109,14 +6951,14 @@
           <a:gsLst>
             <a:gs pos="0">
               <a:schemeClr val="phClr">
-                <a:tint val="98000"/>
-                <a:lumMod val="114000"/>
+                <a:tint val="96000"/>
+                <a:lumMod val="100000"/>
               </a:schemeClr>
             </a:gs>
-            <a:gs pos="100000">
+            <a:gs pos="78000">
               <a:schemeClr val="phClr">
-                <a:shade val="90000"/>
-                <a:lumMod val="84000"/>
+                <a:shade val="94000"/>
+                <a:lumMod val="94000"/>
               </a:schemeClr>
             </a:gs>
           </a:gsLst>
@@ -7124,7 +6966,7 @@
         </a:gradFill>
       </a:fillStyleLst>
       <a:lnStyleLst>
-        <a:ln w="9525" cap="rnd" cmpd="sng" algn="ctr">
+        <a:ln w="12700" cap="rnd" cmpd="sng" algn="ctr">
           <a:solidFill>
             <a:schemeClr val="phClr"/>
           </a:solidFill>
@@ -7136,7 +6978,7 @@
           </a:solidFill>
           <a:prstDash val="solid"/>
         </a:ln>
-        <a:ln w="28575" cap="rnd" cmpd="sng" algn="ctr">
+        <a:ln w="25400" cap="rnd" cmpd="sng" algn="ctr">
           <a:solidFill>
             <a:schemeClr val="phClr"/>
           </a:solidFill>
@@ -7151,16 +6993,16 @@
           <a:effectLst>
             <a:outerShdw blurRad="38100" dist="25400" dir="5400000" rotWithShape="0">
               <a:srgbClr val="000000">
-                <a:alpha val="45000"/>
+                <a:alpha val="35000"/>
               </a:srgbClr>
             </a:outerShdw>
           </a:effectLst>
         </a:effectStyle>
         <a:effectStyle>
           <a:effectLst>
-            <a:outerShdw blurRad="63500" dist="38100" dir="5400000" rotWithShape="0">
+            <a:outerShdw blurRad="50800" dist="38100" dir="5400000" rotWithShape="0">
               <a:srgbClr val="000000">
-                <a:alpha val="60000"/>
+                <a:alpha val="35000"/>
               </a:srgbClr>
             </a:outerShdw>
           </a:effectLst>
@@ -7183,45 +7025,38 @@
           <a:gsLst>
             <a:gs pos="0">
               <a:schemeClr val="phClr">
-                <a:tint val="97000"/>
-                <a:hueMod val="88000"/>
-                <a:satMod val="130000"/>
-                <a:lumMod val="124000"/>
+                <a:tint val="90000"/>
+                <a:lumMod val="104000"/>
+              </a:schemeClr>
+            </a:gs>
+            <a:gs pos="94000">
+              <a:schemeClr val="phClr">
+                <a:shade val="96000"/>
+                <a:lumMod val="82000"/>
+              </a:schemeClr>
+            </a:gs>
+          </a:gsLst>
+          <a:lin ang="5400000" scaled="0"/>
+        </a:gradFill>
+        <a:gradFill rotWithShape="1">
+          <a:gsLst>
+            <a:gs pos="0">
+              <a:schemeClr val="phClr">
+                <a:tint val="90000"/>
+                <a:lumMod val="110000"/>
               </a:schemeClr>
             </a:gs>
             <a:gs pos="100000">
               <a:schemeClr val="phClr">
-                <a:tint val="96000"/>
-                <a:shade val="88000"/>
-                <a:hueMod val="108000"/>
-                <a:satMod val="164000"/>
-                <a:lumMod val="76000"/>
+                <a:shade val="94000"/>
+                <a:lumMod val="96000"/>
               </a:schemeClr>
             </a:gs>
           </a:gsLst>
           <a:path path="circle">
-            <a:fillToRect l="45000" t="65000" r="125000" b="100000"/>
+            <a:fillToRect l="50000" t="50000" r="100000" b="100000"/>
           </a:path>
         </a:gradFill>
-        <a:blipFill rotWithShape="1">
-          <a:blip xmlns:r="http://schemas.openxmlformats.org/officeDocument/2006/relationships" r:embed="rId1">
-            <a:duotone>
-              <a:schemeClr val="phClr">
-                <a:shade val="69000"/>
-                <a:hueMod val="108000"/>
-                <a:satMod val="164000"/>
-                <a:lumMod val="74000"/>
-              </a:schemeClr>
-              <a:schemeClr val="phClr">
-                <a:tint val="96000"/>
-                <a:hueMod val="88000"/>
-                <a:satMod val="140000"/>
-                <a:lumMod val="132000"/>
-              </a:schemeClr>
-            </a:duotone>
-          </a:blip>
-          <a:stretch/>
-        </a:blipFill>
       </a:bgFillStyleLst>
     </a:fmtScheme>
   </a:themeElements>
@@ -7229,7 +7064,7 @@
   <a:extraClrSchemeLst/>
   <a:extLst>
     <a:ext uri="{05A4C25C-085E-4340-85A3-A5531E510DB2}">
-      <thm15:themeFamily xmlns:thm15="http://schemas.microsoft.com/office/thememl/2012/main" name="Ion" id="{B8441ADB-2E43-4AF7-B97A-BD870242C6A8}" vid="{292E63A9-BB86-4E3D-B92A-7223C6510D2E}"/>
+      <thm15:themeFamily xmlns:thm15="http://schemas.microsoft.com/office/thememl/2012/main" name="Facet" id="{C0C680CD-088A-49FC-A102-D699147F32B2}" vid="{CFBC31BA-B70F-4F30-BCAA-4F3011E16C4D}"/>
     </a:ext>
   </a:extLst>
 </a:theme>
